--- a/05-Loops.pptx
+++ b/05-Loops.pptx
@@ -13,19 +13,21 @@
     <p:sldId id="312" r:id="rId7"/>
     <p:sldId id="322" r:id="rId8"/>
     <p:sldId id="311" r:id="rId9"/>
-    <p:sldId id="314" r:id="rId10"/>
-    <p:sldId id="323" r:id="rId11"/>
-    <p:sldId id="320" r:id="rId12"/>
-    <p:sldId id="313" r:id="rId13"/>
-    <p:sldId id="324" r:id="rId14"/>
-    <p:sldId id="307" r:id="rId15"/>
-    <p:sldId id="315" r:id="rId16"/>
-    <p:sldId id="325" r:id="rId17"/>
-    <p:sldId id="317" r:id="rId18"/>
-    <p:sldId id="316" r:id="rId19"/>
-    <p:sldId id="318" r:id="rId20"/>
-    <p:sldId id="268" r:id="rId21"/>
-    <p:sldId id="290" r:id="rId22"/>
+    <p:sldId id="327" r:id="rId10"/>
+    <p:sldId id="314" r:id="rId11"/>
+    <p:sldId id="323" r:id="rId12"/>
+    <p:sldId id="320" r:id="rId13"/>
+    <p:sldId id="313" r:id="rId14"/>
+    <p:sldId id="328" r:id="rId15"/>
+    <p:sldId id="324" r:id="rId16"/>
+    <p:sldId id="307" r:id="rId17"/>
+    <p:sldId id="315" r:id="rId18"/>
+    <p:sldId id="325" r:id="rId19"/>
+    <p:sldId id="317" r:id="rId20"/>
+    <p:sldId id="316" r:id="rId21"/>
+    <p:sldId id="318" r:id="rId22"/>
+    <p:sldId id="268" r:id="rId23"/>
+    <p:sldId id="290" r:id="rId24"/>
   </p:sldIdLst>
   <p:sldSz cx="9144000" cy="6858000" type="screen4x3"/>
   <p:notesSz cx="6858000" cy="9144000"/>
@@ -124,6 +126,22 @@
       </a:defRPr>
     </a:lvl9pPr>
   </p:defaultTextStyle>
+  <p:extLst>
+    <p:ext uri="{EFAFB233-063F-42B5-8137-9DF3F51BA10A}">
+      <p15:sldGuideLst xmlns:p15="http://schemas.microsoft.com/office/powerpoint/2012/main">
+        <p15:guide id="1" orient="horz" pos="2160">
+          <p15:clr>
+            <a:srgbClr val="A4A3A4"/>
+          </p15:clr>
+        </p15:guide>
+        <p15:guide id="2" pos="2880">
+          <p15:clr>
+            <a:srgbClr val="A4A3A4"/>
+          </p15:clr>
+        </p15:guide>
+      </p15:sldGuideLst>
+    </p:ext>
+  </p:extLst>
 </p:presentation>
 </file>
 
@@ -308,7 +326,7 @@
           <a:p>
             <a:fld id="{3EA744D9-3FBE-48D8-BF2A-85DF203E4D20}" type="datetimeFigureOut">
               <a:rPr lang="bg-BG" smtClean="0"/>
-              <a:t>6.5.2015 г.</a:t>
+              <a:t>19.12.2015 г.</a:t>
             </a:fld>
             <a:endParaRPr lang="bg-BG"/>
           </a:p>
@@ -478,7 +496,7 @@
           <a:p>
             <a:fld id="{3EA744D9-3FBE-48D8-BF2A-85DF203E4D20}" type="datetimeFigureOut">
               <a:rPr lang="bg-BG" smtClean="0"/>
-              <a:t>6.5.2015 г.</a:t>
+              <a:t>19.12.2015 г.</a:t>
             </a:fld>
             <a:endParaRPr lang="bg-BG"/>
           </a:p>
@@ -658,7 +676,7 @@
           <a:p>
             <a:fld id="{3EA744D9-3FBE-48D8-BF2A-85DF203E4D20}" type="datetimeFigureOut">
               <a:rPr lang="bg-BG" smtClean="0"/>
-              <a:t>6.5.2015 г.</a:t>
+              <a:t>19.12.2015 г.</a:t>
             </a:fld>
             <a:endParaRPr lang="bg-BG"/>
           </a:p>
@@ -828,7 +846,7 @@
           <a:p>
             <a:fld id="{3EA744D9-3FBE-48D8-BF2A-85DF203E4D20}" type="datetimeFigureOut">
               <a:rPr lang="bg-BG" smtClean="0"/>
-              <a:t>6.5.2015 г.</a:t>
+              <a:t>19.12.2015 г.</a:t>
             </a:fld>
             <a:endParaRPr lang="bg-BG"/>
           </a:p>
@@ -1074,7 +1092,7 @@
           <a:p>
             <a:fld id="{3EA744D9-3FBE-48D8-BF2A-85DF203E4D20}" type="datetimeFigureOut">
               <a:rPr lang="bg-BG" smtClean="0"/>
-              <a:t>6.5.2015 г.</a:t>
+              <a:t>19.12.2015 г.</a:t>
             </a:fld>
             <a:endParaRPr lang="bg-BG"/>
           </a:p>
@@ -1362,7 +1380,7 @@
           <a:p>
             <a:fld id="{3EA744D9-3FBE-48D8-BF2A-85DF203E4D20}" type="datetimeFigureOut">
               <a:rPr lang="bg-BG" smtClean="0"/>
-              <a:t>6.5.2015 г.</a:t>
+              <a:t>19.12.2015 г.</a:t>
             </a:fld>
             <a:endParaRPr lang="bg-BG"/>
           </a:p>
@@ -1784,7 +1802,7 @@
           <a:p>
             <a:fld id="{3EA744D9-3FBE-48D8-BF2A-85DF203E4D20}" type="datetimeFigureOut">
               <a:rPr lang="bg-BG" smtClean="0"/>
-              <a:t>6.5.2015 г.</a:t>
+              <a:t>19.12.2015 г.</a:t>
             </a:fld>
             <a:endParaRPr lang="bg-BG"/>
           </a:p>
@@ -1902,7 +1920,7 @@
           <a:p>
             <a:fld id="{3EA744D9-3FBE-48D8-BF2A-85DF203E4D20}" type="datetimeFigureOut">
               <a:rPr lang="bg-BG" smtClean="0"/>
-              <a:t>6.5.2015 г.</a:t>
+              <a:t>19.12.2015 г.</a:t>
             </a:fld>
             <a:endParaRPr lang="bg-BG"/>
           </a:p>
@@ -1997,7 +2015,7 @@
           <a:p>
             <a:fld id="{3EA744D9-3FBE-48D8-BF2A-85DF203E4D20}" type="datetimeFigureOut">
               <a:rPr lang="bg-BG" smtClean="0"/>
-              <a:t>6.5.2015 г.</a:t>
+              <a:t>19.12.2015 г.</a:t>
             </a:fld>
             <a:endParaRPr lang="bg-BG"/>
           </a:p>
@@ -2274,7 +2292,7 @@
           <a:p>
             <a:fld id="{3EA744D9-3FBE-48D8-BF2A-85DF203E4D20}" type="datetimeFigureOut">
               <a:rPr lang="bg-BG" smtClean="0"/>
-              <a:t>6.5.2015 г.</a:t>
+              <a:t>19.12.2015 г.</a:t>
             </a:fld>
             <a:endParaRPr lang="bg-BG"/>
           </a:p>
@@ -2527,7 +2545,7 @@
           <a:p>
             <a:fld id="{3EA744D9-3FBE-48D8-BF2A-85DF203E4D20}" type="datetimeFigureOut">
               <a:rPr lang="bg-BG" smtClean="0"/>
-              <a:t>6.5.2015 г.</a:t>
+              <a:t>19.12.2015 г.</a:t>
             </a:fld>
             <a:endParaRPr lang="bg-BG"/>
           </a:p>
@@ -2749,7 +2767,7 @@
           <a:p>
             <a:fld id="{3EA744D9-3FBE-48D8-BF2A-85DF203E4D20}" type="datetimeFigureOut">
               <a:rPr lang="bg-BG" smtClean="0"/>
-              <a:t>6.5.2015 г.</a:t>
+              <a:t>19.12.2015 г.</a:t>
             </a:fld>
             <a:endParaRPr lang="bg-BG"/>
           </a:p>
@@ -3232,12 +3250,14 @@
           </a:xfrm>
         </p:spPr>
         <p:txBody>
-          <a:bodyPr/>
+          <a:bodyPr>
+            <a:normAutofit/>
+          </a:bodyPr>
           <a:lstStyle/>
           <a:p>
             <a:pPr algn="l"/>
             <a:r>
-              <a:rPr lang="bg-BG" dirty="0">
+              <a:rPr lang="bg-BG" dirty="0" smtClean="0">
                 <a:solidFill>
                   <a:schemeClr val="accent6"/>
                 </a:solidFill>
@@ -3245,7 +3265,7 @@
               <a:t>Цикълът</a:t>
             </a:r>
             <a:r>
-              <a:rPr lang="en-US" dirty="0">
+              <a:rPr lang="en-US" dirty="0" smtClean="0">
                 <a:solidFill>
                   <a:schemeClr val="accent6"/>
                 </a:solidFill>
@@ -3282,41 +3302,22 @@
           </a:bodyPr>
           <a:lstStyle/>
           <a:p>
-            <a:pPr marL="0" indent="0">
-              <a:buNone/>
+            <a:pPr>
+              <a:buFont typeface="Wingdings" panose="05000000000000000000" pitchFamily="2" charset="2"/>
+              <a:buChar char="§"/>
             </a:pPr>
             <a:r>
-              <a:rPr lang="en-US" dirty="0" smtClean="0">
-                <a:solidFill>
-                  <a:schemeClr val="bg1">
-                    <a:lumMod val="95000"/>
-                  </a:schemeClr>
-                </a:solidFill>
-              </a:rPr>
-              <a:t>for (initialization; check; </a:t>
-            </a:r>
-            <a:r>
-              <a:rPr lang="en-US" dirty="0" err="1" smtClean="0">
-                <a:solidFill>
-                  <a:schemeClr val="bg1">
-                    <a:lumMod val="95000"/>
-                  </a:schemeClr>
-                </a:solidFill>
-              </a:rPr>
-              <a:t>incrementation</a:t>
-            </a:r>
-            <a:r>
-              <a:rPr lang="bg-BG" dirty="0" smtClean="0">
-                <a:solidFill>
-                  <a:schemeClr val="bg1">
-                    <a:lumMod val="95000"/>
-                  </a:schemeClr>
-                </a:solidFill>
-              </a:rPr>
-              <a:t>)</a:t>
-            </a:r>
-            <a:r>
-              <a:rPr lang="en-US" dirty="0" smtClean="0">
+              <a:rPr lang="ru-RU" dirty="0" err="1">
+                <a:solidFill>
+                  <a:schemeClr val="bg1">
+                    <a:lumMod val="95000"/>
+                  </a:schemeClr>
+                </a:solidFill>
+              </a:rPr>
+              <a:t>Цикълът</a:t>
+            </a:r>
+            <a:r>
+              <a:rPr lang="ru-RU" dirty="0">
                 <a:solidFill>
                   <a:schemeClr val="bg1">
                     <a:lumMod val="95000"/>
@@ -3325,47 +3326,83 @@
               </a:rPr>
               <a:t> </a:t>
             </a:r>
-          </a:p>
-          <a:p>
-            <a:pPr marL="0" indent="0">
-              <a:buNone/>
+            <a:r>
+              <a:rPr lang="ru-RU" dirty="0" err="1">
+                <a:solidFill>
+                  <a:schemeClr val="bg1">
+                    <a:lumMod val="95000"/>
+                  </a:schemeClr>
+                </a:solidFill>
+              </a:rPr>
+              <a:t>for</a:t>
+            </a:r>
+            <a:r>
+              <a:rPr lang="ru-RU" dirty="0">
+                <a:solidFill>
+                  <a:schemeClr val="bg1">
+                    <a:lumMod val="95000"/>
+                  </a:schemeClr>
+                </a:solidFill>
+              </a:rPr>
+              <a:t> се </a:t>
+            </a:r>
+            <a:r>
+              <a:rPr lang="ru-RU" dirty="0" err="1">
+                <a:solidFill>
+                  <a:schemeClr val="bg1">
+                    <a:lumMod val="95000"/>
+                  </a:schemeClr>
+                </a:solidFill>
+              </a:rPr>
+              <a:t>състои</a:t>
+            </a:r>
+            <a:r>
+              <a:rPr lang="ru-RU" dirty="0">
+                <a:solidFill>
+                  <a:schemeClr val="bg1">
+                    <a:lumMod val="95000"/>
+                  </a:schemeClr>
+                </a:solidFill>
+              </a:rPr>
+              <a:t> от 4 части:</a:t>
+            </a:r>
+          </a:p>
+          <a:p>
+            <a:pPr>
+              <a:buFont typeface="Wingdings" panose="05000000000000000000" pitchFamily="2" charset="2"/>
+              <a:buChar char="ü"/>
             </a:pPr>
             <a:r>
-              <a:rPr lang="en-US" dirty="0" smtClean="0">
-                <a:solidFill>
-                  <a:schemeClr val="bg1">
-                    <a:lumMod val="95000"/>
-                  </a:schemeClr>
-                </a:solidFill>
-              </a:rPr>
-              <a:t>{</a:t>
-            </a:r>
-          </a:p>
-          <a:p>
-            <a:pPr marL="0" indent="0">
-              <a:buNone/>
-            </a:pPr>
-            <a:r>
-              <a:rPr lang="en-US" dirty="0">
-                <a:solidFill>
-                  <a:schemeClr val="bg1">
-                    <a:lumMod val="95000"/>
-                  </a:schemeClr>
-                </a:solidFill>
-              </a:rPr>
-              <a:t>	</a:t>
-            </a:r>
-            <a:r>
-              <a:rPr lang="bg-BG" dirty="0" smtClean="0">
-                <a:solidFill>
-                  <a:schemeClr val="bg1">
-                    <a:lumMod val="95000"/>
-                  </a:schemeClr>
-                </a:solidFill>
-              </a:rPr>
-              <a:t>тяло на цикъла</a:t>
-            </a:r>
-            <a:endParaRPr lang="en-US" dirty="0">
+              <a:rPr lang="ru-RU" dirty="0" smtClean="0">
+                <a:solidFill>
+                  <a:schemeClr val="bg1">
+                    <a:lumMod val="95000"/>
+                  </a:schemeClr>
+                </a:solidFill>
+              </a:rPr>
+              <a:t>Инициализация</a:t>
+            </a:r>
+            <a:r>
+              <a:rPr lang="ru-RU" dirty="0">
+                <a:solidFill>
+                  <a:schemeClr val="bg1">
+                    <a:lumMod val="95000"/>
+                  </a:schemeClr>
+                </a:solidFill>
+              </a:rPr>
+              <a:t>; //не е </a:t>
+            </a:r>
+            <a:r>
+              <a:rPr lang="ru-RU" dirty="0" err="1">
+                <a:solidFill>
+                  <a:schemeClr val="bg1">
+                    <a:lumMod val="95000"/>
+                  </a:schemeClr>
+                </a:solidFill>
+              </a:rPr>
+              <a:t>задължителна</a:t>
+            </a:r>
+            <a:endParaRPr lang="ru-RU" dirty="0">
               <a:solidFill>
                 <a:schemeClr val="bg1">
                   <a:lumMod val="95000"/>
@@ -3374,20 +3411,61 @@
             </a:endParaRPr>
           </a:p>
           <a:p>
-            <a:pPr marL="0" indent="0">
-              <a:buNone/>
+            <a:pPr>
+              <a:buFont typeface="Wingdings" panose="05000000000000000000" pitchFamily="2" charset="2"/>
+              <a:buChar char="ü"/>
             </a:pPr>
             <a:r>
-              <a:rPr lang="en-US" dirty="0" smtClean="0">
-                <a:solidFill>
-                  <a:schemeClr val="bg1">
-                    <a:lumMod val="95000"/>
-                  </a:schemeClr>
-                </a:solidFill>
-              </a:rPr>
-              <a:t>}</a:t>
-            </a:r>
-            <a:endParaRPr lang="bg-BG" dirty="0" smtClean="0">
+              <a:rPr lang="ru-RU" dirty="0" smtClean="0">
+                <a:solidFill>
+                  <a:schemeClr val="bg1">
+                    <a:lumMod val="95000"/>
+                  </a:schemeClr>
+                </a:solidFill>
+              </a:rPr>
+              <a:t>Проверка </a:t>
+            </a:r>
+            <a:r>
+              <a:rPr lang="ru-RU" dirty="0">
+                <a:solidFill>
+                  <a:schemeClr val="bg1">
+                    <a:lumMod val="95000"/>
+                  </a:schemeClr>
+                </a:solidFill>
+              </a:rPr>
+              <a:t>на </a:t>
+            </a:r>
+            <a:r>
+              <a:rPr lang="ru-RU" dirty="0" err="1">
+                <a:solidFill>
+                  <a:schemeClr val="bg1">
+                    <a:lumMod val="95000"/>
+                  </a:schemeClr>
+                </a:solidFill>
+              </a:rPr>
+              <a:t>условието</a:t>
+            </a:r>
+            <a:r>
+              <a:rPr lang="ru-RU" dirty="0">
+                <a:solidFill>
+                  <a:schemeClr val="bg1">
+                    <a:lumMod val="95000"/>
+                  </a:schemeClr>
+                </a:solidFill>
+              </a:rPr>
+              <a:t> //не е </a:t>
+            </a:r>
+            <a:r>
+              <a:rPr lang="ru-RU" dirty="0" err="1">
+                <a:solidFill>
+                  <a:schemeClr val="bg1">
+                    <a:lumMod val="95000"/>
+                  </a:schemeClr>
+                </a:solidFill>
+              </a:rPr>
+              <a:t>задължителна</a:t>
+            </a:r>
+            <a:endParaRPr lang="ru-RU" dirty="0">
               <a:solidFill>
                 <a:schemeClr val="bg1">
                   <a:lumMod val="95000"/>
@@ -3395,12 +3473,138 @@
               </a:solidFill>
             </a:endParaRPr>
           </a:p>
+          <a:p>
+            <a:pPr>
+              <a:buFont typeface="Wingdings" panose="05000000000000000000" pitchFamily="2" charset="2"/>
+              <a:buChar char="ü"/>
+            </a:pPr>
+            <a:r>
+              <a:rPr lang="ru-RU" dirty="0" err="1" smtClean="0">
+                <a:solidFill>
+                  <a:schemeClr val="bg1">
+                    <a:lumMod val="95000"/>
+                  </a:schemeClr>
+                </a:solidFill>
+              </a:rPr>
+              <a:t>Помяна</a:t>
+            </a:r>
+            <a:r>
+              <a:rPr lang="ru-RU" dirty="0" smtClean="0">
+                <a:solidFill>
+                  <a:schemeClr val="bg1">
+                    <a:lumMod val="95000"/>
+                  </a:schemeClr>
+                </a:solidFill>
+              </a:rPr>
+              <a:t> </a:t>
+            </a:r>
+            <a:r>
+              <a:rPr lang="ru-RU" dirty="0">
+                <a:solidFill>
+                  <a:schemeClr val="bg1">
+                    <a:lumMod val="95000"/>
+                  </a:schemeClr>
+                </a:solidFill>
+              </a:rPr>
+              <a:t>//не е </a:t>
+            </a:r>
+            <a:r>
+              <a:rPr lang="ru-RU" dirty="0" err="1">
+                <a:solidFill>
+                  <a:schemeClr val="bg1">
+                    <a:lumMod val="95000"/>
+                  </a:schemeClr>
+                </a:solidFill>
+              </a:rPr>
+              <a:t>задължителна</a:t>
+            </a:r>
+            <a:endParaRPr lang="ru-RU" dirty="0">
+              <a:solidFill>
+                <a:schemeClr val="bg1">
+                  <a:lumMod val="95000"/>
+                </a:schemeClr>
+              </a:solidFill>
+            </a:endParaRPr>
+          </a:p>
+          <a:p>
+            <a:pPr>
+              <a:buFont typeface="Wingdings" panose="05000000000000000000" pitchFamily="2" charset="2"/>
+              <a:buChar char="ü"/>
+            </a:pPr>
+            <a:r>
+              <a:rPr lang="ru-RU" dirty="0" err="1" smtClean="0">
+                <a:solidFill>
+                  <a:schemeClr val="bg1">
+                    <a:lumMod val="95000"/>
+                  </a:schemeClr>
+                </a:solidFill>
+              </a:rPr>
+              <a:t>Тяло</a:t>
+            </a:r>
+            <a:r>
+              <a:rPr lang="ru-RU" dirty="0" smtClean="0">
+                <a:solidFill>
+                  <a:schemeClr val="bg1">
+                    <a:lumMod val="95000"/>
+                  </a:schemeClr>
+                </a:solidFill>
+              </a:rPr>
+              <a:t> </a:t>
+            </a:r>
+            <a:r>
+              <a:rPr lang="ru-RU" dirty="0">
+                <a:solidFill>
+                  <a:schemeClr val="bg1">
+                    <a:lumMod val="95000"/>
+                  </a:schemeClr>
+                </a:solidFill>
+              </a:rPr>
+              <a:t>на </a:t>
+            </a:r>
+            <a:r>
+              <a:rPr lang="ru-RU" dirty="0" err="1">
+                <a:solidFill>
+                  <a:schemeClr val="bg1">
+                    <a:lumMod val="95000"/>
+                  </a:schemeClr>
+                </a:solidFill>
+              </a:rPr>
+              <a:t>цикълът</a:t>
+            </a:r>
+            <a:r>
+              <a:rPr lang="ru-RU" dirty="0">
+                <a:solidFill>
+                  <a:schemeClr val="bg1">
+                    <a:lumMod val="95000"/>
+                  </a:schemeClr>
+                </a:solidFill>
+              </a:rPr>
+              <a:t> // </a:t>
+            </a:r>
+            <a:r>
+              <a:rPr lang="ru-RU" dirty="0" err="1">
+                <a:solidFill>
+                  <a:schemeClr val="bg1">
+                    <a:lumMod val="95000"/>
+                  </a:schemeClr>
+                </a:solidFill>
+              </a:rPr>
+              <a:t>задължителна</a:t>
+            </a:r>
+            <a:endParaRPr lang="ru-RU" dirty="0">
+              <a:solidFill>
+                <a:schemeClr val="bg1">
+                  <a:lumMod val="95000"/>
+                </a:schemeClr>
+              </a:solidFill>
+            </a:endParaRPr>
+          </a:p>
         </p:txBody>
       </p:sp>
     </p:spTree>
     <p:extLst>
       <p:ext uri="{BB962C8B-B14F-4D97-AF65-F5344CB8AC3E}">
-        <p14:creationId xmlns:p14="http://schemas.microsoft.com/office/powerpoint/2010/main" val="3960221706"/>
+        <p14:creationId xmlns:p14="http://schemas.microsoft.com/office/powerpoint/2010/main" val="4211912493"/>
       </p:ext>
     </p:extLst>
   </p:cSld>
@@ -3456,12 +3660,20 @@
           <a:p>
             <a:pPr algn="l"/>
             <a:r>
-              <a:rPr lang="bg-BG" dirty="0" smtClean="0">
+              <a:rPr lang="bg-BG" dirty="0">
                 <a:solidFill>
                   <a:schemeClr val="accent6"/>
                 </a:solidFill>
               </a:rPr>
-              <a:t>Вложени цикли</a:t>
+              <a:t>Цикълът</a:t>
+            </a:r>
+            <a:r>
+              <a:rPr lang="en-US" dirty="0">
+                <a:solidFill>
+                  <a:schemeClr val="accent6"/>
+                </a:solidFill>
+              </a:rPr>
+              <a:t> FOR () {…}</a:t>
             </a:r>
             <a:endParaRPr lang="bg-BG" dirty="0">
               <a:solidFill>
@@ -3497,7 +3709,7 @@
               <a:buNone/>
             </a:pPr>
             <a:r>
-              <a:rPr lang="en-US" sz="2400" dirty="0" smtClean="0">
+              <a:rPr lang="en-US" dirty="0" smtClean="0">
                 <a:solidFill>
                   <a:schemeClr val="bg1">
                     <a:lumMod val="95000"/>
@@ -3507,7 +3719,7 @@
               <a:t>for (initialization; check; </a:t>
             </a:r>
             <a:r>
-              <a:rPr lang="en-US" sz="2400" dirty="0" err="1" smtClean="0">
+              <a:rPr lang="en-US" dirty="0" err="1" smtClean="0">
                 <a:solidFill>
                   <a:schemeClr val="bg1">
                     <a:lumMod val="95000"/>
@@ -3517,7 +3729,7 @@
               <a:t>incrementation</a:t>
             </a:r>
             <a:r>
-              <a:rPr lang="bg-BG" sz="2400" dirty="0" smtClean="0">
+              <a:rPr lang="bg-BG" dirty="0" smtClean="0">
                 <a:solidFill>
                   <a:schemeClr val="bg1">
                     <a:lumMod val="95000"/>
@@ -3527,7 +3739,7 @@
               <a:t>)</a:t>
             </a:r>
             <a:r>
-              <a:rPr lang="en-US" sz="2400" dirty="0" smtClean="0">
+              <a:rPr lang="en-US" dirty="0" smtClean="0">
                 <a:solidFill>
                   <a:schemeClr val="bg1">
                     <a:lumMod val="95000"/>
@@ -3542,7 +3754,7 @@
               <a:buNone/>
             </a:pPr>
             <a:r>
-              <a:rPr lang="en-US" sz="2400" dirty="0" smtClean="0">
+              <a:rPr lang="en-US" dirty="0" smtClean="0">
                 <a:solidFill>
                   <a:schemeClr val="bg1">
                     <a:lumMod val="95000"/>
@@ -3557,96 +3769,26 @@
               <a:buNone/>
             </a:pPr>
             <a:r>
-              <a:rPr lang="en-US" sz="2400" dirty="0">
-                <a:solidFill>
-                  <a:schemeClr val="bg1">
-                    <a:lumMod val="95000"/>
-                  </a:schemeClr>
-                </a:solidFill>
-              </a:rPr>
-              <a:t>	 for </a:t>
-            </a:r>
-            <a:r>
-              <a:rPr lang="en-US" sz="2400" dirty="0" smtClean="0">
-                <a:solidFill>
-                  <a:schemeClr val="bg1">
-                    <a:lumMod val="95000"/>
-                  </a:schemeClr>
-                </a:solidFill>
-              </a:rPr>
-              <a:t>(initialization;</a:t>
-            </a:r>
-            <a:r>
-              <a:rPr lang="bg-BG" sz="2400" dirty="0" smtClean="0">
-                <a:solidFill>
-                  <a:schemeClr val="bg1">
-                    <a:lumMod val="95000"/>
-                  </a:schemeClr>
-                </a:solidFill>
-              </a:rPr>
-              <a:t> </a:t>
-            </a:r>
-            <a:r>
-              <a:rPr lang="en-US" sz="2400" dirty="0" smtClean="0">
-                <a:solidFill>
-                  <a:schemeClr val="bg1">
-                    <a:lumMod val="95000"/>
-                  </a:schemeClr>
-                </a:solidFill>
-              </a:rPr>
-              <a:t>check</a:t>
-            </a:r>
-            <a:r>
-              <a:rPr lang="en-US" sz="2400" dirty="0">
-                <a:solidFill>
-                  <a:schemeClr val="bg1">
-                    <a:lumMod val="95000"/>
-                  </a:schemeClr>
-                </a:solidFill>
-              </a:rPr>
-              <a:t>; </a:t>
-            </a:r>
-            <a:r>
-              <a:rPr lang="en-US" sz="2400" dirty="0" err="1">
-                <a:solidFill>
-                  <a:schemeClr val="bg1">
-                    <a:lumMod val="95000"/>
-                  </a:schemeClr>
-                </a:solidFill>
-              </a:rPr>
-              <a:t>incrementation</a:t>
-            </a:r>
-            <a:r>
-              <a:rPr lang="bg-BG" sz="2400" dirty="0">
-                <a:solidFill>
-                  <a:schemeClr val="bg1">
-                    <a:lumMod val="95000"/>
-                  </a:schemeClr>
-                </a:solidFill>
-              </a:rPr>
-              <a:t>)</a:t>
-            </a:r>
-            <a:r>
-              <a:rPr lang="en-US" sz="2400" dirty="0" smtClean="0">
-                <a:solidFill>
-                  <a:schemeClr val="bg1">
-                    <a:lumMod val="95000"/>
-                  </a:schemeClr>
-                </a:solidFill>
-              </a:rPr>
-              <a:t> </a:t>
-            </a:r>
-            <a:r>
-              <a:rPr lang="bg-BG" sz="2400" dirty="0" smtClean="0">
-                <a:solidFill>
-                  <a:schemeClr val="bg1">
-                    <a:lumMod val="95000"/>
-                  </a:schemeClr>
-                </a:solidFill>
-              </a:rPr>
-              <a:t> </a:t>
-            </a:r>
-            <a:endParaRPr lang="en-US" sz="2400" dirty="0" smtClean="0">
+              <a:rPr lang="en-US" dirty="0">
+                <a:solidFill>
+                  <a:schemeClr val="bg1">
+                    <a:lumMod val="95000"/>
+                  </a:schemeClr>
+                </a:solidFill>
+              </a:rPr>
+              <a:t>	</a:t>
+            </a:r>
+            <a:r>
+              <a:rPr lang="bg-BG" dirty="0" smtClean="0">
+                <a:solidFill>
+                  <a:schemeClr val="bg1">
+                    <a:lumMod val="95000"/>
+                  </a:schemeClr>
+                </a:solidFill>
+              </a:rPr>
+              <a:t>тяло на цикъла</a:t>
+            </a:r>
+            <a:endParaRPr lang="en-US" dirty="0">
               <a:solidFill>
                 <a:schemeClr val="bg1">
                   <a:lumMod val="95000"/>
@@ -3659,26 +3801,16 @@
               <a:buNone/>
             </a:pPr>
             <a:r>
-              <a:rPr lang="en-US" sz="2400" dirty="0">
-                <a:solidFill>
-                  <a:schemeClr val="bg1">
-                    <a:lumMod val="95000"/>
-                  </a:schemeClr>
-                </a:solidFill>
-              </a:rPr>
-              <a:t>	</a:t>
-            </a:r>
-            <a:r>
-              <a:rPr lang="en-US" sz="2400" dirty="0" smtClean="0">
-                <a:solidFill>
-                  <a:schemeClr val="bg1">
-                    <a:lumMod val="95000"/>
-                  </a:schemeClr>
-                </a:solidFill>
-              </a:rPr>
-              <a:t>{</a:t>
-            </a:r>
-            <a:endParaRPr lang="en-US" sz="2400" dirty="0">
+              <a:rPr lang="en-US" dirty="0" smtClean="0">
+                <a:solidFill>
+                  <a:schemeClr val="bg1">
+                    <a:lumMod val="95000"/>
+                  </a:schemeClr>
+                </a:solidFill>
+              </a:rPr>
+              <a:t>}</a:t>
+            </a:r>
+            <a:endParaRPr lang="bg-BG" dirty="0" smtClean="0">
               <a:solidFill>
                 <a:schemeClr val="bg1">
                   <a:lumMod val="95000"/>
@@ -3686,91 +3818,12 @@
               </a:solidFill>
             </a:endParaRPr>
           </a:p>
-          <a:p>
-            <a:pPr marL="0" indent="0">
-              <a:buNone/>
-            </a:pPr>
-            <a:r>
-              <a:rPr lang="en-US" sz="2400" dirty="0">
-                <a:solidFill>
-                  <a:schemeClr val="bg1">
-                    <a:lumMod val="95000"/>
-                  </a:schemeClr>
-                </a:solidFill>
-              </a:rPr>
-              <a:t>	</a:t>
-            </a:r>
-            <a:r>
-              <a:rPr lang="bg-BG" sz="2400" dirty="0" smtClean="0">
-                <a:solidFill>
-                  <a:schemeClr val="bg1">
-                    <a:lumMod val="95000"/>
-                  </a:schemeClr>
-                </a:solidFill>
-              </a:rPr>
-              <a:t>	тяло на вложения цикъл</a:t>
-            </a:r>
-            <a:endParaRPr lang="en-US" sz="2400" dirty="0">
-              <a:solidFill>
-                <a:schemeClr val="bg1">
-                  <a:lumMod val="95000"/>
-                </a:schemeClr>
-              </a:solidFill>
-            </a:endParaRPr>
-          </a:p>
-          <a:p>
-            <a:pPr marL="0" indent="0">
-              <a:buNone/>
-            </a:pPr>
-            <a:r>
-              <a:rPr lang="bg-BG" sz="2400" dirty="0" smtClean="0">
-                <a:solidFill>
-                  <a:schemeClr val="bg1">
-                    <a:lumMod val="95000"/>
-                  </a:schemeClr>
-                </a:solidFill>
-              </a:rPr>
-              <a:t>	</a:t>
-            </a:r>
-            <a:r>
-              <a:rPr lang="en-US" sz="2400" dirty="0" smtClean="0">
-                <a:solidFill>
-                  <a:schemeClr val="bg1">
-                    <a:lumMod val="95000"/>
-                  </a:schemeClr>
-                </a:solidFill>
-              </a:rPr>
-              <a:t>}</a:t>
-            </a:r>
-          </a:p>
-          <a:p>
-            <a:pPr marL="0" indent="0">
-              <a:buNone/>
-            </a:pPr>
-            <a:r>
-              <a:rPr lang="en-US" sz="2400" dirty="0" smtClean="0">
-                <a:solidFill>
-                  <a:schemeClr val="bg1">
-                    <a:lumMod val="95000"/>
-                  </a:schemeClr>
-                </a:solidFill>
-              </a:rPr>
-              <a:t>}</a:t>
-            </a:r>
-            <a:endParaRPr lang="bg-BG" sz="2400" dirty="0" smtClean="0">
-              <a:solidFill>
-                <a:schemeClr val="bg1">
-                  <a:lumMod val="95000"/>
-                </a:schemeClr>
-              </a:solidFill>
-            </a:endParaRPr>
-          </a:p>
         </p:txBody>
       </p:sp>
     </p:spTree>
     <p:extLst>
       <p:ext uri="{BB962C8B-B14F-4D97-AF65-F5344CB8AC3E}">
-        <p14:creationId xmlns:p14="http://schemas.microsoft.com/office/powerpoint/2010/main" val="2143315587"/>
+        <p14:creationId xmlns:p14="http://schemas.microsoft.com/office/powerpoint/2010/main" val="3960221706"/>
       </p:ext>
     </p:extLst>
   </p:cSld>
@@ -3821,6 +3874,376 @@
           </a:xfrm>
         </p:spPr>
         <p:txBody>
+          <a:bodyPr/>
+          <a:lstStyle/>
+          <a:p>
+            <a:pPr algn="l"/>
+            <a:r>
+              <a:rPr lang="bg-BG" dirty="0" smtClean="0">
+                <a:solidFill>
+                  <a:schemeClr val="accent6"/>
+                </a:solidFill>
+              </a:rPr>
+              <a:t>Вложени цикли</a:t>
+            </a:r>
+            <a:endParaRPr lang="bg-BG" dirty="0">
+              <a:solidFill>
+                <a:schemeClr val="accent6"/>
+              </a:solidFill>
+            </a:endParaRPr>
+          </a:p>
+        </p:txBody>
+      </p:sp>
+      <p:sp>
+        <p:nvSpPr>
+          <p:cNvPr id="3" name="Content Placeholder 2"/>
+          <p:cNvSpPr>
+            <a:spLocks noGrp="1"/>
+          </p:cNvSpPr>
+          <p:nvPr>
+            <p:ph idx="1"/>
+          </p:nvPr>
+        </p:nvSpPr>
+        <p:spPr>
+          <a:xfrm>
+            <a:off x="762000" y="1676400"/>
+            <a:ext cx="7620000" cy="4525963"/>
+          </a:xfrm>
+        </p:spPr>
+        <p:txBody>
+          <a:bodyPr>
+            <a:normAutofit/>
+          </a:bodyPr>
+          <a:lstStyle/>
+          <a:p>
+            <a:pPr marL="0" indent="0">
+              <a:buNone/>
+            </a:pPr>
+            <a:r>
+              <a:rPr lang="en-US" sz="2400" dirty="0" smtClean="0">
+                <a:solidFill>
+                  <a:schemeClr val="bg1">
+                    <a:lumMod val="95000"/>
+                  </a:schemeClr>
+                </a:solidFill>
+              </a:rPr>
+              <a:t>for (initialization; check; </a:t>
+            </a:r>
+            <a:r>
+              <a:rPr lang="en-US" sz="2400" dirty="0" err="1" smtClean="0">
+                <a:solidFill>
+                  <a:schemeClr val="bg1">
+                    <a:lumMod val="95000"/>
+                  </a:schemeClr>
+                </a:solidFill>
+              </a:rPr>
+              <a:t>incrementation</a:t>
+            </a:r>
+            <a:r>
+              <a:rPr lang="bg-BG" sz="2400" dirty="0" smtClean="0">
+                <a:solidFill>
+                  <a:schemeClr val="bg1">
+                    <a:lumMod val="95000"/>
+                  </a:schemeClr>
+                </a:solidFill>
+              </a:rPr>
+              <a:t>)</a:t>
+            </a:r>
+            <a:r>
+              <a:rPr lang="en-US" sz="2400" dirty="0" smtClean="0">
+                <a:solidFill>
+                  <a:schemeClr val="bg1">
+                    <a:lumMod val="95000"/>
+                  </a:schemeClr>
+                </a:solidFill>
+              </a:rPr>
+              <a:t> </a:t>
+            </a:r>
+          </a:p>
+          <a:p>
+            <a:pPr marL="0" indent="0">
+              <a:buNone/>
+            </a:pPr>
+            <a:r>
+              <a:rPr lang="en-US" sz="2400" dirty="0" smtClean="0">
+                <a:solidFill>
+                  <a:schemeClr val="bg1">
+                    <a:lumMod val="95000"/>
+                  </a:schemeClr>
+                </a:solidFill>
+              </a:rPr>
+              <a:t>{</a:t>
+            </a:r>
+          </a:p>
+          <a:p>
+            <a:pPr marL="0" indent="0">
+              <a:buNone/>
+            </a:pPr>
+            <a:r>
+              <a:rPr lang="en-US" sz="2400" dirty="0">
+                <a:solidFill>
+                  <a:schemeClr val="bg1">
+                    <a:lumMod val="95000"/>
+                  </a:schemeClr>
+                </a:solidFill>
+              </a:rPr>
+              <a:t>	 for </a:t>
+            </a:r>
+            <a:r>
+              <a:rPr lang="en-US" sz="2400" dirty="0" smtClean="0">
+                <a:solidFill>
+                  <a:schemeClr val="bg1">
+                    <a:lumMod val="95000"/>
+                  </a:schemeClr>
+                </a:solidFill>
+              </a:rPr>
+              <a:t>(initialization;</a:t>
+            </a:r>
+            <a:r>
+              <a:rPr lang="bg-BG" sz="2400" dirty="0" smtClean="0">
+                <a:solidFill>
+                  <a:schemeClr val="bg1">
+                    <a:lumMod val="95000"/>
+                  </a:schemeClr>
+                </a:solidFill>
+              </a:rPr>
+              <a:t> </a:t>
+            </a:r>
+            <a:r>
+              <a:rPr lang="en-US" sz="2400" dirty="0" smtClean="0">
+                <a:solidFill>
+                  <a:schemeClr val="bg1">
+                    <a:lumMod val="95000"/>
+                  </a:schemeClr>
+                </a:solidFill>
+              </a:rPr>
+              <a:t>check</a:t>
+            </a:r>
+            <a:r>
+              <a:rPr lang="en-US" sz="2400" dirty="0">
+                <a:solidFill>
+                  <a:schemeClr val="bg1">
+                    <a:lumMod val="95000"/>
+                  </a:schemeClr>
+                </a:solidFill>
+              </a:rPr>
+              <a:t>; </a:t>
+            </a:r>
+            <a:r>
+              <a:rPr lang="en-US" sz="2400" dirty="0" err="1">
+                <a:solidFill>
+                  <a:schemeClr val="bg1">
+                    <a:lumMod val="95000"/>
+                  </a:schemeClr>
+                </a:solidFill>
+              </a:rPr>
+              <a:t>incrementation</a:t>
+            </a:r>
+            <a:r>
+              <a:rPr lang="bg-BG" sz="2400" dirty="0">
+                <a:solidFill>
+                  <a:schemeClr val="bg1">
+                    <a:lumMod val="95000"/>
+                  </a:schemeClr>
+                </a:solidFill>
+              </a:rPr>
+              <a:t>)</a:t>
+            </a:r>
+            <a:r>
+              <a:rPr lang="en-US" sz="2400" dirty="0" smtClean="0">
+                <a:solidFill>
+                  <a:schemeClr val="bg1">
+                    <a:lumMod val="95000"/>
+                  </a:schemeClr>
+                </a:solidFill>
+              </a:rPr>
+              <a:t> </a:t>
+            </a:r>
+            <a:r>
+              <a:rPr lang="bg-BG" sz="2400" dirty="0" smtClean="0">
+                <a:solidFill>
+                  <a:schemeClr val="bg1">
+                    <a:lumMod val="95000"/>
+                  </a:schemeClr>
+                </a:solidFill>
+              </a:rPr>
+              <a:t> </a:t>
+            </a:r>
+            <a:endParaRPr lang="en-US" sz="2400" dirty="0" smtClean="0">
+              <a:solidFill>
+                <a:schemeClr val="bg1">
+                  <a:lumMod val="95000"/>
+                </a:schemeClr>
+              </a:solidFill>
+            </a:endParaRPr>
+          </a:p>
+          <a:p>
+            <a:pPr marL="0" indent="0">
+              <a:buNone/>
+            </a:pPr>
+            <a:r>
+              <a:rPr lang="en-US" sz="2400" dirty="0">
+                <a:solidFill>
+                  <a:schemeClr val="bg1">
+                    <a:lumMod val="95000"/>
+                  </a:schemeClr>
+                </a:solidFill>
+              </a:rPr>
+              <a:t>	</a:t>
+            </a:r>
+            <a:r>
+              <a:rPr lang="en-US" sz="2400" dirty="0" smtClean="0">
+                <a:solidFill>
+                  <a:schemeClr val="bg1">
+                    <a:lumMod val="95000"/>
+                  </a:schemeClr>
+                </a:solidFill>
+              </a:rPr>
+              <a:t>{</a:t>
+            </a:r>
+            <a:endParaRPr lang="en-US" sz="2400" dirty="0">
+              <a:solidFill>
+                <a:schemeClr val="bg1">
+                  <a:lumMod val="95000"/>
+                </a:schemeClr>
+              </a:solidFill>
+            </a:endParaRPr>
+          </a:p>
+          <a:p>
+            <a:pPr marL="0" indent="0">
+              <a:buNone/>
+            </a:pPr>
+            <a:r>
+              <a:rPr lang="en-US" sz="2400" dirty="0">
+                <a:solidFill>
+                  <a:schemeClr val="bg1">
+                    <a:lumMod val="95000"/>
+                  </a:schemeClr>
+                </a:solidFill>
+              </a:rPr>
+              <a:t>	</a:t>
+            </a:r>
+            <a:r>
+              <a:rPr lang="bg-BG" sz="2400" dirty="0" smtClean="0">
+                <a:solidFill>
+                  <a:schemeClr val="bg1">
+                    <a:lumMod val="95000"/>
+                  </a:schemeClr>
+                </a:solidFill>
+              </a:rPr>
+              <a:t>	тяло на вложения цикъл</a:t>
+            </a:r>
+            <a:endParaRPr lang="en-US" sz="2400" dirty="0">
+              <a:solidFill>
+                <a:schemeClr val="bg1">
+                  <a:lumMod val="95000"/>
+                </a:schemeClr>
+              </a:solidFill>
+            </a:endParaRPr>
+          </a:p>
+          <a:p>
+            <a:pPr marL="0" indent="0">
+              <a:buNone/>
+            </a:pPr>
+            <a:r>
+              <a:rPr lang="bg-BG" sz="2400" dirty="0" smtClean="0">
+                <a:solidFill>
+                  <a:schemeClr val="bg1">
+                    <a:lumMod val="95000"/>
+                  </a:schemeClr>
+                </a:solidFill>
+              </a:rPr>
+              <a:t>	</a:t>
+            </a:r>
+            <a:r>
+              <a:rPr lang="en-US" sz="2400" dirty="0" smtClean="0">
+                <a:solidFill>
+                  <a:schemeClr val="bg1">
+                    <a:lumMod val="95000"/>
+                  </a:schemeClr>
+                </a:solidFill>
+              </a:rPr>
+              <a:t>}</a:t>
+            </a:r>
+          </a:p>
+          <a:p>
+            <a:pPr marL="0" indent="0">
+              <a:buNone/>
+            </a:pPr>
+            <a:r>
+              <a:rPr lang="en-US" sz="2400" dirty="0" smtClean="0">
+                <a:solidFill>
+                  <a:schemeClr val="bg1">
+                    <a:lumMod val="95000"/>
+                  </a:schemeClr>
+                </a:solidFill>
+              </a:rPr>
+              <a:t>}</a:t>
+            </a:r>
+            <a:endParaRPr lang="bg-BG" sz="2400" dirty="0" smtClean="0">
+              <a:solidFill>
+                <a:schemeClr val="bg1">
+                  <a:lumMod val="95000"/>
+                </a:schemeClr>
+              </a:solidFill>
+            </a:endParaRPr>
+          </a:p>
+        </p:txBody>
+      </p:sp>
+    </p:spTree>
+    <p:extLst>
+      <p:ext uri="{BB962C8B-B14F-4D97-AF65-F5344CB8AC3E}">
+        <p14:creationId xmlns:p14="http://schemas.microsoft.com/office/powerpoint/2010/main" val="2143315587"/>
+      </p:ext>
+    </p:extLst>
+  </p:cSld>
+  <p:clrMapOvr>
+    <a:masterClrMapping/>
+  </p:clrMapOvr>
+  <p:timing>
+    <p:tnLst>
+      <p:par>
+        <p:cTn id="1" dur="indefinite" restart="never" nodeType="tmRoot"/>
+      </p:par>
+    </p:tnLst>
+  </p:timing>
+</p:sld>
+</file>
+
+<file path=ppt/slides/slide13.xml><?xml version="1.0" encoding="utf-8"?>
+<p:sld xmlns:a="http://schemas.openxmlformats.org/drawingml/2006/main" xmlns:r="http://schemas.openxmlformats.org/officeDocument/2006/relationships" xmlns:p="http://schemas.openxmlformats.org/presentationml/2006/main">
+  <p:cSld>
+    <p:spTree>
+      <p:nvGrpSpPr>
+        <p:cNvPr id="1" name=""/>
+        <p:cNvGrpSpPr/>
+        <p:nvPr/>
+      </p:nvGrpSpPr>
+      <p:grpSpPr>
+        <a:xfrm>
+          <a:off x="0" y="0"/>
+          <a:ext cx="0" cy="0"/>
+          <a:chOff x="0" y="0"/>
+          <a:chExt cx="0" cy="0"/>
+        </a:xfrm>
+      </p:grpSpPr>
+      <p:sp>
+        <p:nvSpPr>
+          <p:cNvPr id="2" name="Title 1"/>
+          <p:cNvSpPr>
+            <a:spLocks noGrp="1"/>
+          </p:cNvSpPr>
+          <p:nvPr>
+            <p:ph type="title"/>
+          </p:nvPr>
+        </p:nvSpPr>
+        <p:spPr>
+          <a:xfrm>
+            <a:off x="838200" y="685800"/>
+            <a:ext cx="8229600" cy="1143000"/>
+          </a:xfrm>
+        </p:spPr>
+        <p:txBody>
           <a:bodyPr>
             <a:normAutofit/>
           </a:bodyPr>
@@ -3912,258 +4335,6 @@
 </p:sld>
 </file>
 
-<file path=ppt/slides/slide13.xml><?xml version="1.0" encoding="utf-8"?>
-<p:sld xmlns:a="http://schemas.openxmlformats.org/drawingml/2006/main" xmlns:r="http://schemas.openxmlformats.org/officeDocument/2006/relationships" xmlns:p="http://schemas.openxmlformats.org/presentationml/2006/main">
-  <p:cSld>
-    <p:spTree>
-      <p:nvGrpSpPr>
-        <p:cNvPr id="1" name=""/>
-        <p:cNvGrpSpPr/>
-        <p:nvPr/>
-      </p:nvGrpSpPr>
-      <p:grpSpPr>
-        <a:xfrm>
-          <a:off x="0" y="0"/>
-          <a:ext cx="0" cy="0"/>
-          <a:chOff x="0" y="0"/>
-          <a:chExt cx="0" cy="0"/>
-        </a:xfrm>
-      </p:grpSpPr>
-      <p:sp>
-        <p:nvSpPr>
-          <p:cNvPr id="2" name="Title 1"/>
-          <p:cNvSpPr>
-            <a:spLocks noGrp="1"/>
-          </p:cNvSpPr>
-          <p:nvPr>
-            <p:ph type="title"/>
-          </p:nvPr>
-        </p:nvSpPr>
-        <p:spPr>
-          <a:xfrm>
-            <a:off x="838200" y="685800"/>
-            <a:ext cx="8229600" cy="1143000"/>
-          </a:xfrm>
-        </p:spPr>
-        <p:txBody>
-          <a:bodyPr>
-            <a:normAutofit/>
-          </a:bodyPr>
-          <a:lstStyle/>
-          <a:p>
-            <a:pPr algn="l"/>
-            <a:r>
-              <a:rPr lang="bg-BG" dirty="0" smtClean="0">
-                <a:solidFill>
-                  <a:schemeClr val="accent6"/>
-                </a:solidFill>
-              </a:rPr>
-              <a:t>Задача</a:t>
-            </a:r>
-            <a:endParaRPr lang="bg-BG" dirty="0">
-              <a:solidFill>
-                <a:schemeClr val="accent6"/>
-              </a:solidFill>
-            </a:endParaRPr>
-          </a:p>
-        </p:txBody>
-      </p:sp>
-      <p:sp>
-        <p:nvSpPr>
-          <p:cNvPr id="3" name="Content Placeholder 2"/>
-          <p:cNvSpPr>
-            <a:spLocks noGrp="1"/>
-          </p:cNvSpPr>
-          <p:nvPr>
-            <p:ph idx="1"/>
-          </p:nvPr>
-        </p:nvSpPr>
-        <p:spPr>
-          <a:xfrm>
-            <a:off x="762000" y="1676400"/>
-            <a:ext cx="7620000" cy="4525963"/>
-          </a:xfrm>
-        </p:spPr>
-        <p:txBody>
-          <a:bodyPr>
-            <a:normAutofit/>
-          </a:bodyPr>
-          <a:lstStyle/>
-          <a:p>
-            <a:pPr>
-              <a:buFont typeface="Wingdings" panose="05000000000000000000" pitchFamily="2" charset="2"/>
-              <a:buChar char="§"/>
-            </a:pPr>
-            <a:r>
-              <a:rPr lang="bg-BG" dirty="0" smtClean="0">
-                <a:solidFill>
-                  <a:schemeClr val="bg1">
-                    <a:lumMod val="95000"/>
-                  </a:schemeClr>
-                </a:solidFill>
-              </a:rPr>
-              <a:t>Напишете </a:t>
-            </a:r>
-            <a:r>
-              <a:rPr lang="bg-BG" dirty="0" smtClean="0">
-                <a:solidFill>
-                  <a:schemeClr val="bg1">
-                    <a:lumMod val="95000"/>
-                  </a:schemeClr>
-                </a:solidFill>
-              </a:rPr>
-              <a:t>програма</a:t>
-            </a:r>
-            <a:r>
-              <a:rPr lang="en-US" dirty="0" smtClean="0">
-                <a:solidFill>
-                  <a:schemeClr val="bg1">
-                    <a:lumMod val="95000"/>
-                  </a:schemeClr>
-                </a:solidFill>
-              </a:rPr>
-              <a:t>,</a:t>
-            </a:r>
-            <a:r>
-              <a:rPr lang="bg-BG" dirty="0" smtClean="0">
-                <a:solidFill>
-                  <a:schemeClr val="bg1">
-                    <a:lumMod val="95000"/>
-                  </a:schemeClr>
-                </a:solidFill>
-              </a:rPr>
-              <a:t> </a:t>
-            </a:r>
-            <a:r>
-              <a:rPr lang="bg-BG" dirty="0" smtClean="0">
-                <a:solidFill>
-                  <a:schemeClr val="bg1">
-                    <a:lumMod val="95000"/>
-                  </a:schemeClr>
-                </a:solidFill>
-              </a:rPr>
-              <a:t>която приема </a:t>
-            </a:r>
-            <a:r>
-              <a:rPr lang="bg-BG" dirty="0" smtClean="0">
-                <a:solidFill>
-                  <a:schemeClr val="bg1">
-                    <a:lumMod val="95000"/>
-                  </a:schemeClr>
-                </a:solidFill>
-              </a:rPr>
-              <a:t>две</a:t>
-            </a:r>
-            <a:r>
-              <a:rPr lang="bg-BG" dirty="0" smtClean="0">
-                <a:solidFill>
-                  <a:schemeClr val="bg1">
-                    <a:lumMod val="95000"/>
-                  </a:schemeClr>
-                </a:solidFill>
-              </a:rPr>
-              <a:t> </a:t>
-            </a:r>
-            <a:r>
-              <a:rPr lang="bg-BG" dirty="0" smtClean="0">
-                <a:solidFill>
-                  <a:schemeClr val="bg1">
-                    <a:lumMod val="95000"/>
-                  </a:schemeClr>
-                </a:solidFill>
-              </a:rPr>
-              <a:t>числа </a:t>
-            </a:r>
-            <a:r>
-              <a:rPr lang="en-US" dirty="0" smtClean="0">
-                <a:solidFill>
-                  <a:schemeClr val="bg1">
-                    <a:lumMod val="95000"/>
-                  </a:schemeClr>
-                </a:solidFill>
-              </a:rPr>
-              <a:t>N</a:t>
-            </a:r>
-            <a:r>
-              <a:rPr lang="bg-BG" dirty="0" smtClean="0">
-                <a:solidFill>
-                  <a:schemeClr val="bg1">
-                    <a:lumMod val="95000"/>
-                  </a:schemeClr>
-                </a:solidFill>
-              </a:rPr>
-              <a:t> и </a:t>
-            </a:r>
-            <a:r>
-              <a:rPr lang="en-US" dirty="0" smtClean="0">
-                <a:solidFill>
-                  <a:schemeClr val="bg1">
-                    <a:lumMod val="95000"/>
-                  </a:schemeClr>
-                </a:solidFill>
-              </a:rPr>
-              <a:t>M</a:t>
-            </a:r>
-            <a:r>
-              <a:rPr lang="bg-BG" dirty="0" smtClean="0">
-                <a:solidFill>
-                  <a:schemeClr val="bg1">
-                    <a:lumMod val="95000"/>
-                  </a:schemeClr>
-                </a:solidFill>
-              </a:rPr>
-              <a:t>. Програмата трябва да пресметне колко е </a:t>
-            </a:r>
-            <a:r>
-              <a:rPr lang="en-US" dirty="0" smtClean="0">
-                <a:solidFill>
-                  <a:schemeClr val="bg1">
-                    <a:lumMod val="95000"/>
-                  </a:schemeClr>
-                </a:solidFill>
-              </a:rPr>
-              <a:t>N</a:t>
-            </a:r>
-            <a:r>
-              <a:rPr lang="bg-BG" dirty="0" smtClean="0">
-                <a:solidFill>
-                  <a:schemeClr val="bg1">
-                    <a:lumMod val="95000"/>
-                  </a:schemeClr>
-                </a:solidFill>
-              </a:rPr>
-              <a:t> на степен М.</a:t>
-            </a:r>
-            <a:endParaRPr lang="ru-RU" dirty="0" smtClean="0">
-              <a:solidFill>
-                <a:schemeClr val="bg1">
-                  <a:lumMod val="95000"/>
-                </a:schemeClr>
-              </a:solidFill>
-            </a:endParaRPr>
-          </a:p>
-        </p:txBody>
-      </p:sp>
-    </p:spTree>
-    <p:extLst>
-      <p:ext uri="{BB962C8B-B14F-4D97-AF65-F5344CB8AC3E}">
-        <p14:creationId xmlns:p14="http://schemas.microsoft.com/office/powerpoint/2010/main" val="1693201098"/>
-      </p:ext>
-    </p:extLst>
-  </p:cSld>
-  <p:clrMapOvr>
-    <a:masterClrMapping/>
-  </p:clrMapOvr>
-  <p:timing>
-    <p:tnLst>
-      <p:par>
-        <p:cTn id="1" dur="indefinite" restart="never" nodeType="tmRoot"/>
-      </p:par>
-    </p:tnLst>
-  </p:timing>
-</p:sld>
-</file>
-
 <file path=ppt/slides/slide14.xml><?xml version="1.0" encoding="utf-8"?>
 <p:sld xmlns:a="http://schemas.openxmlformats.org/drawingml/2006/main" xmlns:r="http://schemas.openxmlformats.org/officeDocument/2006/relationships" xmlns:p="http://schemas.openxmlformats.org/presentationml/2006/main">
   <p:cSld>
@@ -4194,7 +4365,7 @@
         <p:spPr>
           <a:xfrm>
             <a:off x="838200" y="685800"/>
-            <a:ext cx="8229600" cy="1676400"/>
+            <a:ext cx="8229600" cy="1143000"/>
           </a:xfrm>
         </p:spPr>
         <p:txBody>
@@ -4210,15 +4381,7 @@
                   <a:schemeClr val="accent6"/>
                 </a:solidFill>
               </a:rPr>
-              <a:t>Прекъсване на изпълнението с оператора </a:t>
-            </a:r>
-            <a:r>
-              <a:rPr lang="en-US" dirty="0" smtClean="0">
-                <a:solidFill>
-                  <a:schemeClr val="accent6"/>
-                </a:solidFill>
-              </a:rPr>
-              <a:t>BREAK</a:t>
+              <a:t>Задача</a:t>
             </a:r>
             <a:endParaRPr lang="bg-BG" dirty="0">
               <a:solidFill>
@@ -4250,9 +4413,60 @@
           </a:bodyPr>
           <a:lstStyle/>
           <a:p>
-            <a:pPr marL="0" indent="0">
-              <a:buNone/>
+            <a:pPr>
+              <a:buFont typeface="Wingdings" panose="05000000000000000000" pitchFamily="2" charset="2"/>
+              <a:buChar char="§"/>
             </a:pPr>
+            <a:r>
+              <a:rPr lang="bg-BG" dirty="0" smtClean="0">
+                <a:solidFill>
+                  <a:schemeClr val="bg1">
+                    <a:lumMod val="95000"/>
+                  </a:schemeClr>
+                </a:solidFill>
+              </a:rPr>
+              <a:t>Напишете програма</a:t>
+            </a:r>
+            <a:r>
+              <a:rPr lang="en-US" dirty="0" smtClean="0">
+                <a:solidFill>
+                  <a:schemeClr val="bg1">
+                    <a:lumMod val="95000"/>
+                  </a:schemeClr>
+                </a:solidFill>
+              </a:rPr>
+              <a:t>,</a:t>
+            </a:r>
+            <a:r>
+              <a:rPr lang="bg-BG" dirty="0" smtClean="0">
+                <a:solidFill>
+                  <a:schemeClr val="bg1">
+                    <a:lumMod val="95000"/>
+                  </a:schemeClr>
+                </a:solidFill>
+              </a:rPr>
+              <a:t> която </a:t>
+            </a:r>
+            <a:r>
+              <a:rPr lang="bg-BG" dirty="0" smtClean="0">
+                <a:solidFill>
+                  <a:schemeClr val="bg1">
+                    <a:lumMod val="95000"/>
+                  </a:schemeClr>
+                </a:solidFill>
+              </a:rPr>
+              <a:t>отпечатва на екрана числата от 1 до 10 използвайки цикълът </a:t>
+            </a:r>
+            <a:r>
+              <a:rPr lang="en-US" dirty="0" smtClean="0">
+                <a:solidFill>
+                  <a:schemeClr val="bg1">
+                    <a:lumMod val="95000"/>
+                  </a:schemeClr>
+                </a:solidFill>
+              </a:rPr>
+              <a:t>FOR.</a:t>
+            </a:r>
             <a:endParaRPr lang="ru-RU" dirty="0" smtClean="0">
               <a:solidFill>
                 <a:schemeClr val="bg1">
@@ -4261,346 +4475,12 @@
               </a:solidFill>
             </a:endParaRPr>
           </a:p>
-          <a:p>
-            <a:pPr>
-              <a:buFont typeface="Wingdings" panose="05000000000000000000" pitchFamily="2" charset="2"/>
-              <a:buChar char="§"/>
-            </a:pPr>
-            <a:r>
-              <a:rPr lang="ru-RU" dirty="0" smtClean="0">
-                <a:solidFill>
-                  <a:schemeClr val="bg1">
-                    <a:lumMod val="95000"/>
-                  </a:schemeClr>
-                </a:solidFill>
-              </a:rPr>
-              <a:t>Оператор </a:t>
-            </a:r>
-            <a:r>
-              <a:rPr lang="ru-RU" dirty="0">
-                <a:solidFill>
-                  <a:schemeClr val="bg1">
-                    <a:lumMod val="95000"/>
-                  </a:schemeClr>
-                </a:solidFill>
-              </a:rPr>
-              <a:t>BREAK </a:t>
-            </a:r>
-            <a:r>
-              <a:rPr lang="ru-RU" dirty="0" err="1" smtClean="0">
-                <a:solidFill>
-                  <a:schemeClr val="bg1">
-                    <a:lumMod val="95000"/>
-                  </a:schemeClr>
-                </a:solidFill>
-              </a:rPr>
-              <a:t>прекъсва</a:t>
-            </a:r>
-            <a:r>
-              <a:rPr lang="ru-RU" dirty="0" smtClean="0">
-                <a:solidFill>
-                  <a:schemeClr val="bg1">
-                    <a:lumMod val="95000"/>
-                  </a:schemeClr>
-                </a:solidFill>
-              </a:rPr>
-              <a:t> </a:t>
-            </a:r>
-            <a:r>
-              <a:rPr lang="ru-RU" dirty="0" err="1" smtClean="0">
-                <a:solidFill>
-                  <a:schemeClr val="bg1">
-                    <a:lumMod val="95000"/>
-                  </a:schemeClr>
-                </a:solidFill>
-              </a:rPr>
-              <a:t>изпълнението</a:t>
-            </a:r>
-            <a:r>
-              <a:rPr lang="ru-RU" dirty="0" smtClean="0">
-                <a:solidFill>
-                  <a:schemeClr val="bg1">
-                    <a:lumMod val="95000"/>
-                  </a:schemeClr>
-                </a:solidFill>
-              </a:rPr>
-              <a:t> независимо от </a:t>
-            </a:r>
-            <a:r>
-              <a:rPr lang="ru-RU" dirty="0" err="1" smtClean="0">
-                <a:solidFill>
-                  <a:schemeClr val="bg1">
-                    <a:lumMod val="95000"/>
-                  </a:schemeClr>
-                </a:solidFill>
-              </a:rPr>
-              <a:t>условието</a:t>
-            </a:r>
-            <a:r>
-              <a:rPr lang="ru-RU" dirty="0" smtClean="0">
-                <a:solidFill>
-                  <a:schemeClr val="bg1">
-                    <a:lumMod val="95000"/>
-                  </a:schemeClr>
-                </a:solidFill>
-              </a:rPr>
-              <a:t> на </a:t>
-            </a:r>
-            <a:r>
-              <a:rPr lang="ru-RU" dirty="0" err="1" smtClean="0">
-                <a:solidFill>
-                  <a:schemeClr val="bg1">
-                    <a:lumMod val="95000"/>
-                  </a:schemeClr>
-                </a:solidFill>
-              </a:rPr>
-              <a:t>цикъла</a:t>
-            </a:r>
-            <a:endParaRPr lang="ru-RU" dirty="0">
-              <a:solidFill>
-                <a:schemeClr val="bg1">
-                  <a:lumMod val="95000"/>
-                </a:schemeClr>
-              </a:solidFill>
-            </a:endParaRPr>
-          </a:p>
-          <a:p>
-            <a:pPr>
-              <a:buFont typeface="Wingdings" panose="05000000000000000000" pitchFamily="2" charset="2"/>
-              <a:buChar char="§"/>
-            </a:pPr>
-            <a:r>
-              <a:rPr lang="ru-RU" dirty="0" err="1" smtClean="0">
-                <a:solidFill>
-                  <a:schemeClr val="bg1">
-                    <a:lumMod val="95000"/>
-                  </a:schemeClr>
-                </a:solidFill>
-              </a:rPr>
-              <a:t>Важи</a:t>
-            </a:r>
-            <a:r>
-              <a:rPr lang="ru-RU" dirty="0" smtClean="0">
-                <a:solidFill>
-                  <a:schemeClr val="bg1">
-                    <a:lumMod val="95000"/>
-                  </a:schemeClr>
-                </a:solidFill>
-              </a:rPr>
-              <a:t> за </a:t>
-            </a:r>
-            <a:r>
-              <a:rPr lang="ru-RU" dirty="0" err="1" smtClean="0">
-                <a:solidFill>
-                  <a:schemeClr val="bg1">
-                    <a:lumMod val="95000"/>
-                  </a:schemeClr>
-                </a:solidFill>
-              </a:rPr>
-              <a:t>всички</a:t>
-            </a:r>
-            <a:r>
-              <a:rPr lang="ru-RU" dirty="0" smtClean="0">
-                <a:solidFill>
-                  <a:schemeClr val="bg1">
-                    <a:lumMod val="95000"/>
-                  </a:schemeClr>
-                </a:solidFill>
-              </a:rPr>
-              <a:t> </a:t>
-            </a:r>
-            <a:r>
-              <a:rPr lang="ru-RU" dirty="0" err="1" smtClean="0">
-                <a:solidFill>
-                  <a:schemeClr val="bg1">
-                    <a:lumMod val="95000"/>
-                  </a:schemeClr>
-                </a:solidFill>
-              </a:rPr>
-              <a:t>типове</a:t>
-            </a:r>
-            <a:r>
-              <a:rPr lang="ru-RU" dirty="0" smtClean="0">
-                <a:solidFill>
-                  <a:schemeClr val="bg1">
-                    <a:lumMod val="95000"/>
-                  </a:schemeClr>
-                </a:solidFill>
-              </a:rPr>
-              <a:t> цикли</a:t>
-            </a:r>
-            <a:endParaRPr lang="ru-RU" dirty="0">
-              <a:solidFill>
-                <a:schemeClr val="bg1">
-                  <a:lumMod val="95000"/>
-                </a:schemeClr>
-              </a:solidFill>
-            </a:endParaRPr>
-          </a:p>
-          <a:p>
-            <a:pPr>
-              <a:buFont typeface="Wingdings" panose="05000000000000000000" pitchFamily="2" charset="2"/>
-              <a:buChar char="§"/>
-            </a:pPr>
-            <a:r>
-              <a:rPr lang="ru-RU" dirty="0" err="1" smtClean="0">
-                <a:solidFill>
-                  <a:schemeClr val="bg1">
-                    <a:lumMod val="95000"/>
-                  </a:schemeClr>
-                </a:solidFill>
-              </a:rPr>
-              <a:t>Кодъ</a:t>
-            </a:r>
-            <a:r>
-              <a:rPr lang="bg-BG" dirty="0" smtClean="0">
-                <a:solidFill>
-                  <a:schemeClr val="bg1">
-                    <a:lumMod val="95000"/>
-                  </a:schemeClr>
-                </a:solidFill>
-              </a:rPr>
-              <a:t>т</a:t>
-            </a:r>
-            <a:r>
-              <a:rPr lang="ru-RU" dirty="0" smtClean="0">
-                <a:solidFill>
-                  <a:schemeClr val="bg1">
-                    <a:lumMod val="95000"/>
-                  </a:schemeClr>
-                </a:solidFill>
-              </a:rPr>
-              <a:t> в </a:t>
-            </a:r>
-            <a:r>
-              <a:rPr lang="ru-RU" dirty="0" err="1" smtClean="0">
-                <a:solidFill>
-                  <a:schemeClr val="bg1">
-                    <a:lumMod val="95000"/>
-                  </a:schemeClr>
-                </a:solidFill>
-              </a:rPr>
-              <a:t>цикъла</a:t>
-            </a:r>
-            <a:r>
-              <a:rPr lang="ru-RU" dirty="0" smtClean="0">
-                <a:solidFill>
-                  <a:schemeClr val="bg1">
-                    <a:lumMod val="95000"/>
-                  </a:schemeClr>
-                </a:solidFill>
-              </a:rPr>
-              <a:t> след </a:t>
-            </a:r>
-            <a:r>
-              <a:rPr lang="en-US" dirty="0" smtClean="0">
-                <a:solidFill>
-                  <a:schemeClr val="bg1">
-                    <a:lumMod val="95000"/>
-                  </a:schemeClr>
-                </a:solidFill>
-              </a:rPr>
-              <a:t>break </a:t>
-            </a:r>
-            <a:r>
-              <a:rPr lang="bg-BG" dirty="0" smtClean="0">
-                <a:solidFill>
-                  <a:schemeClr val="bg1">
-                    <a:lumMod val="95000"/>
-                  </a:schemeClr>
-                </a:solidFill>
-              </a:rPr>
-              <a:t>не се изпълнява</a:t>
-            </a:r>
-            <a:endParaRPr lang="ru-RU" dirty="0">
-              <a:solidFill>
-                <a:schemeClr val="bg1">
-                  <a:lumMod val="95000"/>
-                </a:schemeClr>
-              </a:solidFill>
-            </a:endParaRPr>
-          </a:p>
-          <a:p>
-            <a:pPr>
-              <a:buFont typeface="Wingdings" panose="05000000000000000000" pitchFamily="2" charset="2"/>
-              <a:buChar char="§"/>
-            </a:pPr>
-            <a:r>
-              <a:rPr lang="ru-RU" dirty="0" err="1" smtClean="0">
-                <a:solidFill>
-                  <a:schemeClr val="bg1">
-                    <a:lumMod val="95000"/>
-                  </a:schemeClr>
-                </a:solidFill>
-              </a:rPr>
-              <a:t>Използвайте</a:t>
-            </a:r>
-            <a:r>
-              <a:rPr lang="ru-RU" dirty="0" smtClean="0">
-                <a:solidFill>
-                  <a:schemeClr val="bg1">
-                    <a:lumMod val="95000"/>
-                  </a:schemeClr>
-                </a:solidFill>
-              </a:rPr>
-              <a:t> </a:t>
-            </a:r>
-            <a:r>
-              <a:rPr lang="en-US" dirty="0" smtClean="0">
-                <a:solidFill>
-                  <a:schemeClr val="bg1">
-                    <a:lumMod val="95000"/>
-                  </a:schemeClr>
-                </a:solidFill>
-              </a:rPr>
-              <a:t>break </a:t>
-            </a:r>
-            <a:r>
-              <a:rPr lang="bg-BG" dirty="0" smtClean="0">
-                <a:solidFill>
-                  <a:schemeClr val="bg1">
-                    <a:lumMod val="95000"/>
-                  </a:schemeClr>
-                </a:solidFill>
-              </a:rPr>
-              <a:t>само, </a:t>
-            </a:r>
-            <a:r>
-              <a:rPr lang="bg-BG" dirty="0" smtClean="0">
-                <a:solidFill>
-                  <a:schemeClr val="bg1">
-                    <a:lumMod val="95000"/>
-                  </a:schemeClr>
-                </a:solidFill>
-              </a:rPr>
-              <a:t>когато се налага</a:t>
-            </a:r>
-            <a:endParaRPr lang="ru-RU" dirty="0">
-              <a:solidFill>
-                <a:schemeClr val="bg1">
-                  <a:lumMod val="95000"/>
-                </a:schemeClr>
-              </a:solidFill>
-            </a:endParaRPr>
-          </a:p>
-          <a:p>
-            <a:pPr marL="0" indent="0">
-              <a:buNone/>
-            </a:pPr>
-            <a:endParaRPr lang="ru-RU" dirty="0">
-              <a:solidFill>
-                <a:schemeClr val="bg1">
-                  <a:lumMod val="95000"/>
-                </a:schemeClr>
-              </a:solidFill>
-            </a:endParaRPr>
-          </a:p>
         </p:txBody>
       </p:sp>
     </p:spTree>
     <p:extLst>
       <p:ext uri="{BB962C8B-B14F-4D97-AF65-F5344CB8AC3E}">
-        <p14:creationId xmlns:p14="http://schemas.microsoft.com/office/powerpoint/2010/main" val="2457593930"/>
+        <p14:creationId xmlns:p14="http://schemas.microsoft.com/office/powerpoint/2010/main" val="3572194992"/>
       </p:ext>
     </p:extLst>
   </p:cSld>
@@ -4658,6 +4538,651 @@
           <a:p>
             <a:pPr algn="l"/>
             <a:r>
+              <a:rPr lang="bg-BG" dirty="0" smtClean="0">
+                <a:solidFill>
+                  <a:schemeClr val="accent6"/>
+                </a:solidFill>
+              </a:rPr>
+              <a:t>Задача</a:t>
+            </a:r>
+            <a:endParaRPr lang="bg-BG" dirty="0">
+              <a:solidFill>
+                <a:schemeClr val="accent6"/>
+              </a:solidFill>
+            </a:endParaRPr>
+          </a:p>
+        </p:txBody>
+      </p:sp>
+      <p:sp>
+        <p:nvSpPr>
+          <p:cNvPr id="3" name="Content Placeholder 2"/>
+          <p:cNvSpPr>
+            <a:spLocks noGrp="1"/>
+          </p:cNvSpPr>
+          <p:nvPr>
+            <p:ph idx="1"/>
+          </p:nvPr>
+        </p:nvSpPr>
+        <p:spPr>
+          <a:xfrm>
+            <a:off x="762000" y="1676400"/>
+            <a:ext cx="7620000" cy="4525963"/>
+          </a:xfrm>
+        </p:spPr>
+        <p:txBody>
+          <a:bodyPr>
+            <a:normAutofit/>
+          </a:bodyPr>
+          <a:lstStyle/>
+          <a:p>
+            <a:pPr>
+              <a:buFont typeface="Wingdings" panose="05000000000000000000" pitchFamily="2" charset="2"/>
+              <a:buChar char="§"/>
+            </a:pPr>
+            <a:r>
+              <a:rPr lang="bg-BG" dirty="0" smtClean="0">
+                <a:solidFill>
+                  <a:schemeClr val="bg1">
+                    <a:lumMod val="95000"/>
+                  </a:schemeClr>
+                </a:solidFill>
+              </a:rPr>
+              <a:t>Напишете програма</a:t>
+            </a:r>
+            <a:r>
+              <a:rPr lang="en-US" dirty="0" smtClean="0">
+                <a:solidFill>
+                  <a:schemeClr val="bg1">
+                    <a:lumMod val="95000"/>
+                  </a:schemeClr>
+                </a:solidFill>
+              </a:rPr>
+              <a:t>,</a:t>
+            </a:r>
+            <a:r>
+              <a:rPr lang="bg-BG" dirty="0" smtClean="0">
+                <a:solidFill>
+                  <a:schemeClr val="bg1">
+                    <a:lumMod val="95000"/>
+                  </a:schemeClr>
+                </a:solidFill>
+              </a:rPr>
+              <a:t> която приема две числа </a:t>
+            </a:r>
+            <a:r>
+              <a:rPr lang="en-US" dirty="0" smtClean="0">
+                <a:solidFill>
+                  <a:schemeClr val="bg1">
+                    <a:lumMod val="95000"/>
+                  </a:schemeClr>
+                </a:solidFill>
+              </a:rPr>
+              <a:t>N</a:t>
+            </a:r>
+            <a:r>
+              <a:rPr lang="bg-BG" dirty="0" smtClean="0">
+                <a:solidFill>
+                  <a:schemeClr val="bg1">
+                    <a:lumMod val="95000"/>
+                  </a:schemeClr>
+                </a:solidFill>
+              </a:rPr>
+              <a:t> и </a:t>
+            </a:r>
+            <a:r>
+              <a:rPr lang="en-US" dirty="0" smtClean="0">
+                <a:solidFill>
+                  <a:schemeClr val="bg1">
+                    <a:lumMod val="95000"/>
+                  </a:schemeClr>
+                </a:solidFill>
+              </a:rPr>
+              <a:t>M</a:t>
+            </a:r>
+            <a:r>
+              <a:rPr lang="bg-BG" dirty="0" smtClean="0">
+                <a:solidFill>
+                  <a:schemeClr val="bg1">
+                    <a:lumMod val="95000"/>
+                  </a:schemeClr>
+                </a:solidFill>
+              </a:rPr>
+              <a:t>. Програмата трябва да пресметне колко е </a:t>
+            </a:r>
+            <a:r>
+              <a:rPr lang="en-US" dirty="0" smtClean="0">
+                <a:solidFill>
+                  <a:schemeClr val="bg1">
+                    <a:lumMod val="95000"/>
+                  </a:schemeClr>
+                </a:solidFill>
+              </a:rPr>
+              <a:t>N</a:t>
+            </a:r>
+            <a:r>
+              <a:rPr lang="bg-BG" dirty="0" smtClean="0">
+                <a:solidFill>
+                  <a:schemeClr val="bg1">
+                    <a:lumMod val="95000"/>
+                  </a:schemeClr>
+                </a:solidFill>
+              </a:rPr>
+              <a:t> на степен М.</a:t>
+            </a:r>
+            <a:endParaRPr lang="ru-RU" dirty="0" smtClean="0">
+              <a:solidFill>
+                <a:schemeClr val="bg1">
+                  <a:lumMod val="95000"/>
+                </a:schemeClr>
+              </a:solidFill>
+            </a:endParaRPr>
+          </a:p>
+        </p:txBody>
+      </p:sp>
+    </p:spTree>
+    <p:extLst>
+      <p:ext uri="{BB962C8B-B14F-4D97-AF65-F5344CB8AC3E}">
+        <p14:creationId xmlns:p14="http://schemas.microsoft.com/office/powerpoint/2010/main" val="1693201098"/>
+      </p:ext>
+    </p:extLst>
+  </p:cSld>
+  <p:clrMapOvr>
+    <a:masterClrMapping/>
+  </p:clrMapOvr>
+  <p:timing>
+    <p:tnLst>
+      <p:par>
+        <p:cTn id="1" dur="indefinite" restart="never" nodeType="tmRoot"/>
+      </p:par>
+    </p:tnLst>
+  </p:timing>
+</p:sld>
+</file>
+
+<file path=ppt/slides/slide16.xml><?xml version="1.0" encoding="utf-8"?>
+<p:sld xmlns:a="http://schemas.openxmlformats.org/drawingml/2006/main" xmlns:r="http://schemas.openxmlformats.org/officeDocument/2006/relationships" xmlns:p="http://schemas.openxmlformats.org/presentationml/2006/main">
+  <p:cSld>
+    <p:spTree>
+      <p:nvGrpSpPr>
+        <p:cNvPr id="1" name=""/>
+        <p:cNvGrpSpPr/>
+        <p:nvPr/>
+      </p:nvGrpSpPr>
+      <p:grpSpPr>
+        <a:xfrm>
+          <a:off x="0" y="0"/>
+          <a:ext cx="0" cy="0"/>
+          <a:chOff x="0" y="0"/>
+          <a:chExt cx="0" cy="0"/>
+        </a:xfrm>
+      </p:grpSpPr>
+      <p:sp>
+        <p:nvSpPr>
+          <p:cNvPr id="2" name="Title 1"/>
+          <p:cNvSpPr>
+            <a:spLocks noGrp="1"/>
+          </p:cNvSpPr>
+          <p:nvPr>
+            <p:ph type="title"/>
+          </p:nvPr>
+        </p:nvSpPr>
+        <p:spPr>
+          <a:xfrm>
+            <a:off x="838200" y="685800"/>
+            <a:ext cx="8229600" cy="1676400"/>
+          </a:xfrm>
+        </p:spPr>
+        <p:txBody>
+          <a:bodyPr>
+            <a:normAutofit/>
+          </a:bodyPr>
+          <a:lstStyle/>
+          <a:p>
+            <a:pPr algn="l"/>
+            <a:r>
+              <a:rPr lang="bg-BG" dirty="0" smtClean="0">
+                <a:solidFill>
+                  <a:schemeClr val="accent6"/>
+                </a:solidFill>
+              </a:rPr>
+              <a:t>Прекъсване на изпълнението с оператора </a:t>
+            </a:r>
+            <a:r>
+              <a:rPr lang="en-US" dirty="0" smtClean="0">
+                <a:solidFill>
+                  <a:schemeClr val="accent6"/>
+                </a:solidFill>
+              </a:rPr>
+              <a:t>BREAK</a:t>
+            </a:r>
+            <a:endParaRPr lang="bg-BG" dirty="0">
+              <a:solidFill>
+                <a:schemeClr val="accent6"/>
+              </a:solidFill>
+            </a:endParaRPr>
+          </a:p>
+        </p:txBody>
+      </p:sp>
+      <p:sp>
+        <p:nvSpPr>
+          <p:cNvPr id="3" name="Content Placeholder 2"/>
+          <p:cNvSpPr>
+            <a:spLocks noGrp="1"/>
+          </p:cNvSpPr>
+          <p:nvPr>
+            <p:ph idx="1"/>
+          </p:nvPr>
+        </p:nvSpPr>
+        <p:spPr>
+          <a:xfrm>
+            <a:off x="762000" y="1676400"/>
+            <a:ext cx="7620000" cy="4525963"/>
+          </a:xfrm>
+        </p:spPr>
+        <p:txBody>
+          <a:bodyPr>
+            <a:normAutofit/>
+          </a:bodyPr>
+          <a:lstStyle/>
+          <a:p>
+            <a:pPr marL="0" indent="0">
+              <a:buNone/>
+            </a:pPr>
+            <a:endParaRPr lang="ru-RU" dirty="0" smtClean="0">
+              <a:solidFill>
+                <a:schemeClr val="bg1">
+                  <a:lumMod val="95000"/>
+                </a:schemeClr>
+              </a:solidFill>
+            </a:endParaRPr>
+          </a:p>
+          <a:p>
+            <a:pPr>
+              <a:buFont typeface="Wingdings" panose="05000000000000000000" pitchFamily="2" charset="2"/>
+              <a:buChar char="§"/>
+            </a:pPr>
+            <a:r>
+              <a:rPr lang="ru-RU" dirty="0" smtClean="0">
+                <a:solidFill>
+                  <a:schemeClr val="bg1">
+                    <a:lumMod val="95000"/>
+                  </a:schemeClr>
+                </a:solidFill>
+              </a:rPr>
+              <a:t>Оператор </a:t>
+            </a:r>
+            <a:r>
+              <a:rPr lang="ru-RU" dirty="0">
+                <a:solidFill>
+                  <a:schemeClr val="bg1">
+                    <a:lumMod val="95000"/>
+                  </a:schemeClr>
+                </a:solidFill>
+              </a:rPr>
+              <a:t>BREAK </a:t>
+            </a:r>
+            <a:r>
+              <a:rPr lang="ru-RU" dirty="0" err="1" smtClean="0">
+                <a:solidFill>
+                  <a:schemeClr val="bg1">
+                    <a:lumMod val="95000"/>
+                  </a:schemeClr>
+                </a:solidFill>
+              </a:rPr>
+              <a:t>прекъсва</a:t>
+            </a:r>
+            <a:r>
+              <a:rPr lang="ru-RU" dirty="0" smtClean="0">
+                <a:solidFill>
+                  <a:schemeClr val="bg1">
+                    <a:lumMod val="95000"/>
+                  </a:schemeClr>
+                </a:solidFill>
+              </a:rPr>
+              <a:t> </a:t>
+            </a:r>
+            <a:r>
+              <a:rPr lang="ru-RU" dirty="0" err="1" smtClean="0">
+                <a:solidFill>
+                  <a:schemeClr val="bg1">
+                    <a:lumMod val="95000"/>
+                  </a:schemeClr>
+                </a:solidFill>
+              </a:rPr>
+              <a:t>изпълнението</a:t>
+            </a:r>
+            <a:r>
+              <a:rPr lang="ru-RU" dirty="0" smtClean="0">
+                <a:solidFill>
+                  <a:schemeClr val="bg1">
+                    <a:lumMod val="95000"/>
+                  </a:schemeClr>
+                </a:solidFill>
+              </a:rPr>
+              <a:t> независимо от </a:t>
+            </a:r>
+            <a:r>
+              <a:rPr lang="ru-RU" dirty="0" err="1" smtClean="0">
+                <a:solidFill>
+                  <a:schemeClr val="bg1">
+                    <a:lumMod val="95000"/>
+                  </a:schemeClr>
+                </a:solidFill>
+              </a:rPr>
+              <a:t>условието</a:t>
+            </a:r>
+            <a:r>
+              <a:rPr lang="ru-RU" dirty="0" smtClean="0">
+                <a:solidFill>
+                  <a:schemeClr val="bg1">
+                    <a:lumMod val="95000"/>
+                  </a:schemeClr>
+                </a:solidFill>
+              </a:rPr>
+              <a:t> на </a:t>
+            </a:r>
+            <a:r>
+              <a:rPr lang="ru-RU" dirty="0" err="1" smtClean="0">
+                <a:solidFill>
+                  <a:schemeClr val="bg1">
+                    <a:lumMod val="95000"/>
+                  </a:schemeClr>
+                </a:solidFill>
+              </a:rPr>
+              <a:t>цикъла</a:t>
+            </a:r>
+            <a:endParaRPr lang="ru-RU" dirty="0">
+              <a:solidFill>
+                <a:schemeClr val="bg1">
+                  <a:lumMod val="95000"/>
+                </a:schemeClr>
+              </a:solidFill>
+            </a:endParaRPr>
+          </a:p>
+          <a:p>
+            <a:pPr>
+              <a:buFont typeface="Wingdings" panose="05000000000000000000" pitchFamily="2" charset="2"/>
+              <a:buChar char="§"/>
+            </a:pPr>
+            <a:r>
+              <a:rPr lang="ru-RU" dirty="0" err="1" smtClean="0">
+                <a:solidFill>
+                  <a:schemeClr val="bg1">
+                    <a:lumMod val="95000"/>
+                  </a:schemeClr>
+                </a:solidFill>
+              </a:rPr>
+              <a:t>Важи</a:t>
+            </a:r>
+            <a:r>
+              <a:rPr lang="ru-RU" dirty="0" smtClean="0">
+                <a:solidFill>
+                  <a:schemeClr val="bg1">
+                    <a:lumMod val="95000"/>
+                  </a:schemeClr>
+                </a:solidFill>
+              </a:rPr>
+              <a:t> за </a:t>
+            </a:r>
+            <a:r>
+              <a:rPr lang="ru-RU" dirty="0" err="1" smtClean="0">
+                <a:solidFill>
+                  <a:schemeClr val="bg1">
+                    <a:lumMod val="95000"/>
+                  </a:schemeClr>
+                </a:solidFill>
+              </a:rPr>
+              <a:t>всички</a:t>
+            </a:r>
+            <a:r>
+              <a:rPr lang="ru-RU" dirty="0" smtClean="0">
+                <a:solidFill>
+                  <a:schemeClr val="bg1">
+                    <a:lumMod val="95000"/>
+                  </a:schemeClr>
+                </a:solidFill>
+              </a:rPr>
+              <a:t> </a:t>
+            </a:r>
+            <a:r>
+              <a:rPr lang="ru-RU" dirty="0" err="1" smtClean="0">
+                <a:solidFill>
+                  <a:schemeClr val="bg1">
+                    <a:lumMod val="95000"/>
+                  </a:schemeClr>
+                </a:solidFill>
+              </a:rPr>
+              <a:t>типове</a:t>
+            </a:r>
+            <a:r>
+              <a:rPr lang="ru-RU" dirty="0" smtClean="0">
+                <a:solidFill>
+                  <a:schemeClr val="bg1">
+                    <a:lumMod val="95000"/>
+                  </a:schemeClr>
+                </a:solidFill>
+              </a:rPr>
+              <a:t> цикли</a:t>
+            </a:r>
+            <a:endParaRPr lang="ru-RU" dirty="0">
+              <a:solidFill>
+                <a:schemeClr val="bg1">
+                  <a:lumMod val="95000"/>
+                </a:schemeClr>
+              </a:solidFill>
+            </a:endParaRPr>
+          </a:p>
+          <a:p>
+            <a:pPr>
+              <a:buFont typeface="Wingdings" panose="05000000000000000000" pitchFamily="2" charset="2"/>
+              <a:buChar char="§"/>
+            </a:pPr>
+            <a:r>
+              <a:rPr lang="ru-RU" dirty="0" err="1" smtClean="0">
+                <a:solidFill>
+                  <a:schemeClr val="bg1">
+                    <a:lumMod val="95000"/>
+                  </a:schemeClr>
+                </a:solidFill>
+              </a:rPr>
+              <a:t>Кодъ</a:t>
+            </a:r>
+            <a:r>
+              <a:rPr lang="bg-BG" dirty="0" smtClean="0">
+                <a:solidFill>
+                  <a:schemeClr val="bg1">
+                    <a:lumMod val="95000"/>
+                  </a:schemeClr>
+                </a:solidFill>
+              </a:rPr>
+              <a:t>т</a:t>
+            </a:r>
+            <a:r>
+              <a:rPr lang="ru-RU" dirty="0" smtClean="0">
+                <a:solidFill>
+                  <a:schemeClr val="bg1">
+                    <a:lumMod val="95000"/>
+                  </a:schemeClr>
+                </a:solidFill>
+              </a:rPr>
+              <a:t> в </a:t>
+            </a:r>
+            <a:r>
+              <a:rPr lang="ru-RU" dirty="0" err="1" smtClean="0">
+                <a:solidFill>
+                  <a:schemeClr val="bg1">
+                    <a:lumMod val="95000"/>
+                  </a:schemeClr>
+                </a:solidFill>
+              </a:rPr>
+              <a:t>цикъла</a:t>
+            </a:r>
+            <a:r>
+              <a:rPr lang="ru-RU" dirty="0" smtClean="0">
+                <a:solidFill>
+                  <a:schemeClr val="bg1">
+                    <a:lumMod val="95000"/>
+                  </a:schemeClr>
+                </a:solidFill>
+              </a:rPr>
+              <a:t> след </a:t>
+            </a:r>
+            <a:r>
+              <a:rPr lang="en-US" dirty="0" smtClean="0">
+                <a:solidFill>
+                  <a:schemeClr val="bg1">
+                    <a:lumMod val="95000"/>
+                  </a:schemeClr>
+                </a:solidFill>
+              </a:rPr>
+              <a:t>break </a:t>
+            </a:r>
+            <a:r>
+              <a:rPr lang="bg-BG" dirty="0" smtClean="0">
+                <a:solidFill>
+                  <a:schemeClr val="bg1">
+                    <a:lumMod val="95000"/>
+                  </a:schemeClr>
+                </a:solidFill>
+              </a:rPr>
+              <a:t>не се изпълнява</a:t>
+            </a:r>
+            <a:endParaRPr lang="ru-RU" dirty="0">
+              <a:solidFill>
+                <a:schemeClr val="bg1">
+                  <a:lumMod val="95000"/>
+                </a:schemeClr>
+              </a:solidFill>
+            </a:endParaRPr>
+          </a:p>
+          <a:p>
+            <a:pPr>
+              <a:buFont typeface="Wingdings" panose="05000000000000000000" pitchFamily="2" charset="2"/>
+              <a:buChar char="§"/>
+            </a:pPr>
+            <a:r>
+              <a:rPr lang="ru-RU" dirty="0" err="1" smtClean="0">
+                <a:solidFill>
+                  <a:schemeClr val="bg1">
+                    <a:lumMod val="95000"/>
+                  </a:schemeClr>
+                </a:solidFill>
+              </a:rPr>
+              <a:t>Използвайте</a:t>
+            </a:r>
+            <a:r>
+              <a:rPr lang="ru-RU" dirty="0" smtClean="0">
+                <a:solidFill>
+                  <a:schemeClr val="bg1">
+                    <a:lumMod val="95000"/>
+                  </a:schemeClr>
+                </a:solidFill>
+              </a:rPr>
+              <a:t> </a:t>
+            </a:r>
+            <a:r>
+              <a:rPr lang="en-US" dirty="0" smtClean="0">
+                <a:solidFill>
+                  <a:schemeClr val="bg1">
+                    <a:lumMod val="95000"/>
+                  </a:schemeClr>
+                </a:solidFill>
+              </a:rPr>
+              <a:t>break </a:t>
+            </a:r>
+            <a:r>
+              <a:rPr lang="bg-BG" dirty="0" smtClean="0">
+                <a:solidFill>
+                  <a:schemeClr val="bg1">
+                    <a:lumMod val="95000"/>
+                  </a:schemeClr>
+                </a:solidFill>
+              </a:rPr>
+              <a:t>само, когато се налага</a:t>
+            </a:r>
+            <a:endParaRPr lang="ru-RU" dirty="0">
+              <a:solidFill>
+                <a:schemeClr val="bg1">
+                  <a:lumMod val="95000"/>
+                </a:schemeClr>
+              </a:solidFill>
+            </a:endParaRPr>
+          </a:p>
+          <a:p>
+            <a:pPr marL="0" indent="0">
+              <a:buNone/>
+            </a:pPr>
+            <a:endParaRPr lang="ru-RU" dirty="0">
+              <a:solidFill>
+                <a:schemeClr val="bg1">
+                  <a:lumMod val="95000"/>
+                </a:schemeClr>
+              </a:solidFill>
+            </a:endParaRPr>
+          </a:p>
+        </p:txBody>
+      </p:sp>
+    </p:spTree>
+    <p:extLst>
+      <p:ext uri="{BB962C8B-B14F-4D97-AF65-F5344CB8AC3E}">
+        <p14:creationId xmlns:p14="http://schemas.microsoft.com/office/powerpoint/2010/main" val="2457593930"/>
+      </p:ext>
+    </p:extLst>
+  </p:cSld>
+  <p:clrMapOvr>
+    <a:masterClrMapping/>
+  </p:clrMapOvr>
+  <p:timing>
+    <p:tnLst>
+      <p:par>
+        <p:cTn id="1" dur="indefinite" restart="never" nodeType="tmRoot"/>
+      </p:par>
+    </p:tnLst>
+  </p:timing>
+</p:sld>
+</file>
+
+<file path=ppt/slides/slide17.xml><?xml version="1.0" encoding="utf-8"?>
+<p:sld xmlns:a="http://schemas.openxmlformats.org/drawingml/2006/main" xmlns:r="http://schemas.openxmlformats.org/officeDocument/2006/relationships" xmlns:p="http://schemas.openxmlformats.org/presentationml/2006/main">
+  <p:cSld>
+    <p:spTree>
+      <p:nvGrpSpPr>
+        <p:cNvPr id="1" name=""/>
+        <p:cNvGrpSpPr/>
+        <p:nvPr/>
+      </p:nvGrpSpPr>
+      <p:grpSpPr>
+        <a:xfrm>
+          <a:off x="0" y="0"/>
+          <a:ext cx="0" cy="0"/>
+          <a:chOff x="0" y="0"/>
+          <a:chExt cx="0" cy="0"/>
+        </a:xfrm>
+      </p:grpSpPr>
+      <p:sp>
+        <p:nvSpPr>
+          <p:cNvPr id="2" name="Title 1"/>
+          <p:cNvSpPr>
+            <a:spLocks noGrp="1"/>
+          </p:cNvSpPr>
+          <p:nvPr>
+            <p:ph type="title"/>
+          </p:nvPr>
+        </p:nvSpPr>
+        <p:spPr>
+          <a:xfrm>
+            <a:off x="838200" y="685800"/>
+            <a:ext cx="8229600" cy="1143000"/>
+          </a:xfrm>
+        </p:spPr>
+        <p:txBody>
+          <a:bodyPr>
+            <a:normAutofit/>
+          </a:bodyPr>
+          <a:lstStyle/>
+          <a:p>
+            <a:pPr algn="l"/>
+            <a:r>
               <a:rPr lang="bg-BG" dirty="0" err="1" smtClean="0">
                 <a:solidFill>
                   <a:schemeClr val="accent6"/>
@@ -4750,670 +5275,6 @@
 </p:sld>
 </file>
 
-<file path=ppt/slides/slide16.xml><?xml version="1.0" encoding="utf-8"?>
-<p:sld xmlns:a="http://schemas.openxmlformats.org/drawingml/2006/main" xmlns:r="http://schemas.openxmlformats.org/officeDocument/2006/relationships" xmlns:p="http://schemas.openxmlformats.org/presentationml/2006/main">
-  <p:cSld>
-    <p:spTree>
-      <p:nvGrpSpPr>
-        <p:cNvPr id="1" name=""/>
-        <p:cNvGrpSpPr/>
-        <p:nvPr/>
-      </p:nvGrpSpPr>
-      <p:grpSpPr>
-        <a:xfrm>
-          <a:off x="0" y="0"/>
-          <a:ext cx="0" cy="0"/>
-          <a:chOff x="0" y="0"/>
-          <a:chExt cx="0" cy="0"/>
-        </a:xfrm>
-      </p:grpSpPr>
-      <p:sp>
-        <p:nvSpPr>
-          <p:cNvPr id="2" name="Title 1"/>
-          <p:cNvSpPr>
-            <a:spLocks noGrp="1"/>
-          </p:cNvSpPr>
-          <p:nvPr>
-            <p:ph type="title"/>
-          </p:nvPr>
-        </p:nvSpPr>
-        <p:spPr>
-          <a:xfrm>
-            <a:off x="838200" y="685800"/>
-            <a:ext cx="8229600" cy="1143000"/>
-          </a:xfrm>
-        </p:spPr>
-        <p:txBody>
-          <a:bodyPr>
-            <a:normAutofit/>
-          </a:bodyPr>
-          <a:lstStyle/>
-          <a:p>
-            <a:pPr algn="l"/>
-            <a:r>
-              <a:rPr lang="bg-BG" dirty="0" smtClean="0">
-                <a:solidFill>
-                  <a:schemeClr val="accent6"/>
-                </a:solidFill>
-              </a:rPr>
-              <a:t>Задача</a:t>
-            </a:r>
-            <a:endParaRPr lang="bg-BG" dirty="0">
-              <a:solidFill>
-                <a:schemeClr val="accent6"/>
-              </a:solidFill>
-            </a:endParaRPr>
-          </a:p>
-        </p:txBody>
-      </p:sp>
-      <p:sp>
-        <p:nvSpPr>
-          <p:cNvPr id="3" name="Content Placeholder 2"/>
-          <p:cNvSpPr>
-            <a:spLocks noGrp="1"/>
-          </p:cNvSpPr>
-          <p:nvPr>
-            <p:ph idx="1"/>
-          </p:nvPr>
-        </p:nvSpPr>
-        <p:spPr>
-          <a:xfrm>
-            <a:off x="762000" y="1676400"/>
-            <a:ext cx="7620000" cy="4525963"/>
-          </a:xfrm>
-        </p:spPr>
-        <p:txBody>
-          <a:bodyPr>
-            <a:normAutofit/>
-          </a:bodyPr>
-          <a:lstStyle/>
-          <a:p>
-            <a:pPr>
-              <a:buFont typeface="Wingdings" panose="05000000000000000000" pitchFamily="2" charset="2"/>
-              <a:buChar char="§"/>
-            </a:pPr>
-            <a:r>
-              <a:rPr lang="ru-RU" dirty="0" smtClean="0">
-                <a:solidFill>
-                  <a:schemeClr val="bg1">
-                    <a:lumMod val="95000"/>
-                  </a:schemeClr>
-                </a:solidFill>
-              </a:rPr>
-              <a:t>Напишете </a:t>
-            </a:r>
-            <a:r>
-              <a:rPr lang="ru-RU" dirty="0" err="1" smtClean="0">
-                <a:solidFill>
-                  <a:schemeClr val="bg1">
-                    <a:lumMod val="95000"/>
-                  </a:schemeClr>
-                </a:solidFill>
-              </a:rPr>
-              <a:t>програма</a:t>
-            </a:r>
-            <a:r>
-              <a:rPr lang="ru-RU" dirty="0" smtClean="0">
-                <a:solidFill>
-                  <a:schemeClr val="bg1">
-                    <a:lumMod val="95000"/>
-                  </a:schemeClr>
-                </a:solidFill>
-              </a:rPr>
-              <a:t>, </a:t>
-            </a:r>
-            <a:r>
-              <a:rPr lang="ru-RU" dirty="0" err="1" smtClean="0">
-                <a:solidFill>
-                  <a:schemeClr val="bg1">
-                    <a:lumMod val="95000"/>
-                  </a:schemeClr>
-                </a:solidFill>
-              </a:rPr>
-              <a:t>която</a:t>
-            </a:r>
-            <a:r>
-              <a:rPr lang="ru-RU" dirty="0" smtClean="0">
-                <a:solidFill>
-                  <a:schemeClr val="bg1">
-                    <a:lumMod val="95000"/>
-                  </a:schemeClr>
-                </a:solidFill>
-              </a:rPr>
-              <a:t> кара потребителя за </a:t>
-            </a:r>
-            <a:r>
-              <a:rPr lang="ru-RU" dirty="0" err="1" smtClean="0">
-                <a:solidFill>
-                  <a:schemeClr val="bg1">
-                    <a:lumMod val="95000"/>
-                  </a:schemeClr>
-                </a:solidFill>
-              </a:rPr>
-              <a:t>въвежда</a:t>
-            </a:r>
-            <a:r>
-              <a:rPr lang="ru-RU" dirty="0" smtClean="0">
-                <a:solidFill>
-                  <a:schemeClr val="bg1">
-                    <a:lumMod val="95000"/>
-                  </a:schemeClr>
-                </a:solidFill>
-              </a:rPr>
-              <a:t> числа и </a:t>
-            </a:r>
-            <a:r>
-              <a:rPr lang="ru-RU" dirty="0" err="1" smtClean="0">
-                <a:solidFill>
-                  <a:schemeClr val="bg1">
-                    <a:lumMod val="95000"/>
-                  </a:schemeClr>
-                </a:solidFill>
-              </a:rPr>
-              <a:t>ги</a:t>
-            </a:r>
-            <a:r>
-              <a:rPr lang="ru-RU" dirty="0" smtClean="0">
-                <a:solidFill>
-                  <a:schemeClr val="bg1">
-                    <a:lumMod val="95000"/>
-                  </a:schemeClr>
-                </a:solidFill>
-              </a:rPr>
-              <a:t> </a:t>
-            </a:r>
-            <a:r>
-              <a:rPr lang="ru-RU" dirty="0" err="1" smtClean="0">
-                <a:solidFill>
-                  <a:schemeClr val="bg1">
-                    <a:lumMod val="95000"/>
-                  </a:schemeClr>
-                </a:solidFill>
-              </a:rPr>
-              <a:t>сумира</a:t>
-            </a:r>
-            <a:r>
-              <a:rPr lang="ru-RU" dirty="0" smtClean="0">
-                <a:solidFill>
-                  <a:schemeClr val="bg1">
-                    <a:lumMod val="95000"/>
-                  </a:schemeClr>
-                </a:solidFill>
-              </a:rPr>
-              <a:t>. Края на </a:t>
-            </a:r>
-            <a:r>
-              <a:rPr lang="ru-RU" dirty="0" err="1" smtClean="0">
-                <a:solidFill>
-                  <a:schemeClr val="bg1">
-                    <a:lumMod val="95000"/>
-                  </a:schemeClr>
-                </a:solidFill>
-              </a:rPr>
-              <a:t>програмата</a:t>
-            </a:r>
-            <a:r>
-              <a:rPr lang="ru-RU" dirty="0" smtClean="0">
-                <a:solidFill>
-                  <a:schemeClr val="bg1">
-                    <a:lumMod val="95000"/>
-                  </a:schemeClr>
-                </a:solidFill>
-              </a:rPr>
-              <a:t> </a:t>
-            </a:r>
-            <a:r>
-              <a:rPr lang="ru-RU" dirty="0" err="1" smtClean="0">
-                <a:solidFill>
-                  <a:schemeClr val="bg1">
-                    <a:lumMod val="95000"/>
-                  </a:schemeClr>
-                </a:solidFill>
-              </a:rPr>
-              <a:t>настъпва</a:t>
-            </a:r>
-            <a:r>
-              <a:rPr lang="ru-RU" dirty="0" smtClean="0">
-                <a:solidFill>
-                  <a:schemeClr val="bg1">
-                    <a:lumMod val="95000"/>
-                  </a:schemeClr>
-                </a:solidFill>
-              </a:rPr>
-              <a:t>, </a:t>
-            </a:r>
-            <a:r>
-              <a:rPr lang="ru-RU" dirty="0" err="1" smtClean="0">
-                <a:solidFill>
-                  <a:schemeClr val="bg1">
-                    <a:lumMod val="95000"/>
-                  </a:schemeClr>
-                </a:solidFill>
-              </a:rPr>
-              <a:t>единствено</a:t>
-            </a:r>
-            <a:r>
-              <a:rPr lang="ru-RU" dirty="0" smtClean="0">
-                <a:solidFill>
-                  <a:schemeClr val="bg1">
-                    <a:lumMod val="95000"/>
-                  </a:schemeClr>
-                </a:solidFill>
-              </a:rPr>
-              <a:t> </a:t>
-            </a:r>
-            <a:r>
-              <a:rPr lang="ru-RU" dirty="0" err="1" smtClean="0">
-                <a:solidFill>
-                  <a:schemeClr val="bg1">
-                    <a:lumMod val="95000"/>
-                  </a:schemeClr>
-                </a:solidFill>
-              </a:rPr>
-              <a:t>когато</a:t>
-            </a:r>
-            <a:r>
-              <a:rPr lang="ru-RU" dirty="0" smtClean="0">
-                <a:solidFill>
-                  <a:schemeClr val="bg1">
-                    <a:lumMod val="95000"/>
-                  </a:schemeClr>
-                </a:solidFill>
-              </a:rPr>
-              <a:t> потребителя </a:t>
-            </a:r>
-            <a:r>
-              <a:rPr lang="ru-RU" dirty="0" err="1" smtClean="0">
-                <a:solidFill>
-                  <a:schemeClr val="bg1">
-                    <a:lumMod val="95000"/>
-                  </a:schemeClr>
-                </a:solidFill>
-              </a:rPr>
-              <a:t>въведе</a:t>
-            </a:r>
-            <a:r>
-              <a:rPr lang="ru-RU" dirty="0" smtClean="0">
-                <a:solidFill>
-                  <a:schemeClr val="bg1">
-                    <a:lumMod val="95000"/>
-                  </a:schemeClr>
-                </a:solidFill>
-              </a:rPr>
-              <a:t> </a:t>
-            </a:r>
-            <a:r>
-              <a:rPr lang="ru-RU" dirty="0" err="1" smtClean="0">
-                <a:solidFill>
-                  <a:schemeClr val="bg1">
-                    <a:lumMod val="95000"/>
-                  </a:schemeClr>
-                </a:solidFill>
-              </a:rPr>
-              <a:t>числото</a:t>
-            </a:r>
-            <a:r>
-              <a:rPr lang="ru-RU" dirty="0" smtClean="0">
-                <a:solidFill>
-                  <a:schemeClr val="bg1">
-                    <a:lumMod val="95000"/>
-                  </a:schemeClr>
-                </a:solidFill>
-              </a:rPr>
-              <a:t> 0.</a:t>
-            </a:r>
-          </a:p>
-        </p:txBody>
-      </p:sp>
-    </p:spTree>
-    <p:extLst>
-      <p:ext uri="{BB962C8B-B14F-4D97-AF65-F5344CB8AC3E}">
-        <p14:creationId xmlns:p14="http://schemas.microsoft.com/office/powerpoint/2010/main" val="1964197054"/>
-      </p:ext>
-    </p:extLst>
-  </p:cSld>
-  <p:clrMapOvr>
-    <a:masterClrMapping/>
-  </p:clrMapOvr>
-  <p:timing>
-    <p:tnLst>
-      <p:par>
-        <p:cTn id="1" dur="indefinite" restart="never" nodeType="tmRoot"/>
-      </p:par>
-    </p:tnLst>
-  </p:timing>
-</p:sld>
-</file>
-
-<file path=ppt/slides/slide17.xml><?xml version="1.0" encoding="utf-8"?>
-<p:sld xmlns:a="http://schemas.openxmlformats.org/drawingml/2006/main" xmlns:r="http://schemas.openxmlformats.org/officeDocument/2006/relationships" xmlns:p="http://schemas.openxmlformats.org/presentationml/2006/main">
-  <p:cSld>
-    <p:spTree>
-      <p:nvGrpSpPr>
-        <p:cNvPr id="1" name=""/>
-        <p:cNvGrpSpPr/>
-        <p:nvPr/>
-      </p:nvGrpSpPr>
-      <p:grpSpPr>
-        <a:xfrm>
-          <a:off x="0" y="0"/>
-          <a:ext cx="0" cy="0"/>
-          <a:chOff x="0" y="0"/>
-          <a:chExt cx="0" cy="0"/>
-        </a:xfrm>
-      </p:grpSpPr>
-      <p:sp>
-        <p:nvSpPr>
-          <p:cNvPr id="2" name="Title 1"/>
-          <p:cNvSpPr>
-            <a:spLocks noGrp="1"/>
-          </p:cNvSpPr>
-          <p:nvPr>
-            <p:ph type="title"/>
-          </p:nvPr>
-        </p:nvSpPr>
-        <p:spPr>
-          <a:xfrm>
-            <a:off x="838200" y="685800"/>
-            <a:ext cx="8229600" cy="1143000"/>
-          </a:xfrm>
-        </p:spPr>
-        <p:txBody>
-          <a:bodyPr>
-            <a:normAutofit/>
-          </a:bodyPr>
-          <a:lstStyle/>
-          <a:p>
-            <a:pPr algn="l"/>
-            <a:r>
-              <a:rPr lang="bg-BG" dirty="0" smtClean="0">
-                <a:solidFill>
-                  <a:schemeClr val="accent6"/>
-                </a:solidFill>
-              </a:rPr>
-              <a:t>Операторът </a:t>
-            </a:r>
-            <a:r>
-              <a:rPr lang="en-US" dirty="0" smtClean="0">
-                <a:solidFill>
-                  <a:schemeClr val="accent6"/>
-                </a:solidFill>
-              </a:rPr>
-              <a:t>CONTINUE</a:t>
-            </a:r>
-            <a:endParaRPr lang="bg-BG" dirty="0">
-              <a:solidFill>
-                <a:schemeClr val="accent6"/>
-              </a:solidFill>
-            </a:endParaRPr>
-          </a:p>
-        </p:txBody>
-      </p:sp>
-      <p:sp>
-        <p:nvSpPr>
-          <p:cNvPr id="3" name="Content Placeholder 2"/>
-          <p:cNvSpPr>
-            <a:spLocks noGrp="1"/>
-          </p:cNvSpPr>
-          <p:nvPr>
-            <p:ph idx="1"/>
-          </p:nvPr>
-        </p:nvSpPr>
-        <p:spPr>
-          <a:xfrm>
-            <a:off x="762000" y="1676400"/>
-            <a:ext cx="7620000" cy="4525963"/>
-          </a:xfrm>
-        </p:spPr>
-        <p:txBody>
-          <a:bodyPr>
-            <a:normAutofit/>
-          </a:bodyPr>
-          <a:lstStyle/>
-          <a:p>
-            <a:pPr>
-              <a:buFont typeface="Wingdings" panose="05000000000000000000" pitchFamily="2" charset="2"/>
-              <a:buChar char="§"/>
-            </a:pPr>
-            <a:r>
-              <a:rPr lang="ru-RU" dirty="0" err="1">
-                <a:solidFill>
-                  <a:schemeClr val="bg1">
-                    <a:lumMod val="95000"/>
-                  </a:schemeClr>
-                </a:solidFill>
-              </a:rPr>
-              <a:t>Предизвиква</a:t>
-            </a:r>
-            <a:r>
-              <a:rPr lang="ru-RU" dirty="0">
-                <a:solidFill>
-                  <a:schemeClr val="bg1">
-                    <a:lumMod val="95000"/>
-                  </a:schemeClr>
-                </a:solidFill>
-              </a:rPr>
-              <a:t> нова итерация</a:t>
-            </a:r>
-          </a:p>
-          <a:p>
-            <a:pPr>
-              <a:buFont typeface="Wingdings" panose="05000000000000000000" pitchFamily="2" charset="2"/>
-              <a:buChar char="§"/>
-            </a:pPr>
-            <a:r>
-              <a:rPr lang="ru-RU" dirty="0">
-                <a:solidFill>
-                  <a:schemeClr val="bg1">
-                    <a:lumMod val="95000"/>
-                  </a:schemeClr>
-                </a:solidFill>
-              </a:rPr>
-              <a:t>Кода под </a:t>
-            </a:r>
-            <a:r>
-              <a:rPr lang="ru-RU" dirty="0" err="1">
-                <a:solidFill>
-                  <a:schemeClr val="bg1">
-                    <a:lumMod val="95000"/>
-                  </a:schemeClr>
-                </a:solidFill>
-              </a:rPr>
-              <a:t>цикълът</a:t>
-            </a:r>
-            <a:r>
-              <a:rPr lang="ru-RU" dirty="0">
-                <a:solidFill>
-                  <a:schemeClr val="bg1">
-                    <a:lumMod val="95000"/>
-                  </a:schemeClr>
-                </a:solidFill>
-              </a:rPr>
-              <a:t> не се </a:t>
-            </a:r>
-            <a:r>
-              <a:rPr lang="ru-RU" dirty="0" err="1">
-                <a:solidFill>
-                  <a:schemeClr val="bg1">
-                    <a:lumMod val="95000"/>
-                  </a:schemeClr>
-                </a:solidFill>
-              </a:rPr>
-              <a:t>изпълнява</a:t>
-            </a:r>
-            <a:endParaRPr lang="ru-RU" dirty="0">
-              <a:solidFill>
-                <a:schemeClr val="bg1">
-                  <a:lumMod val="95000"/>
-                </a:schemeClr>
-              </a:solidFill>
-            </a:endParaRPr>
-          </a:p>
-          <a:p>
-            <a:pPr>
-              <a:buFont typeface="Wingdings" panose="05000000000000000000" pitchFamily="2" charset="2"/>
-              <a:buChar char="§"/>
-            </a:pPr>
-            <a:r>
-              <a:rPr lang="ru-RU" dirty="0">
-                <a:solidFill>
-                  <a:schemeClr val="bg1">
-                    <a:lumMod val="95000"/>
-                  </a:schemeClr>
-                </a:solidFill>
-              </a:rPr>
-              <a:t>За </a:t>
-            </a:r>
-            <a:r>
-              <a:rPr lang="ru-RU" dirty="0" err="1">
-                <a:solidFill>
-                  <a:schemeClr val="bg1">
-                    <a:lumMod val="95000"/>
-                  </a:schemeClr>
-                </a:solidFill>
-              </a:rPr>
-              <a:t>разлика</a:t>
-            </a:r>
-            <a:r>
-              <a:rPr lang="ru-RU" dirty="0">
-                <a:solidFill>
-                  <a:schemeClr val="bg1">
-                    <a:lumMod val="95000"/>
-                  </a:schemeClr>
-                </a:solidFill>
-              </a:rPr>
-              <a:t> от оператора </a:t>
-            </a:r>
-            <a:r>
-              <a:rPr lang="ru-RU" dirty="0" err="1" smtClean="0">
-                <a:solidFill>
-                  <a:schemeClr val="bg1">
-                    <a:lumMod val="95000"/>
-                  </a:schemeClr>
-                </a:solidFill>
-              </a:rPr>
-              <a:t>break</a:t>
-            </a:r>
-            <a:r>
-              <a:rPr lang="ru-RU" dirty="0" smtClean="0">
-                <a:solidFill>
-                  <a:schemeClr val="bg1">
-                    <a:lumMod val="95000"/>
-                  </a:schemeClr>
-                </a:solidFill>
-              </a:rPr>
-              <a:t>, </a:t>
-            </a:r>
-            <a:r>
-              <a:rPr lang="ru-RU" dirty="0">
-                <a:solidFill>
-                  <a:schemeClr val="bg1">
-                    <a:lumMod val="95000"/>
-                  </a:schemeClr>
-                </a:solidFill>
-              </a:rPr>
-              <a:t>при </a:t>
-            </a:r>
-            <a:r>
-              <a:rPr lang="ru-RU" dirty="0" err="1">
-                <a:solidFill>
-                  <a:schemeClr val="bg1">
-                    <a:lumMod val="95000"/>
-                  </a:schemeClr>
-                </a:solidFill>
-              </a:rPr>
-              <a:t>continue</a:t>
-            </a:r>
-            <a:r>
-              <a:rPr lang="ru-RU" dirty="0">
-                <a:solidFill>
-                  <a:schemeClr val="bg1">
-                    <a:lumMod val="95000"/>
-                  </a:schemeClr>
-                </a:solidFill>
-              </a:rPr>
-              <a:t> </a:t>
-            </a:r>
-            <a:r>
-              <a:rPr lang="ru-RU" dirty="0" err="1">
-                <a:solidFill>
-                  <a:schemeClr val="bg1">
-                    <a:lumMod val="95000"/>
-                  </a:schemeClr>
-                </a:solidFill>
-              </a:rPr>
-              <a:t>цикълът</a:t>
-            </a:r>
-            <a:r>
-              <a:rPr lang="ru-RU" dirty="0">
-                <a:solidFill>
-                  <a:schemeClr val="bg1">
-                    <a:lumMod val="95000"/>
-                  </a:schemeClr>
-                </a:solidFill>
-              </a:rPr>
-              <a:t> </a:t>
-            </a:r>
-            <a:r>
-              <a:rPr lang="ru-RU" dirty="0" err="1">
-                <a:solidFill>
-                  <a:schemeClr val="bg1">
-                    <a:lumMod val="95000"/>
-                  </a:schemeClr>
-                </a:solidFill>
-              </a:rPr>
-              <a:t>продължава</a:t>
-            </a:r>
-            <a:r>
-              <a:rPr lang="ru-RU" dirty="0">
-                <a:solidFill>
-                  <a:schemeClr val="bg1">
-                    <a:lumMod val="95000"/>
-                  </a:schemeClr>
-                </a:solidFill>
-              </a:rPr>
-              <a:t> да се </a:t>
-            </a:r>
-            <a:r>
-              <a:rPr lang="ru-RU" dirty="0" err="1">
-                <a:solidFill>
-                  <a:schemeClr val="bg1">
-                    <a:lumMod val="95000"/>
-                  </a:schemeClr>
-                </a:solidFill>
-              </a:rPr>
-              <a:t>изпълнява</a:t>
-            </a:r>
-            <a:endParaRPr lang="ru-RU" dirty="0">
-              <a:solidFill>
-                <a:schemeClr val="bg1">
-                  <a:lumMod val="95000"/>
-                </a:schemeClr>
-              </a:solidFill>
-            </a:endParaRPr>
-          </a:p>
-        </p:txBody>
-      </p:sp>
-    </p:spTree>
-    <p:extLst>
-      <p:ext uri="{BB962C8B-B14F-4D97-AF65-F5344CB8AC3E}">
-        <p14:creationId xmlns:p14="http://schemas.microsoft.com/office/powerpoint/2010/main" val="2510310197"/>
-      </p:ext>
-    </p:extLst>
-  </p:cSld>
-  <p:clrMapOvr>
-    <a:masterClrMapping/>
-  </p:clrMapOvr>
-  <p:timing>
-    <p:tnLst>
-      <p:par>
-        <p:cTn id="1" dur="indefinite" restart="never" nodeType="tmRoot"/>
-      </p:par>
-    </p:tnLst>
-  </p:timing>
-</p:sld>
-</file>
-
 <file path=ppt/slides/slide18.xml><?xml version="1.0" encoding="utf-8"?>
 <p:sld xmlns:a="http://schemas.openxmlformats.org/drawingml/2006/main" xmlns:r="http://schemas.openxmlformats.org/officeDocument/2006/relationships" xmlns:p="http://schemas.openxmlformats.org/presentationml/2006/main">
   <p:cSld>
@@ -5455,28 +5316,12 @@
           <a:p>
             <a:pPr algn="l"/>
             <a:r>
-              <a:rPr lang="bg-BG" dirty="0" err="1" smtClean="0">
+              <a:rPr lang="bg-BG" dirty="0" smtClean="0">
                 <a:solidFill>
                   <a:schemeClr val="accent6"/>
                 </a:solidFill>
               </a:rPr>
-              <a:t>Демо</a:t>
-            </a:r>
-            <a:r>
-              <a:rPr lang="bg-BG" dirty="0" smtClean="0">
-                <a:solidFill>
-                  <a:schemeClr val="accent6"/>
-                </a:solidFill>
-              </a:rPr>
-              <a:t> на оператора </a:t>
-            </a:r>
-            <a:r>
-              <a:rPr lang="en-US" dirty="0" smtClean="0">
-                <a:solidFill>
-                  <a:schemeClr val="accent6"/>
-                </a:solidFill>
-              </a:rPr>
-              <a:t>CONTINUE</a:t>
+              <a:t>Задача</a:t>
             </a:r>
             <a:endParaRPr lang="bg-BG" dirty="0">
               <a:solidFill>
@@ -5486,51 +5331,269 @@
           </a:p>
         </p:txBody>
       </p:sp>
-      <p:pic>
-        <p:nvPicPr>
-          <p:cNvPr id="5" name="Picture 2" descr="http://uraniuminvestingnews.com/files/2010/08/uranium-prices-continue-to-climb2.jpg"/>
-          <p:cNvPicPr>
-            <a:picLocks noChangeAspect="1" noChangeArrowheads="1"/>
-          </p:cNvPicPr>
-          <p:nvPr/>
-        </p:nvPicPr>
-        <p:blipFill>
-          <a:blip r:embed="rId2">
-            <a:extLst>
-              <a:ext uri="{28A0092B-C50C-407E-A947-70E740481C1C}">
-                <a14:useLocalDpi xmlns:a14="http://schemas.microsoft.com/office/drawing/2010/main" val="0"/>
-              </a:ext>
-            </a:extLst>
-          </a:blip>
-          <a:srcRect/>
-          <a:stretch>
-            <a:fillRect/>
-          </a:stretch>
-        </p:blipFill>
-        <p:spPr bwMode="auto">
+      <p:sp>
+        <p:nvSpPr>
+          <p:cNvPr id="3" name="Content Placeholder 2"/>
+          <p:cNvSpPr>
+            <a:spLocks noGrp="1"/>
+          </p:cNvSpPr>
+          <p:nvPr>
+            <p:ph idx="1"/>
+          </p:nvPr>
+        </p:nvSpPr>
+        <p:spPr>
           <a:xfrm>
-            <a:off x="2895600" y="2209800"/>
-            <a:ext cx="3612781" cy="2447369"/>
+            <a:off x="762000" y="1676400"/>
+            <a:ext cx="7620000" cy="4525963"/>
           </a:xfrm>
-          <a:prstGeom prst="rect">
-            <a:avLst/>
-          </a:prstGeom>
-          <a:noFill/>
-          <a:extLst>
-            <a:ext uri="{909E8E84-426E-40DD-AFC4-6F175D3DCCD1}">
-              <a14:hiddenFill xmlns:a14="http://schemas.microsoft.com/office/drawing/2010/main">
-                <a:solidFill>
-                  <a:srgbClr val="FFFFFF"/>
-                </a:solidFill>
-              </a14:hiddenFill>
-            </a:ext>
-          </a:extLst>
         </p:spPr>
-      </p:pic>
+        <p:txBody>
+          <a:bodyPr>
+            <a:normAutofit/>
+          </a:bodyPr>
+          <a:lstStyle/>
+          <a:p>
+            <a:pPr>
+              <a:buFont typeface="Wingdings" panose="05000000000000000000" pitchFamily="2" charset="2"/>
+              <a:buChar char="§"/>
+            </a:pPr>
+            <a:r>
+              <a:rPr lang="ru-RU" dirty="0" smtClean="0">
+                <a:solidFill>
+                  <a:schemeClr val="bg1">
+                    <a:lumMod val="95000"/>
+                  </a:schemeClr>
+                </a:solidFill>
+              </a:rPr>
+              <a:t>Напишете </a:t>
+            </a:r>
+            <a:r>
+              <a:rPr lang="ru-RU" dirty="0" err="1" smtClean="0">
+                <a:solidFill>
+                  <a:schemeClr val="bg1">
+                    <a:lumMod val="95000"/>
+                  </a:schemeClr>
+                </a:solidFill>
+              </a:rPr>
+              <a:t>програма</a:t>
+            </a:r>
+            <a:r>
+              <a:rPr lang="ru-RU" dirty="0" smtClean="0">
+                <a:solidFill>
+                  <a:schemeClr val="bg1">
+                    <a:lumMod val="95000"/>
+                  </a:schemeClr>
+                </a:solidFill>
+              </a:rPr>
+              <a:t>, </a:t>
+            </a:r>
+            <a:r>
+              <a:rPr lang="ru-RU" dirty="0" err="1" smtClean="0">
+                <a:solidFill>
+                  <a:schemeClr val="bg1">
+                    <a:lumMod val="95000"/>
+                  </a:schemeClr>
+                </a:solidFill>
+              </a:rPr>
+              <a:t>която</a:t>
+            </a:r>
+            <a:r>
+              <a:rPr lang="ru-RU" dirty="0" smtClean="0">
+                <a:solidFill>
+                  <a:schemeClr val="bg1">
+                    <a:lumMod val="95000"/>
+                  </a:schemeClr>
+                </a:solidFill>
+              </a:rPr>
+              <a:t> кара потребителя за </a:t>
+            </a:r>
+            <a:r>
+              <a:rPr lang="ru-RU" dirty="0" err="1" smtClean="0">
+                <a:solidFill>
+                  <a:schemeClr val="bg1">
+                    <a:lumMod val="95000"/>
+                  </a:schemeClr>
+                </a:solidFill>
+              </a:rPr>
+              <a:t>въвежда</a:t>
+            </a:r>
+            <a:r>
+              <a:rPr lang="ru-RU" dirty="0" smtClean="0">
+                <a:solidFill>
+                  <a:schemeClr val="bg1">
+                    <a:lumMod val="95000"/>
+                  </a:schemeClr>
+                </a:solidFill>
+              </a:rPr>
+              <a:t> числа и </a:t>
+            </a:r>
+            <a:r>
+              <a:rPr lang="ru-RU" dirty="0" err="1" smtClean="0">
+                <a:solidFill>
+                  <a:schemeClr val="bg1">
+                    <a:lumMod val="95000"/>
+                  </a:schemeClr>
+                </a:solidFill>
+              </a:rPr>
+              <a:t>ги</a:t>
+            </a:r>
+            <a:r>
+              <a:rPr lang="ru-RU" dirty="0" smtClean="0">
+                <a:solidFill>
+                  <a:schemeClr val="bg1">
+                    <a:lumMod val="95000"/>
+                  </a:schemeClr>
+                </a:solidFill>
+              </a:rPr>
+              <a:t> </a:t>
+            </a:r>
+            <a:r>
+              <a:rPr lang="ru-RU" dirty="0" err="1" smtClean="0">
+                <a:solidFill>
+                  <a:schemeClr val="bg1">
+                    <a:lumMod val="95000"/>
+                  </a:schemeClr>
+                </a:solidFill>
+              </a:rPr>
+              <a:t>сумира</a:t>
+            </a:r>
+            <a:r>
+              <a:rPr lang="ru-RU" dirty="0" smtClean="0">
+                <a:solidFill>
+                  <a:schemeClr val="bg1">
+                    <a:lumMod val="95000"/>
+                  </a:schemeClr>
+                </a:solidFill>
+              </a:rPr>
+              <a:t>. Края на </a:t>
+            </a:r>
+            <a:r>
+              <a:rPr lang="ru-RU" dirty="0" err="1" smtClean="0">
+                <a:solidFill>
+                  <a:schemeClr val="bg1">
+                    <a:lumMod val="95000"/>
+                  </a:schemeClr>
+                </a:solidFill>
+              </a:rPr>
+              <a:t>програмата</a:t>
+            </a:r>
+            <a:r>
+              <a:rPr lang="ru-RU" dirty="0" smtClean="0">
+                <a:solidFill>
+                  <a:schemeClr val="bg1">
+                    <a:lumMod val="95000"/>
+                  </a:schemeClr>
+                </a:solidFill>
+              </a:rPr>
+              <a:t> </a:t>
+            </a:r>
+            <a:r>
+              <a:rPr lang="ru-RU" dirty="0" err="1" smtClean="0">
+                <a:solidFill>
+                  <a:schemeClr val="bg1">
+                    <a:lumMod val="95000"/>
+                  </a:schemeClr>
+                </a:solidFill>
+              </a:rPr>
+              <a:t>настъпва</a:t>
+            </a:r>
+            <a:r>
+              <a:rPr lang="ru-RU" dirty="0" smtClean="0">
+                <a:solidFill>
+                  <a:schemeClr val="bg1">
+                    <a:lumMod val="95000"/>
+                  </a:schemeClr>
+                </a:solidFill>
+              </a:rPr>
+              <a:t>, </a:t>
+            </a:r>
+            <a:r>
+              <a:rPr lang="ru-RU" dirty="0" err="1" smtClean="0">
+                <a:solidFill>
+                  <a:schemeClr val="bg1">
+                    <a:lumMod val="95000"/>
+                  </a:schemeClr>
+                </a:solidFill>
+              </a:rPr>
+              <a:t>единствено</a:t>
+            </a:r>
+            <a:r>
+              <a:rPr lang="ru-RU" dirty="0" smtClean="0">
+                <a:solidFill>
+                  <a:schemeClr val="bg1">
+                    <a:lumMod val="95000"/>
+                  </a:schemeClr>
+                </a:solidFill>
+              </a:rPr>
+              <a:t> </a:t>
+            </a:r>
+            <a:r>
+              <a:rPr lang="ru-RU" dirty="0" err="1" smtClean="0">
+                <a:solidFill>
+                  <a:schemeClr val="bg1">
+                    <a:lumMod val="95000"/>
+                  </a:schemeClr>
+                </a:solidFill>
+              </a:rPr>
+              <a:t>когато</a:t>
+            </a:r>
+            <a:r>
+              <a:rPr lang="ru-RU" dirty="0" smtClean="0">
+                <a:solidFill>
+                  <a:schemeClr val="bg1">
+                    <a:lumMod val="95000"/>
+                  </a:schemeClr>
+                </a:solidFill>
+              </a:rPr>
+              <a:t> потребителя </a:t>
+            </a:r>
+            <a:r>
+              <a:rPr lang="ru-RU" dirty="0" err="1" smtClean="0">
+                <a:solidFill>
+                  <a:schemeClr val="bg1">
+                    <a:lumMod val="95000"/>
+                  </a:schemeClr>
+                </a:solidFill>
+              </a:rPr>
+              <a:t>въведе</a:t>
+            </a:r>
+            <a:r>
+              <a:rPr lang="ru-RU" dirty="0" smtClean="0">
+                <a:solidFill>
+                  <a:schemeClr val="bg1">
+                    <a:lumMod val="95000"/>
+                  </a:schemeClr>
+                </a:solidFill>
+              </a:rPr>
+              <a:t> </a:t>
+            </a:r>
+            <a:r>
+              <a:rPr lang="ru-RU" dirty="0" err="1" smtClean="0">
+                <a:solidFill>
+                  <a:schemeClr val="bg1">
+                    <a:lumMod val="95000"/>
+                  </a:schemeClr>
+                </a:solidFill>
+              </a:rPr>
+              <a:t>числото</a:t>
+            </a:r>
+            <a:r>
+              <a:rPr lang="ru-RU" dirty="0" smtClean="0">
+                <a:solidFill>
+                  <a:schemeClr val="bg1">
+                    <a:lumMod val="95000"/>
+                  </a:schemeClr>
+                </a:solidFill>
+              </a:rPr>
+              <a:t> 0.</a:t>
+            </a:r>
+          </a:p>
+        </p:txBody>
+      </p:sp>
     </p:spTree>
     <p:extLst>
       <p:ext uri="{BB962C8B-B14F-4D97-AF65-F5344CB8AC3E}">
-        <p14:creationId xmlns:p14="http://schemas.microsoft.com/office/powerpoint/2010/main" val="2960516284"/>
+        <p14:creationId xmlns:p14="http://schemas.microsoft.com/office/powerpoint/2010/main" val="1964197054"/>
       </p:ext>
     </p:extLst>
   </p:cSld>
@@ -5593,7 +5656,15 @@
                   <a:schemeClr val="accent6"/>
                 </a:solidFill>
               </a:rPr>
-              <a:t>Задача</a:t>
+              <a:t>Операторът </a:t>
+            </a:r>
+            <a:r>
+              <a:rPr lang="en-US" dirty="0" smtClean="0">
+                <a:solidFill>
+                  <a:schemeClr val="accent6"/>
+                </a:solidFill>
+              </a:rPr>
+              <a:t>CONTINUE</a:t>
             </a:r>
             <a:endParaRPr lang="bg-BG" dirty="0">
               <a:solidFill>
@@ -5637,7 +5708,7 @@
                   </a:schemeClr>
                 </a:solidFill>
               </a:rPr>
-              <a:t>Направете</a:t>
+              <a:t>Предизвиква</a:t>
             </a:r>
             <a:r>
               <a:rPr lang="ru-RU" dirty="0">
@@ -5647,197 +5718,7 @@
                   </a:schemeClr>
                 </a:solidFill>
               </a:rPr>
-              <a:t> </a:t>
-            </a:r>
-            <a:r>
-              <a:rPr lang="ru-RU" dirty="0" err="1">
-                <a:solidFill>
-                  <a:schemeClr val="bg1">
-                    <a:lumMod val="95000"/>
-                  </a:schemeClr>
-                </a:solidFill>
-              </a:rPr>
-              <a:t>програма</a:t>
-            </a:r>
-            <a:r>
-              <a:rPr lang="ru-RU" dirty="0">
-                <a:solidFill>
-                  <a:schemeClr val="bg1">
-                    <a:lumMod val="95000"/>
-                  </a:schemeClr>
-                </a:solidFill>
-              </a:rPr>
-              <a:t>, </a:t>
-            </a:r>
-            <a:r>
-              <a:rPr lang="ru-RU" dirty="0" err="1">
-                <a:solidFill>
-                  <a:schemeClr val="bg1">
-                    <a:lumMod val="95000"/>
-                  </a:schemeClr>
-                </a:solidFill>
-              </a:rPr>
-              <a:t>която</a:t>
-            </a:r>
-            <a:r>
-              <a:rPr lang="ru-RU" dirty="0">
-                <a:solidFill>
-                  <a:schemeClr val="bg1">
-                    <a:lumMod val="95000"/>
-                  </a:schemeClr>
-                </a:solidFill>
-              </a:rPr>
-              <a:t> </a:t>
-            </a:r>
-            <a:r>
-              <a:rPr lang="ru-RU" dirty="0" err="1">
-                <a:solidFill>
-                  <a:schemeClr val="bg1">
-                    <a:lumMod val="95000"/>
-                  </a:schemeClr>
-                </a:solidFill>
-              </a:rPr>
-              <a:t>извежда</a:t>
-            </a:r>
-            <a:r>
-              <a:rPr lang="ru-RU" dirty="0">
-                <a:solidFill>
-                  <a:schemeClr val="bg1">
-                    <a:lumMod val="95000"/>
-                  </a:schemeClr>
-                </a:solidFill>
-              </a:rPr>
-              <a:t> на </a:t>
-            </a:r>
-            <a:r>
-              <a:rPr lang="ru-RU" dirty="0" err="1">
-                <a:solidFill>
-                  <a:schemeClr val="bg1">
-                    <a:lumMod val="95000"/>
-                  </a:schemeClr>
-                </a:solidFill>
-              </a:rPr>
-              <a:t>конзолата</a:t>
-            </a:r>
-            <a:r>
-              <a:rPr lang="ru-RU" dirty="0">
-                <a:solidFill>
-                  <a:schemeClr val="bg1">
-                    <a:lumMod val="95000"/>
-                  </a:schemeClr>
-                </a:solidFill>
-              </a:rPr>
-              <a:t> </a:t>
-            </a:r>
-            <a:r>
-              <a:rPr lang="ru-RU" dirty="0" err="1">
-                <a:solidFill>
-                  <a:schemeClr val="bg1">
-                    <a:lumMod val="95000"/>
-                  </a:schemeClr>
-                </a:solidFill>
-              </a:rPr>
-              <a:t>всички</a:t>
-            </a:r>
-            <a:r>
-              <a:rPr lang="ru-RU" dirty="0">
-                <a:solidFill>
-                  <a:schemeClr val="bg1">
-                    <a:lumMod val="95000"/>
-                  </a:schemeClr>
-                </a:solidFill>
-              </a:rPr>
-              <a:t> числа от 1 до </a:t>
-            </a:r>
-            <a:r>
-              <a:rPr lang="ru-RU" dirty="0" smtClean="0">
-                <a:solidFill>
-                  <a:schemeClr val="bg1">
-                    <a:lumMod val="95000"/>
-                  </a:schemeClr>
-                </a:solidFill>
-              </a:rPr>
-              <a:t>100, </a:t>
-            </a:r>
-            <a:r>
-              <a:rPr lang="ru-RU" dirty="0" err="1">
-                <a:solidFill>
-                  <a:schemeClr val="bg1">
-                    <a:lumMod val="95000"/>
-                  </a:schemeClr>
-                </a:solidFill>
-              </a:rPr>
-              <a:t>които</a:t>
-            </a:r>
-            <a:r>
-              <a:rPr lang="ru-RU" dirty="0">
-                <a:solidFill>
-                  <a:schemeClr val="bg1">
-                    <a:lumMod val="95000"/>
-                  </a:schemeClr>
-                </a:solidFill>
-              </a:rPr>
-              <a:t> се делят или на </a:t>
-            </a:r>
-            <a:r>
-              <a:rPr lang="ru-RU" dirty="0" smtClean="0">
-                <a:solidFill>
-                  <a:schemeClr val="bg1">
-                    <a:lumMod val="95000"/>
-                  </a:schemeClr>
-                </a:solidFill>
-              </a:rPr>
-              <a:t>7, </a:t>
-            </a:r>
-            <a:r>
-              <a:rPr lang="ru-RU" dirty="0">
-                <a:solidFill>
-                  <a:schemeClr val="bg1">
-                    <a:lumMod val="95000"/>
-                  </a:schemeClr>
-                </a:solidFill>
-              </a:rPr>
-              <a:t>или на </a:t>
-            </a:r>
-            <a:r>
-              <a:rPr lang="ru-RU" dirty="0" smtClean="0">
-                <a:solidFill>
-                  <a:schemeClr val="bg1">
-                    <a:lumMod val="95000"/>
-                  </a:schemeClr>
-                </a:solidFill>
-              </a:rPr>
-              <a:t>11, </a:t>
-            </a:r>
-            <a:r>
-              <a:rPr lang="ru-RU" dirty="0">
-                <a:solidFill>
-                  <a:schemeClr val="bg1">
-                    <a:lumMod val="95000"/>
-                  </a:schemeClr>
-                </a:solidFill>
-              </a:rPr>
-              <a:t>без </a:t>
-            </a:r>
-            <a:r>
-              <a:rPr lang="ru-RU" dirty="0" err="1">
-                <a:solidFill>
-                  <a:schemeClr val="bg1">
-                    <a:lumMod val="95000"/>
-                  </a:schemeClr>
-                </a:solidFill>
-              </a:rPr>
-              <a:t>остатък</a:t>
-            </a:r>
-            <a:r>
-              <a:rPr lang="ru-RU" dirty="0">
-                <a:solidFill>
-                  <a:schemeClr val="bg1">
-                    <a:lumMod val="95000"/>
-                  </a:schemeClr>
-                </a:solidFill>
-              </a:rPr>
-              <a:t>.</a:t>
+              <a:t> нова итерация</a:t>
             </a:r>
           </a:p>
           <a:p>
@@ -5853,7 +5734,7 @@
                   </a:schemeClr>
                 </a:solidFill>
               </a:rPr>
-              <a:t>Решете </a:t>
+              <a:t>Кода под </a:t>
             </a:r>
             <a:r>
               <a:rPr lang="ru-RU" dirty="0" err="1">
@@ -5863,7 +5744,7 @@
                   </a:schemeClr>
                 </a:solidFill>
               </a:rPr>
-              <a:t>задачата</a:t>
+              <a:t>цикълът</a:t>
             </a:r>
             <a:r>
               <a:rPr lang="ru-RU" dirty="0">
@@ -5873,7 +5754,7 @@
                   </a:schemeClr>
                 </a:solidFill>
               </a:rPr>
-              <a:t> по 3 </a:t>
+              <a:t> не се </a:t>
             </a:r>
             <a:r>
               <a:rPr lang="ru-RU" dirty="0" err="1">
@@ -5883,49 +5764,9 @@
                   </a:schemeClr>
                 </a:solidFill>
               </a:rPr>
-              <a:t>различни</a:t>
-            </a:r>
-            <a:r>
-              <a:rPr lang="ru-RU" dirty="0">
-                <a:solidFill>
-                  <a:schemeClr val="bg1">
-                    <a:lumMod val="95000"/>
-                  </a:schemeClr>
-                </a:solidFill>
-              </a:rPr>
-              <a:t> </a:t>
-            </a:r>
-            <a:r>
-              <a:rPr lang="ru-RU" dirty="0" smtClean="0">
-                <a:solidFill>
-                  <a:schemeClr val="bg1">
-                    <a:lumMod val="95000"/>
-                  </a:schemeClr>
-                </a:solidFill>
-              </a:rPr>
-              <a:t>начина: с </a:t>
-            </a:r>
-            <a:r>
-              <a:rPr lang="ru-RU" dirty="0">
-                <a:solidFill>
-                  <a:schemeClr val="bg1">
-                    <a:lumMod val="95000"/>
-                  </a:schemeClr>
-                </a:solidFill>
-              </a:rPr>
-              <a:t>трите цикли от </a:t>
-            </a:r>
-            <a:r>
-              <a:rPr lang="ru-RU" dirty="0" err="1">
-                <a:solidFill>
-                  <a:schemeClr val="bg1">
-                    <a:lumMod val="95000"/>
-                  </a:schemeClr>
-                </a:solidFill>
-              </a:rPr>
-              <a:t>лекцията</a:t>
-            </a:r>
-            <a:endParaRPr lang="ru-RU" dirty="0" smtClean="0">
+              <a:t>изпълнява</a:t>
+            </a:r>
+            <a:endParaRPr lang="ru-RU" dirty="0">
               <a:solidFill>
                 <a:schemeClr val="bg1">
                   <a:lumMod val="95000"/>
@@ -5933,12 +5774,155 @@
               </a:solidFill>
             </a:endParaRPr>
           </a:p>
+          <a:p>
+            <a:pPr>
+              <a:buFont typeface="Wingdings" panose="05000000000000000000" pitchFamily="2" charset="2"/>
+              <a:buChar char="§"/>
+            </a:pPr>
+            <a:r>
+              <a:rPr lang="ru-RU" dirty="0">
+                <a:solidFill>
+                  <a:schemeClr val="bg1">
+                    <a:lumMod val="95000"/>
+                  </a:schemeClr>
+                </a:solidFill>
+              </a:rPr>
+              <a:t>За </a:t>
+            </a:r>
+            <a:r>
+              <a:rPr lang="ru-RU" dirty="0" err="1">
+                <a:solidFill>
+                  <a:schemeClr val="bg1">
+                    <a:lumMod val="95000"/>
+                  </a:schemeClr>
+                </a:solidFill>
+              </a:rPr>
+              <a:t>разлика</a:t>
+            </a:r>
+            <a:r>
+              <a:rPr lang="ru-RU" dirty="0">
+                <a:solidFill>
+                  <a:schemeClr val="bg1">
+                    <a:lumMod val="95000"/>
+                  </a:schemeClr>
+                </a:solidFill>
+              </a:rPr>
+              <a:t> от оператора </a:t>
+            </a:r>
+            <a:r>
+              <a:rPr lang="ru-RU" dirty="0" err="1" smtClean="0">
+                <a:solidFill>
+                  <a:schemeClr val="bg1">
+                    <a:lumMod val="95000"/>
+                  </a:schemeClr>
+                </a:solidFill>
+              </a:rPr>
+              <a:t>break</a:t>
+            </a:r>
+            <a:r>
+              <a:rPr lang="ru-RU" dirty="0" smtClean="0">
+                <a:solidFill>
+                  <a:schemeClr val="bg1">
+                    <a:lumMod val="95000"/>
+                  </a:schemeClr>
+                </a:solidFill>
+              </a:rPr>
+              <a:t>, </a:t>
+            </a:r>
+            <a:r>
+              <a:rPr lang="ru-RU" dirty="0">
+                <a:solidFill>
+                  <a:schemeClr val="bg1">
+                    <a:lumMod val="95000"/>
+                  </a:schemeClr>
+                </a:solidFill>
+              </a:rPr>
+              <a:t>при </a:t>
+            </a:r>
+            <a:r>
+              <a:rPr lang="ru-RU" dirty="0" err="1">
+                <a:solidFill>
+                  <a:schemeClr val="bg1">
+                    <a:lumMod val="95000"/>
+                  </a:schemeClr>
+                </a:solidFill>
+              </a:rPr>
+              <a:t>continue</a:t>
+            </a:r>
+            <a:r>
+              <a:rPr lang="ru-RU" dirty="0">
+                <a:solidFill>
+                  <a:schemeClr val="bg1">
+                    <a:lumMod val="95000"/>
+                  </a:schemeClr>
+                </a:solidFill>
+              </a:rPr>
+              <a:t> </a:t>
+            </a:r>
+            <a:r>
+              <a:rPr lang="ru-RU" dirty="0" err="1">
+                <a:solidFill>
+                  <a:schemeClr val="bg1">
+                    <a:lumMod val="95000"/>
+                  </a:schemeClr>
+                </a:solidFill>
+              </a:rPr>
+              <a:t>цикълът</a:t>
+            </a:r>
+            <a:r>
+              <a:rPr lang="ru-RU" dirty="0">
+                <a:solidFill>
+                  <a:schemeClr val="bg1">
+                    <a:lumMod val="95000"/>
+                  </a:schemeClr>
+                </a:solidFill>
+              </a:rPr>
+              <a:t> </a:t>
+            </a:r>
+            <a:r>
+              <a:rPr lang="ru-RU" dirty="0" err="1">
+                <a:solidFill>
+                  <a:schemeClr val="bg1">
+                    <a:lumMod val="95000"/>
+                  </a:schemeClr>
+                </a:solidFill>
+              </a:rPr>
+              <a:t>продължава</a:t>
+            </a:r>
+            <a:r>
+              <a:rPr lang="ru-RU" dirty="0">
+                <a:solidFill>
+                  <a:schemeClr val="bg1">
+                    <a:lumMod val="95000"/>
+                  </a:schemeClr>
+                </a:solidFill>
+              </a:rPr>
+              <a:t> да се </a:t>
+            </a:r>
+            <a:r>
+              <a:rPr lang="ru-RU" dirty="0" err="1">
+                <a:solidFill>
+                  <a:schemeClr val="bg1">
+                    <a:lumMod val="95000"/>
+                  </a:schemeClr>
+                </a:solidFill>
+              </a:rPr>
+              <a:t>изпълнява</a:t>
+            </a:r>
+            <a:endParaRPr lang="ru-RU" dirty="0">
+              <a:solidFill>
+                <a:schemeClr val="bg1">
+                  <a:lumMod val="95000"/>
+                </a:schemeClr>
+              </a:solidFill>
+            </a:endParaRPr>
+          </a:p>
         </p:txBody>
       </p:sp>
     </p:spTree>
     <p:extLst>
       <p:ext uri="{BB962C8B-B14F-4D97-AF65-F5344CB8AC3E}">
-        <p14:creationId xmlns:p14="http://schemas.microsoft.com/office/powerpoint/2010/main" val="3052864876"/>
+        <p14:creationId xmlns:p14="http://schemas.microsoft.com/office/powerpoint/2010/main" val="2510310197"/>
       </p:ext>
     </p:extLst>
   </p:cSld>
@@ -6573,6 +6557,547 @@
           </a:xfrm>
         </p:spPr>
         <p:txBody>
+          <a:bodyPr>
+            <a:normAutofit/>
+          </a:bodyPr>
+          <a:lstStyle/>
+          <a:p>
+            <a:pPr algn="l"/>
+            <a:r>
+              <a:rPr lang="bg-BG" dirty="0" err="1" smtClean="0">
+                <a:solidFill>
+                  <a:schemeClr val="accent6"/>
+                </a:solidFill>
+              </a:rPr>
+              <a:t>Демо</a:t>
+            </a:r>
+            <a:r>
+              <a:rPr lang="bg-BG" dirty="0" smtClean="0">
+                <a:solidFill>
+                  <a:schemeClr val="accent6"/>
+                </a:solidFill>
+              </a:rPr>
+              <a:t> на оператора </a:t>
+            </a:r>
+            <a:r>
+              <a:rPr lang="en-US" dirty="0" smtClean="0">
+                <a:solidFill>
+                  <a:schemeClr val="accent6"/>
+                </a:solidFill>
+              </a:rPr>
+              <a:t>CONTINUE</a:t>
+            </a:r>
+            <a:endParaRPr lang="bg-BG" dirty="0">
+              <a:solidFill>
+                <a:schemeClr val="accent6"/>
+              </a:solidFill>
+            </a:endParaRPr>
+          </a:p>
+        </p:txBody>
+      </p:sp>
+      <p:pic>
+        <p:nvPicPr>
+          <p:cNvPr id="5" name="Picture 2" descr="http://uraniuminvestingnews.com/files/2010/08/uranium-prices-continue-to-climb2.jpg"/>
+          <p:cNvPicPr>
+            <a:picLocks noChangeAspect="1" noChangeArrowheads="1"/>
+          </p:cNvPicPr>
+          <p:nvPr/>
+        </p:nvPicPr>
+        <p:blipFill>
+          <a:blip r:embed="rId2">
+            <a:extLst>
+              <a:ext uri="{28A0092B-C50C-407E-A947-70E740481C1C}">
+                <a14:useLocalDpi xmlns:a14="http://schemas.microsoft.com/office/drawing/2010/main" val="0"/>
+              </a:ext>
+            </a:extLst>
+          </a:blip>
+          <a:srcRect/>
+          <a:stretch>
+            <a:fillRect/>
+          </a:stretch>
+        </p:blipFill>
+        <p:spPr bwMode="auto">
+          <a:xfrm>
+            <a:off x="2895600" y="2209800"/>
+            <a:ext cx="3612781" cy="2447369"/>
+          </a:xfrm>
+          <a:prstGeom prst="rect">
+            <a:avLst/>
+          </a:prstGeom>
+          <a:noFill/>
+          <a:extLst>
+            <a:ext uri="{909E8E84-426E-40DD-AFC4-6F175D3DCCD1}">
+              <a14:hiddenFill xmlns:a14="http://schemas.microsoft.com/office/drawing/2010/main">
+                <a:solidFill>
+                  <a:srgbClr val="FFFFFF"/>
+                </a:solidFill>
+              </a14:hiddenFill>
+            </a:ext>
+          </a:extLst>
+        </p:spPr>
+      </p:pic>
+    </p:spTree>
+    <p:extLst>
+      <p:ext uri="{BB962C8B-B14F-4D97-AF65-F5344CB8AC3E}">
+        <p14:creationId xmlns:p14="http://schemas.microsoft.com/office/powerpoint/2010/main" val="2960516284"/>
+      </p:ext>
+    </p:extLst>
+  </p:cSld>
+  <p:clrMapOvr>
+    <a:masterClrMapping/>
+  </p:clrMapOvr>
+  <p:timing>
+    <p:tnLst>
+      <p:par>
+        <p:cTn id="1" dur="indefinite" restart="never" nodeType="tmRoot"/>
+      </p:par>
+    </p:tnLst>
+  </p:timing>
+</p:sld>
+</file>
+
+<file path=ppt/slides/slide21.xml><?xml version="1.0" encoding="utf-8"?>
+<p:sld xmlns:a="http://schemas.openxmlformats.org/drawingml/2006/main" xmlns:r="http://schemas.openxmlformats.org/officeDocument/2006/relationships" xmlns:p="http://schemas.openxmlformats.org/presentationml/2006/main">
+  <p:cSld>
+    <p:spTree>
+      <p:nvGrpSpPr>
+        <p:cNvPr id="1" name=""/>
+        <p:cNvGrpSpPr/>
+        <p:nvPr/>
+      </p:nvGrpSpPr>
+      <p:grpSpPr>
+        <a:xfrm>
+          <a:off x="0" y="0"/>
+          <a:ext cx="0" cy="0"/>
+          <a:chOff x="0" y="0"/>
+          <a:chExt cx="0" cy="0"/>
+        </a:xfrm>
+      </p:grpSpPr>
+      <p:sp>
+        <p:nvSpPr>
+          <p:cNvPr id="2" name="Title 1"/>
+          <p:cNvSpPr>
+            <a:spLocks noGrp="1"/>
+          </p:cNvSpPr>
+          <p:nvPr>
+            <p:ph type="title"/>
+          </p:nvPr>
+        </p:nvSpPr>
+        <p:spPr>
+          <a:xfrm>
+            <a:off x="838200" y="685800"/>
+            <a:ext cx="8229600" cy="1143000"/>
+          </a:xfrm>
+        </p:spPr>
+        <p:txBody>
+          <a:bodyPr>
+            <a:normAutofit/>
+          </a:bodyPr>
+          <a:lstStyle/>
+          <a:p>
+            <a:pPr algn="l"/>
+            <a:r>
+              <a:rPr lang="bg-BG" dirty="0" smtClean="0">
+                <a:solidFill>
+                  <a:schemeClr val="accent6"/>
+                </a:solidFill>
+              </a:rPr>
+              <a:t>Задача</a:t>
+            </a:r>
+            <a:endParaRPr lang="bg-BG" dirty="0">
+              <a:solidFill>
+                <a:schemeClr val="accent6"/>
+              </a:solidFill>
+            </a:endParaRPr>
+          </a:p>
+        </p:txBody>
+      </p:sp>
+      <p:sp>
+        <p:nvSpPr>
+          <p:cNvPr id="3" name="Content Placeholder 2"/>
+          <p:cNvSpPr>
+            <a:spLocks noGrp="1"/>
+          </p:cNvSpPr>
+          <p:nvPr>
+            <p:ph idx="1"/>
+          </p:nvPr>
+        </p:nvSpPr>
+        <p:spPr>
+          <a:xfrm>
+            <a:off x="762000" y="1676400"/>
+            <a:ext cx="7620000" cy="4525963"/>
+          </a:xfrm>
+        </p:spPr>
+        <p:txBody>
+          <a:bodyPr>
+            <a:normAutofit/>
+          </a:bodyPr>
+          <a:lstStyle/>
+          <a:p>
+            <a:pPr>
+              <a:buFont typeface="Wingdings" panose="05000000000000000000" pitchFamily="2" charset="2"/>
+              <a:buChar char="§"/>
+            </a:pPr>
+            <a:r>
+              <a:rPr lang="ru-RU" dirty="0" err="1">
+                <a:solidFill>
+                  <a:schemeClr val="bg1">
+                    <a:lumMod val="95000"/>
+                  </a:schemeClr>
+                </a:solidFill>
+              </a:rPr>
+              <a:t>Направете</a:t>
+            </a:r>
+            <a:r>
+              <a:rPr lang="ru-RU" dirty="0">
+                <a:solidFill>
+                  <a:schemeClr val="bg1">
+                    <a:lumMod val="95000"/>
+                  </a:schemeClr>
+                </a:solidFill>
+              </a:rPr>
+              <a:t> </a:t>
+            </a:r>
+            <a:r>
+              <a:rPr lang="ru-RU" dirty="0" err="1">
+                <a:solidFill>
+                  <a:schemeClr val="bg1">
+                    <a:lumMod val="95000"/>
+                  </a:schemeClr>
+                </a:solidFill>
+              </a:rPr>
+              <a:t>програма</a:t>
+            </a:r>
+            <a:r>
+              <a:rPr lang="ru-RU" dirty="0">
+                <a:solidFill>
+                  <a:schemeClr val="bg1">
+                    <a:lumMod val="95000"/>
+                  </a:schemeClr>
+                </a:solidFill>
+              </a:rPr>
+              <a:t>, </a:t>
+            </a:r>
+            <a:r>
+              <a:rPr lang="ru-RU" dirty="0" err="1">
+                <a:solidFill>
+                  <a:schemeClr val="bg1">
+                    <a:lumMod val="95000"/>
+                  </a:schemeClr>
+                </a:solidFill>
+              </a:rPr>
+              <a:t>която</a:t>
+            </a:r>
+            <a:r>
+              <a:rPr lang="ru-RU" dirty="0">
+                <a:solidFill>
+                  <a:schemeClr val="bg1">
+                    <a:lumMod val="95000"/>
+                  </a:schemeClr>
+                </a:solidFill>
+              </a:rPr>
+              <a:t> </a:t>
+            </a:r>
+            <a:r>
+              <a:rPr lang="ru-RU" dirty="0" err="1">
+                <a:solidFill>
+                  <a:schemeClr val="bg1">
+                    <a:lumMod val="95000"/>
+                  </a:schemeClr>
+                </a:solidFill>
+              </a:rPr>
+              <a:t>извежда</a:t>
+            </a:r>
+            <a:r>
+              <a:rPr lang="ru-RU" dirty="0">
+                <a:solidFill>
+                  <a:schemeClr val="bg1">
+                    <a:lumMod val="95000"/>
+                  </a:schemeClr>
+                </a:solidFill>
+              </a:rPr>
+              <a:t> на </a:t>
+            </a:r>
+            <a:r>
+              <a:rPr lang="ru-RU" dirty="0" err="1">
+                <a:solidFill>
+                  <a:schemeClr val="bg1">
+                    <a:lumMod val="95000"/>
+                  </a:schemeClr>
+                </a:solidFill>
+              </a:rPr>
+              <a:t>конзолата</a:t>
+            </a:r>
+            <a:r>
+              <a:rPr lang="ru-RU" dirty="0">
+                <a:solidFill>
+                  <a:schemeClr val="bg1">
+                    <a:lumMod val="95000"/>
+                  </a:schemeClr>
+                </a:solidFill>
+              </a:rPr>
+              <a:t> </a:t>
+            </a:r>
+            <a:r>
+              <a:rPr lang="ru-RU" dirty="0" err="1">
+                <a:solidFill>
+                  <a:schemeClr val="bg1">
+                    <a:lumMod val="95000"/>
+                  </a:schemeClr>
+                </a:solidFill>
+              </a:rPr>
+              <a:t>всички</a:t>
+            </a:r>
+            <a:r>
+              <a:rPr lang="ru-RU" dirty="0">
+                <a:solidFill>
+                  <a:schemeClr val="bg1">
+                    <a:lumMod val="95000"/>
+                  </a:schemeClr>
+                </a:solidFill>
+              </a:rPr>
+              <a:t> числа от 1 до </a:t>
+            </a:r>
+            <a:r>
+              <a:rPr lang="ru-RU" dirty="0" smtClean="0">
+                <a:solidFill>
+                  <a:schemeClr val="bg1">
+                    <a:lumMod val="95000"/>
+                  </a:schemeClr>
+                </a:solidFill>
+              </a:rPr>
+              <a:t>100, </a:t>
+            </a:r>
+            <a:r>
+              <a:rPr lang="ru-RU" dirty="0" err="1">
+                <a:solidFill>
+                  <a:schemeClr val="bg1">
+                    <a:lumMod val="95000"/>
+                  </a:schemeClr>
+                </a:solidFill>
+              </a:rPr>
+              <a:t>които</a:t>
+            </a:r>
+            <a:r>
+              <a:rPr lang="ru-RU" dirty="0">
+                <a:solidFill>
+                  <a:schemeClr val="bg1">
+                    <a:lumMod val="95000"/>
+                  </a:schemeClr>
+                </a:solidFill>
+              </a:rPr>
+              <a:t> се делят или на </a:t>
+            </a:r>
+            <a:r>
+              <a:rPr lang="ru-RU" dirty="0" smtClean="0">
+                <a:solidFill>
+                  <a:schemeClr val="bg1">
+                    <a:lumMod val="95000"/>
+                  </a:schemeClr>
+                </a:solidFill>
+              </a:rPr>
+              <a:t>7, </a:t>
+            </a:r>
+            <a:r>
+              <a:rPr lang="ru-RU" dirty="0">
+                <a:solidFill>
+                  <a:schemeClr val="bg1">
+                    <a:lumMod val="95000"/>
+                  </a:schemeClr>
+                </a:solidFill>
+              </a:rPr>
+              <a:t>или на </a:t>
+            </a:r>
+            <a:r>
+              <a:rPr lang="ru-RU" dirty="0" smtClean="0">
+                <a:solidFill>
+                  <a:schemeClr val="bg1">
+                    <a:lumMod val="95000"/>
+                  </a:schemeClr>
+                </a:solidFill>
+              </a:rPr>
+              <a:t>11, </a:t>
+            </a:r>
+            <a:r>
+              <a:rPr lang="ru-RU" dirty="0">
+                <a:solidFill>
+                  <a:schemeClr val="bg1">
+                    <a:lumMod val="95000"/>
+                  </a:schemeClr>
+                </a:solidFill>
+              </a:rPr>
+              <a:t>без </a:t>
+            </a:r>
+            <a:r>
+              <a:rPr lang="ru-RU" dirty="0" err="1">
+                <a:solidFill>
+                  <a:schemeClr val="bg1">
+                    <a:lumMod val="95000"/>
+                  </a:schemeClr>
+                </a:solidFill>
+              </a:rPr>
+              <a:t>остатък</a:t>
+            </a:r>
+            <a:r>
+              <a:rPr lang="ru-RU" dirty="0">
+                <a:solidFill>
+                  <a:schemeClr val="bg1">
+                    <a:lumMod val="95000"/>
+                  </a:schemeClr>
+                </a:solidFill>
+              </a:rPr>
+              <a:t>.</a:t>
+            </a:r>
+          </a:p>
+          <a:p>
+            <a:pPr>
+              <a:buFont typeface="Wingdings" panose="05000000000000000000" pitchFamily="2" charset="2"/>
+              <a:buChar char="§"/>
+            </a:pPr>
+            <a:r>
+              <a:rPr lang="ru-RU" dirty="0">
+                <a:solidFill>
+                  <a:schemeClr val="bg1">
+                    <a:lumMod val="95000"/>
+                  </a:schemeClr>
+                </a:solidFill>
+              </a:rPr>
+              <a:t>Решете </a:t>
+            </a:r>
+            <a:r>
+              <a:rPr lang="ru-RU" dirty="0" err="1">
+                <a:solidFill>
+                  <a:schemeClr val="bg1">
+                    <a:lumMod val="95000"/>
+                  </a:schemeClr>
+                </a:solidFill>
+              </a:rPr>
+              <a:t>задачата</a:t>
+            </a:r>
+            <a:r>
+              <a:rPr lang="ru-RU" dirty="0">
+                <a:solidFill>
+                  <a:schemeClr val="bg1">
+                    <a:lumMod val="95000"/>
+                  </a:schemeClr>
+                </a:solidFill>
+              </a:rPr>
+              <a:t> по 3 </a:t>
+            </a:r>
+            <a:r>
+              <a:rPr lang="ru-RU" dirty="0" err="1">
+                <a:solidFill>
+                  <a:schemeClr val="bg1">
+                    <a:lumMod val="95000"/>
+                  </a:schemeClr>
+                </a:solidFill>
+              </a:rPr>
+              <a:t>различни</a:t>
+            </a:r>
+            <a:r>
+              <a:rPr lang="ru-RU" dirty="0">
+                <a:solidFill>
+                  <a:schemeClr val="bg1">
+                    <a:lumMod val="95000"/>
+                  </a:schemeClr>
+                </a:solidFill>
+              </a:rPr>
+              <a:t> </a:t>
+            </a:r>
+            <a:r>
+              <a:rPr lang="ru-RU" dirty="0" smtClean="0">
+                <a:solidFill>
+                  <a:schemeClr val="bg1">
+                    <a:lumMod val="95000"/>
+                  </a:schemeClr>
+                </a:solidFill>
+              </a:rPr>
+              <a:t>начина: с </a:t>
+            </a:r>
+            <a:r>
+              <a:rPr lang="ru-RU" dirty="0">
+                <a:solidFill>
+                  <a:schemeClr val="bg1">
+                    <a:lumMod val="95000"/>
+                  </a:schemeClr>
+                </a:solidFill>
+              </a:rPr>
+              <a:t>трите цикли от </a:t>
+            </a:r>
+            <a:r>
+              <a:rPr lang="ru-RU" dirty="0" err="1">
+                <a:solidFill>
+                  <a:schemeClr val="bg1">
+                    <a:lumMod val="95000"/>
+                  </a:schemeClr>
+                </a:solidFill>
+              </a:rPr>
+              <a:t>лекцията</a:t>
+            </a:r>
+            <a:endParaRPr lang="ru-RU" dirty="0" smtClean="0">
+              <a:solidFill>
+                <a:schemeClr val="bg1">
+                  <a:lumMod val="95000"/>
+                </a:schemeClr>
+              </a:solidFill>
+            </a:endParaRPr>
+          </a:p>
+        </p:txBody>
+      </p:sp>
+    </p:spTree>
+    <p:extLst>
+      <p:ext uri="{BB962C8B-B14F-4D97-AF65-F5344CB8AC3E}">
+        <p14:creationId xmlns:p14="http://schemas.microsoft.com/office/powerpoint/2010/main" val="3052864876"/>
+      </p:ext>
+    </p:extLst>
+  </p:cSld>
+  <p:clrMapOvr>
+    <a:masterClrMapping/>
+  </p:clrMapOvr>
+  <p:timing>
+    <p:tnLst>
+      <p:par>
+        <p:cTn id="1" dur="indefinite" restart="never" nodeType="tmRoot"/>
+      </p:par>
+    </p:tnLst>
+  </p:timing>
+</p:sld>
+</file>
+
+<file path=ppt/slides/slide22.xml><?xml version="1.0" encoding="utf-8"?>
+<p:sld xmlns:a="http://schemas.openxmlformats.org/drawingml/2006/main" xmlns:r="http://schemas.openxmlformats.org/officeDocument/2006/relationships" xmlns:p="http://schemas.openxmlformats.org/presentationml/2006/main">
+  <p:cSld>
+    <p:spTree>
+      <p:nvGrpSpPr>
+        <p:cNvPr id="1" name=""/>
+        <p:cNvGrpSpPr/>
+        <p:nvPr/>
+      </p:nvGrpSpPr>
+      <p:grpSpPr>
+        <a:xfrm>
+          <a:off x="0" y="0"/>
+          <a:ext cx="0" cy="0"/>
+          <a:chOff x="0" y="0"/>
+          <a:chExt cx="0" cy="0"/>
+        </a:xfrm>
+      </p:grpSpPr>
+      <p:sp>
+        <p:nvSpPr>
+          <p:cNvPr id="2" name="Title 1"/>
+          <p:cNvSpPr>
+            <a:spLocks noGrp="1"/>
+          </p:cNvSpPr>
+          <p:nvPr>
+            <p:ph type="title"/>
+          </p:nvPr>
+        </p:nvSpPr>
+        <p:spPr>
+          <a:xfrm>
+            <a:off x="838200" y="685800"/>
+            <a:ext cx="8229600" cy="1143000"/>
+          </a:xfrm>
+        </p:spPr>
+        <p:txBody>
           <a:bodyPr/>
           <a:lstStyle/>
           <a:p>
@@ -6722,7 +7247,7 @@
 </p:sld>
 </file>
 
-<file path=ppt/slides/slide21.xml><?xml version="1.0" encoding="utf-8"?>
+<file path=ppt/slides/slide23.xml><?xml version="1.0" encoding="utf-8"?>
 <p:sld xmlns:a="http://schemas.openxmlformats.org/drawingml/2006/main" xmlns:r="http://schemas.openxmlformats.org/officeDocument/2006/relationships" xmlns:p="http://schemas.openxmlformats.org/presentationml/2006/main">
   <p:cSld>
     <p:spTree>
@@ -9136,34 +9661,20 @@
             <p:ph type="title"/>
           </p:nvPr>
         </p:nvSpPr>
-        <p:spPr>
-          <a:xfrm>
-            <a:off x="838200" y="685800"/>
-            <a:ext cx="8229600" cy="1143000"/>
-          </a:xfrm>
-        </p:spPr>
+        <p:spPr/>
         <p:txBody>
           <a:bodyPr>
             <a:normAutofit/>
           </a:bodyPr>
           <a:lstStyle/>
           <a:p>
-            <a:pPr algn="l"/>
             <a:r>
               <a:rPr lang="bg-BG" dirty="0" smtClean="0">
                 <a:solidFill>
                   <a:schemeClr val="accent6"/>
                 </a:solidFill>
               </a:rPr>
-              <a:t>Цикълът</a:t>
-            </a:r>
-            <a:r>
-              <a:rPr lang="en-US" dirty="0" smtClean="0">
-                <a:solidFill>
-                  <a:schemeClr val="accent6"/>
-                </a:solidFill>
-              </a:rPr>
-              <a:t> FOR () {…}</a:t>
+              <a:t>Задача</a:t>
             </a:r>
             <a:endParaRPr lang="bg-BG" dirty="0">
               <a:solidFill>
@@ -9183,312 +9694,45 @@
             <p:ph idx="1"/>
           </p:nvPr>
         </p:nvSpPr>
-        <p:spPr>
-          <a:xfrm>
-            <a:off x="762000" y="1676400"/>
-            <a:ext cx="7620000" cy="4525963"/>
-          </a:xfrm>
-        </p:spPr>
-        <p:txBody>
-          <a:bodyPr>
-            <a:normAutofit/>
-          </a:bodyPr>
+        <p:spPr/>
+        <p:txBody>
+          <a:bodyPr/>
           <a:lstStyle/>
           <a:p>
-            <a:pPr>
-              <a:buFont typeface="Wingdings" panose="05000000000000000000" pitchFamily="2" charset="2"/>
-              <a:buChar char="§"/>
+            <a:pPr marL="0" indent="0">
+              <a:buNone/>
             </a:pPr>
             <a:r>
-              <a:rPr lang="ru-RU" dirty="0" err="1">
-                <a:solidFill>
-                  <a:schemeClr val="bg1">
-                    <a:lumMod val="95000"/>
-                  </a:schemeClr>
-                </a:solidFill>
-              </a:rPr>
-              <a:t>Цикълът</a:t>
-            </a:r>
-            <a:r>
-              <a:rPr lang="ru-RU" dirty="0">
-                <a:solidFill>
-                  <a:schemeClr val="bg1">
-                    <a:lumMod val="95000"/>
-                  </a:schemeClr>
-                </a:solidFill>
-              </a:rPr>
+              <a:rPr lang="bg-BG" dirty="0"/>
               <a:t> </a:t>
             </a:r>
             <a:r>
-              <a:rPr lang="ru-RU" dirty="0" err="1">
-                <a:solidFill>
-                  <a:schemeClr val="bg1">
-                    <a:lumMod val="95000"/>
-                  </a:schemeClr>
-                </a:solidFill>
-              </a:rPr>
-              <a:t>for</a:t>
-            </a:r>
-            <a:r>
-              <a:rPr lang="ru-RU" dirty="0">
-                <a:solidFill>
-                  <a:schemeClr val="bg1">
-                    <a:lumMod val="95000"/>
-                  </a:schemeClr>
-                </a:solidFill>
-              </a:rPr>
-              <a:t> се </a:t>
-            </a:r>
-            <a:r>
-              <a:rPr lang="ru-RU" dirty="0" err="1">
-                <a:solidFill>
-                  <a:schemeClr val="bg1">
-                    <a:lumMod val="95000"/>
-                  </a:schemeClr>
-                </a:solidFill>
-              </a:rPr>
-              <a:t>състои</a:t>
-            </a:r>
-            <a:r>
-              <a:rPr lang="ru-RU" dirty="0">
-                <a:solidFill>
-                  <a:schemeClr val="bg1">
-                    <a:lumMod val="95000"/>
-                  </a:schemeClr>
-                </a:solidFill>
-              </a:rPr>
-              <a:t> от 4 части:</a:t>
-            </a:r>
-          </a:p>
-          <a:p>
-            <a:pPr>
-              <a:buFont typeface="Wingdings" panose="05000000000000000000" pitchFamily="2" charset="2"/>
-              <a:buChar char="ü"/>
-            </a:pPr>
-            <a:r>
-              <a:rPr lang="ru-RU" dirty="0" smtClean="0">
-                <a:solidFill>
-                  <a:schemeClr val="bg1">
-                    <a:lumMod val="95000"/>
-                  </a:schemeClr>
-                </a:solidFill>
-              </a:rPr>
-              <a:t>Инициализация</a:t>
-            </a:r>
-            <a:r>
-              <a:rPr lang="ru-RU" dirty="0">
-                <a:solidFill>
-                  <a:schemeClr val="bg1">
-                    <a:lumMod val="95000"/>
-                  </a:schemeClr>
-                </a:solidFill>
-              </a:rPr>
-              <a:t>; //не е </a:t>
-            </a:r>
-            <a:r>
-              <a:rPr lang="ru-RU" dirty="0" err="1">
-                <a:solidFill>
-                  <a:schemeClr val="bg1">
-                    <a:lumMod val="95000"/>
-                  </a:schemeClr>
-                </a:solidFill>
-              </a:rPr>
-              <a:t>задължителна</a:t>
-            </a:r>
-            <a:endParaRPr lang="ru-RU" dirty="0">
+              <a:rPr lang="bg-BG" dirty="0" smtClean="0">
+                <a:solidFill>
+                  <a:schemeClr val="bg1"/>
+                </a:solidFill>
+              </a:rPr>
+              <a:t>Напишете задача, която отпечатва всички четни числа от 0 до 20. Използвайте </a:t>
+            </a:r>
+            <a:r>
+              <a:rPr lang="en-US" dirty="0" smtClean="0">
+                <a:solidFill>
+                  <a:schemeClr val="bg1"/>
+                </a:solidFill>
+              </a:rPr>
+              <a:t>While </a:t>
+            </a:r>
+            <a:r>
+              <a:rPr lang="bg-BG" dirty="0" smtClean="0">
+                <a:solidFill>
+                  <a:schemeClr val="bg1"/>
+                </a:solidFill>
+              </a:rPr>
+              <a:t>цикъл.</a:t>
+            </a:r>
+            <a:endParaRPr lang="en-US" dirty="0">
               <a:solidFill>
-                <a:schemeClr val="bg1">
-                  <a:lumMod val="95000"/>
-                </a:schemeClr>
-              </a:solidFill>
-            </a:endParaRPr>
-          </a:p>
-          <a:p>
-            <a:pPr>
-              <a:buFont typeface="Wingdings" panose="05000000000000000000" pitchFamily="2" charset="2"/>
-              <a:buChar char="ü"/>
-            </a:pPr>
-            <a:r>
-              <a:rPr lang="ru-RU" dirty="0" smtClean="0">
-                <a:solidFill>
-                  <a:schemeClr val="bg1">
-                    <a:lumMod val="95000"/>
-                  </a:schemeClr>
-                </a:solidFill>
-              </a:rPr>
-              <a:t>Проверка </a:t>
-            </a:r>
-            <a:r>
-              <a:rPr lang="ru-RU" dirty="0">
-                <a:solidFill>
-                  <a:schemeClr val="bg1">
-                    <a:lumMod val="95000"/>
-                  </a:schemeClr>
-                </a:solidFill>
-              </a:rPr>
-              <a:t>на </a:t>
-            </a:r>
-            <a:r>
-              <a:rPr lang="ru-RU" dirty="0" err="1">
-                <a:solidFill>
-                  <a:schemeClr val="bg1">
-                    <a:lumMod val="95000"/>
-                  </a:schemeClr>
-                </a:solidFill>
-              </a:rPr>
-              <a:t>условието</a:t>
-            </a:r>
-            <a:r>
-              <a:rPr lang="ru-RU" dirty="0">
-                <a:solidFill>
-                  <a:schemeClr val="bg1">
-                    <a:lumMod val="95000"/>
-                  </a:schemeClr>
-                </a:solidFill>
-              </a:rPr>
-              <a:t> //не е </a:t>
-            </a:r>
-            <a:r>
-              <a:rPr lang="ru-RU" dirty="0" err="1">
-                <a:solidFill>
-                  <a:schemeClr val="bg1">
-                    <a:lumMod val="95000"/>
-                  </a:schemeClr>
-                </a:solidFill>
-              </a:rPr>
-              <a:t>задължителна</a:t>
-            </a:r>
-            <a:endParaRPr lang="ru-RU" dirty="0">
-              <a:solidFill>
-                <a:schemeClr val="bg1">
-                  <a:lumMod val="95000"/>
-                </a:schemeClr>
-              </a:solidFill>
-            </a:endParaRPr>
-          </a:p>
-          <a:p>
-            <a:pPr>
-              <a:buFont typeface="Wingdings" panose="05000000000000000000" pitchFamily="2" charset="2"/>
-              <a:buChar char="ü"/>
-            </a:pPr>
-            <a:r>
-              <a:rPr lang="ru-RU" dirty="0" err="1" smtClean="0">
-                <a:solidFill>
-                  <a:schemeClr val="bg1">
-                    <a:lumMod val="95000"/>
-                  </a:schemeClr>
-                </a:solidFill>
-              </a:rPr>
-              <a:t>Помяна</a:t>
-            </a:r>
-            <a:r>
-              <a:rPr lang="ru-RU" dirty="0" smtClean="0">
-                <a:solidFill>
-                  <a:schemeClr val="bg1">
-                    <a:lumMod val="95000"/>
-                  </a:schemeClr>
-                </a:solidFill>
-              </a:rPr>
-              <a:t> </a:t>
-            </a:r>
-            <a:r>
-              <a:rPr lang="ru-RU" dirty="0">
-                <a:solidFill>
-                  <a:schemeClr val="bg1">
-                    <a:lumMod val="95000"/>
-                  </a:schemeClr>
-                </a:solidFill>
-              </a:rPr>
-              <a:t>//не е </a:t>
-            </a:r>
-            <a:r>
-              <a:rPr lang="ru-RU" dirty="0" err="1">
-                <a:solidFill>
-                  <a:schemeClr val="bg1">
-                    <a:lumMod val="95000"/>
-                  </a:schemeClr>
-                </a:solidFill>
-              </a:rPr>
-              <a:t>задължителна</a:t>
-            </a:r>
-            <a:endParaRPr lang="ru-RU" dirty="0">
-              <a:solidFill>
-                <a:schemeClr val="bg1">
-                  <a:lumMod val="95000"/>
-                </a:schemeClr>
-              </a:solidFill>
-            </a:endParaRPr>
-          </a:p>
-          <a:p>
-            <a:pPr>
-              <a:buFont typeface="Wingdings" panose="05000000000000000000" pitchFamily="2" charset="2"/>
-              <a:buChar char="ü"/>
-            </a:pPr>
-            <a:r>
-              <a:rPr lang="ru-RU" dirty="0" err="1" smtClean="0">
-                <a:solidFill>
-                  <a:schemeClr val="bg1">
-                    <a:lumMod val="95000"/>
-                  </a:schemeClr>
-                </a:solidFill>
-              </a:rPr>
-              <a:t>Тяло</a:t>
-            </a:r>
-            <a:r>
-              <a:rPr lang="ru-RU" dirty="0" smtClean="0">
-                <a:solidFill>
-                  <a:schemeClr val="bg1">
-                    <a:lumMod val="95000"/>
-                  </a:schemeClr>
-                </a:solidFill>
-              </a:rPr>
-              <a:t> </a:t>
-            </a:r>
-            <a:r>
-              <a:rPr lang="ru-RU" dirty="0">
-                <a:solidFill>
-                  <a:schemeClr val="bg1">
-                    <a:lumMod val="95000"/>
-                  </a:schemeClr>
-                </a:solidFill>
-              </a:rPr>
-              <a:t>на </a:t>
-            </a:r>
-            <a:r>
-              <a:rPr lang="ru-RU" dirty="0" err="1">
-                <a:solidFill>
-                  <a:schemeClr val="bg1">
-                    <a:lumMod val="95000"/>
-                  </a:schemeClr>
-                </a:solidFill>
-              </a:rPr>
-              <a:t>цикълът</a:t>
-            </a:r>
-            <a:r>
-              <a:rPr lang="ru-RU" dirty="0">
-                <a:solidFill>
-                  <a:schemeClr val="bg1">
-                    <a:lumMod val="95000"/>
-                  </a:schemeClr>
-                </a:solidFill>
-              </a:rPr>
-              <a:t> // </a:t>
-            </a:r>
-            <a:r>
-              <a:rPr lang="ru-RU" dirty="0" err="1">
-                <a:solidFill>
-                  <a:schemeClr val="bg1">
-                    <a:lumMod val="95000"/>
-                  </a:schemeClr>
-                </a:solidFill>
-              </a:rPr>
-              <a:t>задължителна</a:t>
-            </a:r>
-            <a:endParaRPr lang="ru-RU" dirty="0">
-              <a:solidFill>
-                <a:schemeClr val="bg1">
-                  <a:lumMod val="95000"/>
-                </a:schemeClr>
+                <a:schemeClr val="bg1"/>
               </a:solidFill>
             </a:endParaRPr>
           </a:p>
@@ -9497,7 +9741,7 @@
     </p:spTree>
     <p:extLst>
       <p:ext uri="{BB962C8B-B14F-4D97-AF65-F5344CB8AC3E}">
-        <p14:creationId xmlns:p14="http://schemas.microsoft.com/office/powerpoint/2010/main" val="4211912493"/>
+        <p14:creationId xmlns:p14="http://schemas.microsoft.com/office/powerpoint/2010/main" val="3030184498"/>
       </p:ext>
     </p:extLst>
   </p:cSld>

--- a/05-Loops.pptx
+++ b/05-Loops.pptx
@@ -19,15 +19,13 @@
     <p:sldId id="320" r:id="rId13"/>
     <p:sldId id="313" r:id="rId14"/>
     <p:sldId id="328" r:id="rId15"/>
-    <p:sldId id="324" r:id="rId16"/>
-    <p:sldId id="307" r:id="rId17"/>
-    <p:sldId id="315" r:id="rId18"/>
-    <p:sldId id="325" r:id="rId19"/>
-    <p:sldId id="317" r:id="rId20"/>
-    <p:sldId id="316" r:id="rId21"/>
-    <p:sldId id="318" r:id="rId22"/>
-    <p:sldId id="268" r:id="rId23"/>
-    <p:sldId id="290" r:id="rId24"/>
+    <p:sldId id="307" r:id="rId16"/>
+    <p:sldId id="315" r:id="rId17"/>
+    <p:sldId id="317" r:id="rId18"/>
+    <p:sldId id="316" r:id="rId19"/>
+    <p:sldId id="268" r:id="rId20"/>
+    <p:sldId id="290" r:id="rId21"/>
+    <p:sldId id="329" r:id="rId22"/>
   </p:sldIdLst>
   <p:sldSz cx="9144000" cy="6858000" type="screen4x3"/>
   <p:notesSz cx="6858000" cy="9144000"/>
@@ -326,7 +324,7 @@
           <a:p>
             <a:fld id="{3EA744D9-3FBE-48D8-BF2A-85DF203E4D20}" type="datetimeFigureOut">
               <a:rPr lang="bg-BG" smtClean="0"/>
-              <a:t>19.12.2015 г.</a:t>
+              <a:t>10.3.2016 г.</a:t>
             </a:fld>
             <a:endParaRPr lang="bg-BG"/>
           </a:p>
@@ -496,7 +494,7 @@
           <a:p>
             <a:fld id="{3EA744D9-3FBE-48D8-BF2A-85DF203E4D20}" type="datetimeFigureOut">
               <a:rPr lang="bg-BG" smtClean="0"/>
-              <a:t>19.12.2015 г.</a:t>
+              <a:t>10.3.2016 г.</a:t>
             </a:fld>
             <a:endParaRPr lang="bg-BG"/>
           </a:p>
@@ -676,7 +674,7 @@
           <a:p>
             <a:fld id="{3EA744D9-3FBE-48D8-BF2A-85DF203E4D20}" type="datetimeFigureOut">
               <a:rPr lang="bg-BG" smtClean="0"/>
-              <a:t>19.12.2015 г.</a:t>
+              <a:t>10.3.2016 г.</a:t>
             </a:fld>
             <a:endParaRPr lang="bg-BG"/>
           </a:p>
@@ -846,7 +844,7 @@
           <a:p>
             <a:fld id="{3EA744D9-3FBE-48D8-BF2A-85DF203E4D20}" type="datetimeFigureOut">
               <a:rPr lang="bg-BG" smtClean="0"/>
-              <a:t>19.12.2015 г.</a:t>
+              <a:t>10.3.2016 г.</a:t>
             </a:fld>
             <a:endParaRPr lang="bg-BG"/>
           </a:p>
@@ -1092,7 +1090,7 @@
           <a:p>
             <a:fld id="{3EA744D9-3FBE-48D8-BF2A-85DF203E4D20}" type="datetimeFigureOut">
               <a:rPr lang="bg-BG" smtClean="0"/>
-              <a:t>19.12.2015 г.</a:t>
+              <a:t>10.3.2016 г.</a:t>
             </a:fld>
             <a:endParaRPr lang="bg-BG"/>
           </a:p>
@@ -1380,7 +1378,7 @@
           <a:p>
             <a:fld id="{3EA744D9-3FBE-48D8-BF2A-85DF203E4D20}" type="datetimeFigureOut">
               <a:rPr lang="bg-BG" smtClean="0"/>
-              <a:t>19.12.2015 г.</a:t>
+              <a:t>10.3.2016 г.</a:t>
             </a:fld>
             <a:endParaRPr lang="bg-BG"/>
           </a:p>
@@ -1802,7 +1800,7 @@
           <a:p>
             <a:fld id="{3EA744D9-3FBE-48D8-BF2A-85DF203E4D20}" type="datetimeFigureOut">
               <a:rPr lang="bg-BG" smtClean="0"/>
-              <a:t>19.12.2015 г.</a:t>
+              <a:t>10.3.2016 г.</a:t>
             </a:fld>
             <a:endParaRPr lang="bg-BG"/>
           </a:p>
@@ -1920,7 +1918,7 @@
           <a:p>
             <a:fld id="{3EA744D9-3FBE-48D8-BF2A-85DF203E4D20}" type="datetimeFigureOut">
               <a:rPr lang="bg-BG" smtClean="0"/>
-              <a:t>19.12.2015 г.</a:t>
+              <a:t>10.3.2016 г.</a:t>
             </a:fld>
             <a:endParaRPr lang="bg-BG"/>
           </a:p>
@@ -2015,7 +2013,7 @@
           <a:p>
             <a:fld id="{3EA744D9-3FBE-48D8-BF2A-85DF203E4D20}" type="datetimeFigureOut">
               <a:rPr lang="bg-BG" smtClean="0"/>
-              <a:t>19.12.2015 г.</a:t>
+              <a:t>10.3.2016 г.</a:t>
             </a:fld>
             <a:endParaRPr lang="bg-BG"/>
           </a:p>
@@ -2292,7 +2290,7 @@
           <a:p>
             <a:fld id="{3EA744D9-3FBE-48D8-BF2A-85DF203E4D20}" type="datetimeFigureOut">
               <a:rPr lang="bg-BG" smtClean="0"/>
-              <a:t>19.12.2015 г.</a:t>
+              <a:t>10.3.2016 г.</a:t>
             </a:fld>
             <a:endParaRPr lang="bg-BG"/>
           </a:p>
@@ -2545,7 +2543,7 @@
           <a:p>
             <a:fld id="{3EA744D9-3FBE-48D8-BF2A-85DF203E4D20}" type="datetimeFigureOut">
               <a:rPr lang="bg-BG" smtClean="0"/>
-              <a:t>19.12.2015 г.</a:t>
+              <a:t>10.3.2016 г.</a:t>
             </a:fld>
             <a:endParaRPr lang="bg-BG"/>
           </a:p>
@@ -2767,7 +2765,7 @@
           <a:p>
             <a:fld id="{3EA744D9-3FBE-48D8-BF2A-85DF203E4D20}" type="datetimeFigureOut">
               <a:rPr lang="bg-BG" smtClean="0"/>
-              <a:t>19.12.2015 г.</a:t>
+              <a:t>10.3.2016 г.</a:t>
             </a:fld>
             <a:endParaRPr lang="bg-BG"/>
           </a:p>
@@ -4445,17 +4443,7 @@
                   </a:schemeClr>
                 </a:solidFill>
               </a:rPr>
-              <a:t> която </a:t>
-            </a:r>
-            <a:r>
-              <a:rPr lang="bg-BG" dirty="0" smtClean="0">
-                <a:solidFill>
-                  <a:schemeClr val="bg1">
-                    <a:lumMod val="95000"/>
-                  </a:schemeClr>
-                </a:solidFill>
-              </a:rPr>
-              <a:t>отпечатва на екрана числата от 1 до 10 използвайки цикълът </a:t>
+              <a:t> която отпечатва на екрана числата от 1 до 10 използвайки цикълът </a:t>
             </a:r>
             <a:r>
               <a:rPr lang="en-US" dirty="0" smtClean="0">
@@ -4527,7 +4515,7 @@
         <p:spPr>
           <a:xfrm>
             <a:off x="838200" y="685800"/>
-            <a:ext cx="8229600" cy="1143000"/>
+            <a:ext cx="8229600" cy="1676400"/>
           </a:xfrm>
         </p:spPr>
         <p:txBody>
@@ -4543,7 +4531,15 @@
                   <a:schemeClr val="accent6"/>
                 </a:solidFill>
               </a:rPr>
-              <a:t>Задача</a:t>
+              <a:t>Прекъсване на изпълнението с оператора </a:t>
+            </a:r>
+            <a:r>
+              <a:rPr lang="en-US" dirty="0" smtClean="0">
+                <a:solidFill>
+                  <a:schemeClr val="accent6"/>
+                </a:solidFill>
+              </a:rPr>
+              <a:t>BREAK</a:t>
             </a:r>
             <a:endParaRPr lang="bg-BG" dirty="0">
               <a:solidFill>
@@ -4575,100 +4571,9 @@
           </a:bodyPr>
           <a:lstStyle/>
           <a:p>
-            <a:pPr>
-              <a:buFont typeface="Wingdings" panose="05000000000000000000" pitchFamily="2" charset="2"/>
-              <a:buChar char="§"/>
+            <a:pPr marL="0" indent="0">
+              <a:buNone/>
             </a:pPr>
-            <a:r>
-              <a:rPr lang="bg-BG" dirty="0" smtClean="0">
-                <a:solidFill>
-                  <a:schemeClr val="bg1">
-                    <a:lumMod val="95000"/>
-                  </a:schemeClr>
-                </a:solidFill>
-              </a:rPr>
-              <a:t>Напишете програма</a:t>
-            </a:r>
-            <a:r>
-              <a:rPr lang="en-US" dirty="0" smtClean="0">
-                <a:solidFill>
-                  <a:schemeClr val="bg1">
-                    <a:lumMod val="95000"/>
-                  </a:schemeClr>
-                </a:solidFill>
-              </a:rPr>
-              <a:t>,</a:t>
-            </a:r>
-            <a:r>
-              <a:rPr lang="bg-BG" dirty="0" smtClean="0">
-                <a:solidFill>
-                  <a:schemeClr val="bg1">
-                    <a:lumMod val="95000"/>
-                  </a:schemeClr>
-                </a:solidFill>
-              </a:rPr>
-              <a:t> която приема две числа </a:t>
-            </a:r>
-            <a:r>
-              <a:rPr lang="en-US" dirty="0" smtClean="0">
-                <a:solidFill>
-                  <a:schemeClr val="bg1">
-                    <a:lumMod val="95000"/>
-                  </a:schemeClr>
-                </a:solidFill>
-              </a:rPr>
-              <a:t>N</a:t>
-            </a:r>
-            <a:r>
-              <a:rPr lang="bg-BG" dirty="0" smtClean="0">
-                <a:solidFill>
-                  <a:schemeClr val="bg1">
-                    <a:lumMod val="95000"/>
-                  </a:schemeClr>
-                </a:solidFill>
-              </a:rPr>
-              <a:t> и </a:t>
-            </a:r>
-            <a:r>
-              <a:rPr lang="en-US" dirty="0" smtClean="0">
-                <a:solidFill>
-                  <a:schemeClr val="bg1">
-                    <a:lumMod val="95000"/>
-                  </a:schemeClr>
-                </a:solidFill>
-              </a:rPr>
-              <a:t>M</a:t>
-            </a:r>
-            <a:r>
-              <a:rPr lang="bg-BG" dirty="0" smtClean="0">
-                <a:solidFill>
-                  <a:schemeClr val="bg1">
-                    <a:lumMod val="95000"/>
-                  </a:schemeClr>
-                </a:solidFill>
-              </a:rPr>
-              <a:t>. Програмата трябва да пресметне колко е </a:t>
-            </a:r>
-            <a:r>
-              <a:rPr lang="en-US" dirty="0" smtClean="0">
-                <a:solidFill>
-                  <a:schemeClr val="bg1">
-                    <a:lumMod val="95000"/>
-                  </a:schemeClr>
-                </a:solidFill>
-              </a:rPr>
-              <a:t>N</a:t>
-            </a:r>
-            <a:r>
-              <a:rPr lang="bg-BG" dirty="0" smtClean="0">
-                <a:solidFill>
-                  <a:schemeClr val="bg1">
-                    <a:lumMod val="95000"/>
-                  </a:schemeClr>
-                </a:solidFill>
-              </a:rPr>
-              <a:t> на степен М.</a:t>
-            </a:r>
             <a:endParaRPr lang="ru-RU" dirty="0" smtClean="0">
               <a:solidFill>
                 <a:schemeClr val="bg1">
@@ -4677,12 +4582,336 @@
               </a:solidFill>
             </a:endParaRPr>
           </a:p>
+          <a:p>
+            <a:pPr>
+              <a:buFont typeface="Wingdings" panose="05000000000000000000" pitchFamily="2" charset="2"/>
+              <a:buChar char="§"/>
+            </a:pPr>
+            <a:r>
+              <a:rPr lang="ru-RU" dirty="0" smtClean="0">
+                <a:solidFill>
+                  <a:schemeClr val="bg1">
+                    <a:lumMod val="95000"/>
+                  </a:schemeClr>
+                </a:solidFill>
+              </a:rPr>
+              <a:t>Оператор </a:t>
+            </a:r>
+            <a:r>
+              <a:rPr lang="ru-RU" dirty="0">
+                <a:solidFill>
+                  <a:schemeClr val="bg1">
+                    <a:lumMod val="95000"/>
+                  </a:schemeClr>
+                </a:solidFill>
+              </a:rPr>
+              <a:t>BREAK </a:t>
+            </a:r>
+            <a:r>
+              <a:rPr lang="ru-RU" dirty="0" err="1" smtClean="0">
+                <a:solidFill>
+                  <a:schemeClr val="bg1">
+                    <a:lumMod val="95000"/>
+                  </a:schemeClr>
+                </a:solidFill>
+              </a:rPr>
+              <a:t>прекъсва</a:t>
+            </a:r>
+            <a:r>
+              <a:rPr lang="ru-RU" dirty="0" smtClean="0">
+                <a:solidFill>
+                  <a:schemeClr val="bg1">
+                    <a:lumMod val="95000"/>
+                  </a:schemeClr>
+                </a:solidFill>
+              </a:rPr>
+              <a:t> </a:t>
+            </a:r>
+            <a:r>
+              <a:rPr lang="ru-RU" dirty="0" err="1" smtClean="0">
+                <a:solidFill>
+                  <a:schemeClr val="bg1">
+                    <a:lumMod val="95000"/>
+                  </a:schemeClr>
+                </a:solidFill>
+              </a:rPr>
+              <a:t>изпълнението</a:t>
+            </a:r>
+            <a:r>
+              <a:rPr lang="ru-RU" dirty="0" smtClean="0">
+                <a:solidFill>
+                  <a:schemeClr val="bg1">
+                    <a:lumMod val="95000"/>
+                  </a:schemeClr>
+                </a:solidFill>
+              </a:rPr>
+              <a:t> независимо от </a:t>
+            </a:r>
+            <a:r>
+              <a:rPr lang="ru-RU" dirty="0" err="1" smtClean="0">
+                <a:solidFill>
+                  <a:schemeClr val="bg1">
+                    <a:lumMod val="95000"/>
+                  </a:schemeClr>
+                </a:solidFill>
+              </a:rPr>
+              <a:t>условието</a:t>
+            </a:r>
+            <a:r>
+              <a:rPr lang="ru-RU" dirty="0" smtClean="0">
+                <a:solidFill>
+                  <a:schemeClr val="bg1">
+                    <a:lumMod val="95000"/>
+                  </a:schemeClr>
+                </a:solidFill>
+              </a:rPr>
+              <a:t> на </a:t>
+            </a:r>
+            <a:r>
+              <a:rPr lang="ru-RU" dirty="0" err="1" smtClean="0">
+                <a:solidFill>
+                  <a:schemeClr val="bg1">
+                    <a:lumMod val="95000"/>
+                  </a:schemeClr>
+                </a:solidFill>
+              </a:rPr>
+              <a:t>цикъла</a:t>
+            </a:r>
+            <a:endParaRPr lang="ru-RU" dirty="0">
+              <a:solidFill>
+                <a:schemeClr val="bg1">
+                  <a:lumMod val="95000"/>
+                </a:schemeClr>
+              </a:solidFill>
+            </a:endParaRPr>
+          </a:p>
+          <a:p>
+            <a:pPr>
+              <a:buFont typeface="Wingdings" panose="05000000000000000000" pitchFamily="2" charset="2"/>
+              <a:buChar char="§"/>
+            </a:pPr>
+            <a:r>
+              <a:rPr lang="ru-RU" dirty="0" err="1" smtClean="0">
+                <a:solidFill>
+                  <a:schemeClr val="bg1">
+                    <a:lumMod val="95000"/>
+                  </a:schemeClr>
+                </a:solidFill>
+              </a:rPr>
+              <a:t>Важи</a:t>
+            </a:r>
+            <a:r>
+              <a:rPr lang="ru-RU" dirty="0" smtClean="0">
+                <a:solidFill>
+                  <a:schemeClr val="bg1">
+                    <a:lumMod val="95000"/>
+                  </a:schemeClr>
+                </a:solidFill>
+              </a:rPr>
+              <a:t> за </a:t>
+            </a:r>
+            <a:r>
+              <a:rPr lang="ru-RU" dirty="0" err="1" smtClean="0">
+                <a:solidFill>
+                  <a:schemeClr val="bg1">
+                    <a:lumMod val="95000"/>
+                  </a:schemeClr>
+                </a:solidFill>
+              </a:rPr>
+              <a:t>всички</a:t>
+            </a:r>
+            <a:r>
+              <a:rPr lang="ru-RU" dirty="0" smtClean="0">
+                <a:solidFill>
+                  <a:schemeClr val="bg1">
+                    <a:lumMod val="95000"/>
+                  </a:schemeClr>
+                </a:solidFill>
+              </a:rPr>
+              <a:t> </a:t>
+            </a:r>
+            <a:r>
+              <a:rPr lang="ru-RU" dirty="0" err="1" smtClean="0">
+                <a:solidFill>
+                  <a:schemeClr val="bg1">
+                    <a:lumMod val="95000"/>
+                  </a:schemeClr>
+                </a:solidFill>
+              </a:rPr>
+              <a:t>типове</a:t>
+            </a:r>
+            <a:r>
+              <a:rPr lang="ru-RU" dirty="0" smtClean="0">
+                <a:solidFill>
+                  <a:schemeClr val="bg1">
+                    <a:lumMod val="95000"/>
+                  </a:schemeClr>
+                </a:solidFill>
+              </a:rPr>
+              <a:t> цикли</a:t>
+            </a:r>
+            <a:endParaRPr lang="ru-RU" dirty="0">
+              <a:solidFill>
+                <a:schemeClr val="bg1">
+                  <a:lumMod val="95000"/>
+                </a:schemeClr>
+              </a:solidFill>
+            </a:endParaRPr>
+          </a:p>
+          <a:p>
+            <a:pPr>
+              <a:buFont typeface="Wingdings" panose="05000000000000000000" pitchFamily="2" charset="2"/>
+              <a:buChar char="§"/>
+            </a:pPr>
+            <a:r>
+              <a:rPr lang="ru-RU" dirty="0" err="1" smtClean="0">
+                <a:solidFill>
+                  <a:schemeClr val="bg1">
+                    <a:lumMod val="95000"/>
+                  </a:schemeClr>
+                </a:solidFill>
+              </a:rPr>
+              <a:t>Кодъ</a:t>
+            </a:r>
+            <a:r>
+              <a:rPr lang="bg-BG" dirty="0" smtClean="0">
+                <a:solidFill>
+                  <a:schemeClr val="bg1">
+                    <a:lumMod val="95000"/>
+                  </a:schemeClr>
+                </a:solidFill>
+              </a:rPr>
+              <a:t>т</a:t>
+            </a:r>
+            <a:r>
+              <a:rPr lang="ru-RU" dirty="0" smtClean="0">
+                <a:solidFill>
+                  <a:schemeClr val="bg1">
+                    <a:lumMod val="95000"/>
+                  </a:schemeClr>
+                </a:solidFill>
+              </a:rPr>
+              <a:t> в </a:t>
+            </a:r>
+            <a:r>
+              <a:rPr lang="ru-RU" dirty="0" err="1" smtClean="0">
+                <a:solidFill>
+                  <a:schemeClr val="bg1">
+                    <a:lumMod val="95000"/>
+                  </a:schemeClr>
+                </a:solidFill>
+              </a:rPr>
+              <a:t>цикъла</a:t>
+            </a:r>
+            <a:r>
+              <a:rPr lang="ru-RU" dirty="0" smtClean="0">
+                <a:solidFill>
+                  <a:schemeClr val="bg1">
+                    <a:lumMod val="95000"/>
+                  </a:schemeClr>
+                </a:solidFill>
+              </a:rPr>
+              <a:t> след </a:t>
+            </a:r>
+            <a:r>
+              <a:rPr lang="en-US" dirty="0" smtClean="0">
+                <a:solidFill>
+                  <a:schemeClr val="bg1">
+                    <a:lumMod val="95000"/>
+                  </a:schemeClr>
+                </a:solidFill>
+              </a:rPr>
+              <a:t>break </a:t>
+            </a:r>
+            <a:r>
+              <a:rPr lang="bg-BG" dirty="0" smtClean="0">
+                <a:solidFill>
+                  <a:schemeClr val="bg1">
+                    <a:lumMod val="95000"/>
+                  </a:schemeClr>
+                </a:solidFill>
+              </a:rPr>
+              <a:t>не се изпълнява</a:t>
+            </a:r>
+            <a:endParaRPr lang="ru-RU" dirty="0">
+              <a:solidFill>
+                <a:schemeClr val="bg1">
+                  <a:lumMod val="95000"/>
+                </a:schemeClr>
+              </a:solidFill>
+            </a:endParaRPr>
+          </a:p>
+          <a:p>
+            <a:pPr>
+              <a:buFont typeface="Wingdings" panose="05000000000000000000" pitchFamily="2" charset="2"/>
+              <a:buChar char="§"/>
+            </a:pPr>
+            <a:r>
+              <a:rPr lang="ru-RU" dirty="0" err="1" smtClean="0">
+                <a:solidFill>
+                  <a:schemeClr val="bg1">
+                    <a:lumMod val="95000"/>
+                  </a:schemeClr>
+                </a:solidFill>
+              </a:rPr>
+              <a:t>Използвайте</a:t>
+            </a:r>
+            <a:r>
+              <a:rPr lang="ru-RU" dirty="0" smtClean="0">
+                <a:solidFill>
+                  <a:schemeClr val="bg1">
+                    <a:lumMod val="95000"/>
+                  </a:schemeClr>
+                </a:solidFill>
+              </a:rPr>
+              <a:t> </a:t>
+            </a:r>
+            <a:r>
+              <a:rPr lang="en-US" dirty="0" smtClean="0">
+                <a:solidFill>
+                  <a:schemeClr val="bg1">
+                    <a:lumMod val="95000"/>
+                  </a:schemeClr>
+                </a:solidFill>
+              </a:rPr>
+              <a:t>break </a:t>
+            </a:r>
+            <a:r>
+              <a:rPr lang="bg-BG" dirty="0" smtClean="0">
+                <a:solidFill>
+                  <a:schemeClr val="bg1">
+                    <a:lumMod val="95000"/>
+                  </a:schemeClr>
+                </a:solidFill>
+              </a:rPr>
+              <a:t>само, когато се налага</a:t>
+            </a:r>
+            <a:endParaRPr lang="ru-RU" dirty="0">
+              <a:solidFill>
+                <a:schemeClr val="bg1">
+                  <a:lumMod val="95000"/>
+                </a:schemeClr>
+              </a:solidFill>
+            </a:endParaRPr>
+          </a:p>
+          <a:p>
+            <a:pPr marL="0" indent="0">
+              <a:buNone/>
+            </a:pPr>
+            <a:endParaRPr lang="ru-RU" dirty="0">
+              <a:solidFill>
+                <a:schemeClr val="bg1">
+                  <a:lumMod val="95000"/>
+                </a:schemeClr>
+              </a:solidFill>
+            </a:endParaRPr>
+          </a:p>
         </p:txBody>
       </p:sp>
     </p:spTree>
     <p:extLst>
       <p:ext uri="{BB962C8B-B14F-4D97-AF65-F5344CB8AC3E}">
-        <p14:creationId xmlns:p14="http://schemas.microsoft.com/office/powerpoint/2010/main" val="1693201098"/>
+        <p14:creationId xmlns:p14="http://schemas.microsoft.com/office/powerpoint/2010/main" val="2457593930"/>
       </p:ext>
     </p:extLst>
   </p:cSld>
@@ -4729,7 +4958,7 @@
         <p:spPr>
           <a:xfrm>
             <a:off x="838200" y="685800"/>
-            <a:ext cx="8229600" cy="1676400"/>
+            <a:ext cx="8229600" cy="1143000"/>
           </a:xfrm>
         </p:spPr>
         <p:txBody>
@@ -4740,12 +4969,20 @@
           <a:p>
             <a:pPr algn="l"/>
             <a:r>
+              <a:rPr lang="bg-BG" dirty="0" err="1" smtClean="0">
+                <a:solidFill>
+                  <a:schemeClr val="accent6"/>
+                </a:solidFill>
+              </a:rPr>
+              <a:t>Демо</a:t>
+            </a:r>
+            <a:r>
               <a:rPr lang="bg-BG" dirty="0" smtClean="0">
                 <a:solidFill>
                   <a:schemeClr val="accent6"/>
                 </a:solidFill>
               </a:rPr>
-              <a:t>Прекъсване на изпълнението с оператора </a:t>
+              <a:t> на оператора </a:t>
             </a:r>
             <a:r>
               <a:rPr lang="en-US" dirty="0" smtClean="0">
@@ -4763,369 +5000,51 @@
           </a:p>
         </p:txBody>
       </p:sp>
-      <p:sp>
-        <p:nvSpPr>
-          <p:cNvPr id="3" name="Content Placeholder 2"/>
-          <p:cNvSpPr>
-            <a:spLocks noGrp="1"/>
-          </p:cNvSpPr>
-          <p:nvPr>
-            <p:ph idx="1"/>
-          </p:nvPr>
-        </p:nvSpPr>
-        <p:spPr>
+      <p:pic>
+        <p:nvPicPr>
+          <p:cNvPr id="5" name="Picture 2" descr="http://4.bp.blogspot.com/-leMLNLY3vDg/TWFm8I1gl5I/AAAAAAAABFI/ABXMNWXvrJk/s400/Team%252BNo%252BBreak.jpg"/>
+          <p:cNvPicPr>
+            <a:picLocks noChangeAspect="1" noChangeArrowheads="1"/>
+          </p:cNvPicPr>
+          <p:nvPr/>
+        </p:nvPicPr>
+        <p:blipFill>
+          <a:blip r:embed="rId2">
+            <a:extLst>
+              <a:ext uri="{28A0092B-C50C-407E-A947-70E740481C1C}">
+                <a14:useLocalDpi xmlns:a14="http://schemas.microsoft.com/office/drawing/2010/main" val="0"/>
+              </a:ext>
+            </a:extLst>
+          </a:blip>
+          <a:srcRect/>
+          <a:stretch>
+            <a:fillRect/>
+          </a:stretch>
+        </p:blipFill>
+        <p:spPr bwMode="auto">
           <a:xfrm>
-            <a:off x="762000" y="1676400"/>
-            <a:ext cx="7620000" cy="4525963"/>
+            <a:off x="3276600" y="1981200"/>
+            <a:ext cx="2590800" cy="2541114"/>
           </a:xfrm>
+          <a:prstGeom prst="rect">
+            <a:avLst/>
+          </a:prstGeom>
+          <a:noFill/>
+          <a:extLst>
+            <a:ext uri="{909E8E84-426E-40DD-AFC4-6F175D3DCCD1}">
+              <a14:hiddenFill xmlns:a14="http://schemas.microsoft.com/office/drawing/2010/main">
+                <a:solidFill>
+                  <a:srgbClr val="FFFFFF"/>
+                </a:solidFill>
+              </a14:hiddenFill>
+            </a:ext>
+          </a:extLst>
         </p:spPr>
-        <p:txBody>
-          <a:bodyPr>
-            <a:normAutofit/>
-          </a:bodyPr>
-          <a:lstStyle/>
-          <a:p>
-            <a:pPr marL="0" indent="0">
-              <a:buNone/>
-            </a:pPr>
-            <a:endParaRPr lang="ru-RU" dirty="0" smtClean="0">
-              <a:solidFill>
-                <a:schemeClr val="bg1">
-                  <a:lumMod val="95000"/>
-                </a:schemeClr>
-              </a:solidFill>
-            </a:endParaRPr>
-          </a:p>
-          <a:p>
-            <a:pPr>
-              <a:buFont typeface="Wingdings" panose="05000000000000000000" pitchFamily="2" charset="2"/>
-              <a:buChar char="§"/>
-            </a:pPr>
-            <a:r>
-              <a:rPr lang="ru-RU" dirty="0" smtClean="0">
-                <a:solidFill>
-                  <a:schemeClr val="bg1">
-                    <a:lumMod val="95000"/>
-                  </a:schemeClr>
-                </a:solidFill>
-              </a:rPr>
-              <a:t>Оператор </a:t>
-            </a:r>
-            <a:r>
-              <a:rPr lang="ru-RU" dirty="0">
-                <a:solidFill>
-                  <a:schemeClr val="bg1">
-                    <a:lumMod val="95000"/>
-                  </a:schemeClr>
-                </a:solidFill>
-              </a:rPr>
-              <a:t>BREAK </a:t>
-            </a:r>
-            <a:r>
-              <a:rPr lang="ru-RU" dirty="0" err="1" smtClean="0">
-                <a:solidFill>
-                  <a:schemeClr val="bg1">
-                    <a:lumMod val="95000"/>
-                  </a:schemeClr>
-                </a:solidFill>
-              </a:rPr>
-              <a:t>прекъсва</a:t>
-            </a:r>
-            <a:r>
-              <a:rPr lang="ru-RU" dirty="0" smtClean="0">
-                <a:solidFill>
-                  <a:schemeClr val="bg1">
-                    <a:lumMod val="95000"/>
-                  </a:schemeClr>
-                </a:solidFill>
-              </a:rPr>
-              <a:t> </a:t>
-            </a:r>
-            <a:r>
-              <a:rPr lang="ru-RU" dirty="0" err="1" smtClean="0">
-                <a:solidFill>
-                  <a:schemeClr val="bg1">
-                    <a:lumMod val="95000"/>
-                  </a:schemeClr>
-                </a:solidFill>
-              </a:rPr>
-              <a:t>изпълнението</a:t>
-            </a:r>
-            <a:r>
-              <a:rPr lang="ru-RU" dirty="0" smtClean="0">
-                <a:solidFill>
-                  <a:schemeClr val="bg1">
-                    <a:lumMod val="95000"/>
-                  </a:schemeClr>
-                </a:solidFill>
-              </a:rPr>
-              <a:t> независимо от </a:t>
-            </a:r>
-            <a:r>
-              <a:rPr lang="ru-RU" dirty="0" err="1" smtClean="0">
-                <a:solidFill>
-                  <a:schemeClr val="bg1">
-                    <a:lumMod val="95000"/>
-                  </a:schemeClr>
-                </a:solidFill>
-              </a:rPr>
-              <a:t>условието</a:t>
-            </a:r>
-            <a:r>
-              <a:rPr lang="ru-RU" dirty="0" smtClean="0">
-                <a:solidFill>
-                  <a:schemeClr val="bg1">
-                    <a:lumMod val="95000"/>
-                  </a:schemeClr>
-                </a:solidFill>
-              </a:rPr>
-              <a:t> на </a:t>
-            </a:r>
-            <a:r>
-              <a:rPr lang="ru-RU" dirty="0" err="1" smtClean="0">
-                <a:solidFill>
-                  <a:schemeClr val="bg1">
-                    <a:lumMod val="95000"/>
-                  </a:schemeClr>
-                </a:solidFill>
-              </a:rPr>
-              <a:t>цикъла</a:t>
-            </a:r>
-            <a:endParaRPr lang="ru-RU" dirty="0">
-              <a:solidFill>
-                <a:schemeClr val="bg1">
-                  <a:lumMod val="95000"/>
-                </a:schemeClr>
-              </a:solidFill>
-            </a:endParaRPr>
-          </a:p>
-          <a:p>
-            <a:pPr>
-              <a:buFont typeface="Wingdings" panose="05000000000000000000" pitchFamily="2" charset="2"/>
-              <a:buChar char="§"/>
-            </a:pPr>
-            <a:r>
-              <a:rPr lang="ru-RU" dirty="0" err="1" smtClean="0">
-                <a:solidFill>
-                  <a:schemeClr val="bg1">
-                    <a:lumMod val="95000"/>
-                  </a:schemeClr>
-                </a:solidFill>
-              </a:rPr>
-              <a:t>Важи</a:t>
-            </a:r>
-            <a:r>
-              <a:rPr lang="ru-RU" dirty="0" smtClean="0">
-                <a:solidFill>
-                  <a:schemeClr val="bg1">
-                    <a:lumMod val="95000"/>
-                  </a:schemeClr>
-                </a:solidFill>
-              </a:rPr>
-              <a:t> за </a:t>
-            </a:r>
-            <a:r>
-              <a:rPr lang="ru-RU" dirty="0" err="1" smtClean="0">
-                <a:solidFill>
-                  <a:schemeClr val="bg1">
-                    <a:lumMod val="95000"/>
-                  </a:schemeClr>
-                </a:solidFill>
-              </a:rPr>
-              <a:t>всички</a:t>
-            </a:r>
-            <a:r>
-              <a:rPr lang="ru-RU" dirty="0" smtClean="0">
-                <a:solidFill>
-                  <a:schemeClr val="bg1">
-                    <a:lumMod val="95000"/>
-                  </a:schemeClr>
-                </a:solidFill>
-              </a:rPr>
-              <a:t> </a:t>
-            </a:r>
-            <a:r>
-              <a:rPr lang="ru-RU" dirty="0" err="1" smtClean="0">
-                <a:solidFill>
-                  <a:schemeClr val="bg1">
-                    <a:lumMod val="95000"/>
-                  </a:schemeClr>
-                </a:solidFill>
-              </a:rPr>
-              <a:t>типове</a:t>
-            </a:r>
-            <a:r>
-              <a:rPr lang="ru-RU" dirty="0" smtClean="0">
-                <a:solidFill>
-                  <a:schemeClr val="bg1">
-                    <a:lumMod val="95000"/>
-                  </a:schemeClr>
-                </a:solidFill>
-              </a:rPr>
-              <a:t> цикли</a:t>
-            </a:r>
-            <a:endParaRPr lang="ru-RU" dirty="0">
-              <a:solidFill>
-                <a:schemeClr val="bg1">
-                  <a:lumMod val="95000"/>
-                </a:schemeClr>
-              </a:solidFill>
-            </a:endParaRPr>
-          </a:p>
-          <a:p>
-            <a:pPr>
-              <a:buFont typeface="Wingdings" panose="05000000000000000000" pitchFamily="2" charset="2"/>
-              <a:buChar char="§"/>
-            </a:pPr>
-            <a:r>
-              <a:rPr lang="ru-RU" dirty="0" err="1" smtClean="0">
-                <a:solidFill>
-                  <a:schemeClr val="bg1">
-                    <a:lumMod val="95000"/>
-                  </a:schemeClr>
-                </a:solidFill>
-              </a:rPr>
-              <a:t>Кодъ</a:t>
-            </a:r>
-            <a:r>
-              <a:rPr lang="bg-BG" dirty="0" smtClean="0">
-                <a:solidFill>
-                  <a:schemeClr val="bg1">
-                    <a:lumMod val="95000"/>
-                  </a:schemeClr>
-                </a:solidFill>
-              </a:rPr>
-              <a:t>т</a:t>
-            </a:r>
-            <a:r>
-              <a:rPr lang="ru-RU" dirty="0" smtClean="0">
-                <a:solidFill>
-                  <a:schemeClr val="bg1">
-                    <a:lumMod val="95000"/>
-                  </a:schemeClr>
-                </a:solidFill>
-              </a:rPr>
-              <a:t> в </a:t>
-            </a:r>
-            <a:r>
-              <a:rPr lang="ru-RU" dirty="0" err="1" smtClean="0">
-                <a:solidFill>
-                  <a:schemeClr val="bg1">
-                    <a:lumMod val="95000"/>
-                  </a:schemeClr>
-                </a:solidFill>
-              </a:rPr>
-              <a:t>цикъла</a:t>
-            </a:r>
-            <a:r>
-              <a:rPr lang="ru-RU" dirty="0" smtClean="0">
-                <a:solidFill>
-                  <a:schemeClr val="bg1">
-                    <a:lumMod val="95000"/>
-                  </a:schemeClr>
-                </a:solidFill>
-              </a:rPr>
-              <a:t> след </a:t>
-            </a:r>
-            <a:r>
-              <a:rPr lang="en-US" dirty="0" smtClean="0">
-                <a:solidFill>
-                  <a:schemeClr val="bg1">
-                    <a:lumMod val="95000"/>
-                  </a:schemeClr>
-                </a:solidFill>
-              </a:rPr>
-              <a:t>break </a:t>
-            </a:r>
-            <a:r>
-              <a:rPr lang="bg-BG" dirty="0" smtClean="0">
-                <a:solidFill>
-                  <a:schemeClr val="bg1">
-                    <a:lumMod val="95000"/>
-                  </a:schemeClr>
-                </a:solidFill>
-              </a:rPr>
-              <a:t>не се изпълнява</a:t>
-            </a:r>
-            <a:endParaRPr lang="ru-RU" dirty="0">
-              <a:solidFill>
-                <a:schemeClr val="bg1">
-                  <a:lumMod val="95000"/>
-                </a:schemeClr>
-              </a:solidFill>
-            </a:endParaRPr>
-          </a:p>
-          <a:p>
-            <a:pPr>
-              <a:buFont typeface="Wingdings" panose="05000000000000000000" pitchFamily="2" charset="2"/>
-              <a:buChar char="§"/>
-            </a:pPr>
-            <a:r>
-              <a:rPr lang="ru-RU" dirty="0" err="1" smtClean="0">
-                <a:solidFill>
-                  <a:schemeClr val="bg1">
-                    <a:lumMod val="95000"/>
-                  </a:schemeClr>
-                </a:solidFill>
-              </a:rPr>
-              <a:t>Използвайте</a:t>
-            </a:r>
-            <a:r>
-              <a:rPr lang="ru-RU" dirty="0" smtClean="0">
-                <a:solidFill>
-                  <a:schemeClr val="bg1">
-                    <a:lumMod val="95000"/>
-                  </a:schemeClr>
-                </a:solidFill>
-              </a:rPr>
-              <a:t> </a:t>
-            </a:r>
-            <a:r>
-              <a:rPr lang="en-US" dirty="0" smtClean="0">
-                <a:solidFill>
-                  <a:schemeClr val="bg1">
-                    <a:lumMod val="95000"/>
-                  </a:schemeClr>
-                </a:solidFill>
-              </a:rPr>
-              <a:t>break </a:t>
-            </a:r>
-            <a:r>
-              <a:rPr lang="bg-BG" dirty="0" smtClean="0">
-                <a:solidFill>
-                  <a:schemeClr val="bg1">
-                    <a:lumMod val="95000"/>
-                  </a:schemeClr>
-                </a:solidFill>
-              </a:rPr>
-              <a:t>само, когато се налага</a:t>
-            </a:r>
-            <a:endParaRPr lang="ru-RU" dirty="0">
-              <a:solidFill>
-                <a:schemeClr val="bg1">
-                  <a:lumMod val="95000"/>
-                </a:schemeClr>
-              </a:solidFill>
-            </a:endParaRPr>
-          </a:p>
-          <a:p>
-            <a:pPr marL="0" indent="0">
-              <a:buNone/>
-            </a:pPr>
-            <a:endParaRPr lang="ru-RU" dirty="0">
-              <a:solidFill>
-                <a:schemeClr val="bg1">
-                  <a:lumMod val="95000"/>
-                </a:schemeClr>
-              </a:solidFill>
-            </a:endParaRPr>
-          </a:p>
-        </p:txBody>
-      </p:sp>
+      </p:pic>
     </p:spTree>
     <p:extLst>
       <p:ext uri="{BB962C8B-B14F-4D97-AF65-F5344CB8AC3E}">
-        <p14:creationId xmlns:p14="http://schemas.microsoft.com/office/powerpoint/2010/main" val="2457593930"/>
+        <p14:creationId xmlns:p14="http://schemas.microsoft.com/office/powerpoint/2010/main" val="2088413731"/>
       </p:ext>
     </p:extLst>
   </p:cSld>
@@ -5183,28 +5102,20 @@
           <a:p>
             <a:pPr algn="l"/>
             <a:r>
-              <a:rPr lang="bg-BG" dirty="0" err="1" smtClean="0">
+              <a:rPr lang="bg-BG" dirty="0" smtClean="0">
                 <a:solidFill>
                   <a:schemeClr val="accent6"/>
                 </a:solidFill>
               </a:rPr>
-              <a:t>Демо</a:t>
-            </a:r>
-            <a:r>
-              <a:rPr lang="bg-BG" dirty="0" smtClean="0">
+              <a:t>Операторът </a:t>
+            </a:r>
+            <a:r>
+              <a:rPr lang="en-US" dirty="0" smtClean="0">
                 <a:solidFill>
                   <a:schemeClr val="accent6"/>
                 </a:solidFill>
               </a:rPr>
-              <a:t> на оператора </a:t>
-            </a:r>
-            <a:r>
-              <a:rPr lang="en-US" dirty="0" smtClean="0">
-                <a:solidFill>
-                  <a:schemeClr val="accent6"/>
-                </a:solidFill>
-              </a:rPr>
-              <a:t>BREAK</a:t>
+              <a:t>CONTINUE</a:t>
             </a:r>
             <a:endParaRPr lang="bg-BG" dirty="0">
               <a:solidFill>
@@ -5214,51 +5125,255 @@
           </a:p>
         </p:txBody>
       </p:sp>
-      <p:pic>
-        <p:nvPicPr>
-          <p:cNvPr id="5" name="Picture 2" descr="http://4.bp.blogspot.com/-leMLNLY3vDg/TWFm8I1gl5I/AAAAAAAABFI/ABXMNWXvrJk/s400/Team%252BNo%252BBreak.jpg"/>
-          <p:cNvPicPr>
-            <a:picLocks noChangeAspect="1" noChangeArrowheads="1"/>
-          </p:cNvPicPr>
-          <p:nvPr/>
-        </p:nvPicPr>
-        <p:blipFill>
-          <a:blip r:embed="rId2">
-            <a:extLst>
-              <a:ext uri="{28A0092B-C50C-407E-A947-70E740481C1C}">
-                <a14:useLocalDpi xmlns:a14="http://schemas.microsoft.com/office/drawing/2010/main" val="0"/>
-              </a:ext>
-            </a:extLst>
-          </a:blip>
-          <a:srcRect/>
-          <a:stretch>
-            <a:fillRect/>
-          </a:stretch>
-        </p:blipFill>
-        <p:spPr bwMode="auto">
+      <p:sp>
+        <p:nvSpPr>
+          <p:cNvPr id="3" name="Content Placeholder 2"/>
+          <p:cNvSpPr>
+            <a:spLocks noGrp="1"/>
+          </p:cNvSpPr>
+          <p:nvPr>
+            <p:ph idx="1"/>
+          </p:nvPr>
+        </p:nvSpPr>
+        <p:spPr>
           <a:xfrm>
-            <a:off x="3276600" y="1981200"/>
-            <a:ext cx="2590800" cy="2541114"/>
+            <a:off x="762000" y="1676400"/>
+            <a:ext cx="7620000" cy="4525963"/>
           </a:xfrm>
-          <a:prstGeom prst="rect">
-            <a:avLst/>
-          </a:prstGeom>
-          <a:noFill/>
-          <a:extLst>
-            <a:ext uri="{909E8E84-426E-40DD-AFC4-6F175D3DCCD1}">
-              <a14:hiddenFill xmlns:a14="http://schemas.microsoft.com/office/drawing/2010/main">
-                <a:solidFill>
-                  <a:srgbClr val="FFFFFF"/>
-                </a:solidFill>
-              </a14:hiddenFill>
-            </a:ext>
-          </a:extLst>
         </p:spPr>
-      </p:pic>
+        <p:txBody>
+          <a:bodyPr>
+            <a:normAutofit/>
+          </a:bodyPr>
+          <a:lstStyle/>
+          <a:p>
+            <a:pPr>
+              <a:buFont typeface="Wingdings" panose="05000000000000000000" pitchFamily="2" charset="2"/>
+              <a:buChar char="§"/>
+            </a:pPr>
+            <a:r>
+              <a:rPr lang="ru-RU" dirty="0" err="1">
+                <a:solidFill>
+                  <a:schemeClr val="bg1">
+                    <a:lumMod val="95000"/>
+                  </a:schemeClr>
+                </a:solidFill>
+              </a:rPr>
+              <a:t>Предизвиква</a:t>
+            </a:r>
+            <a:r>
+              <a:rPr lang="ru-RU" dirty="0">
+                <a:solidFill>
+                  <a:schemeClr val="bg1">
+                    <a:lumMod val="95000"/>
+                  </a:schemeClr>
+                </a:solidFill>
+              </a:rPr>
+              <a:t> нова итерация</a:t>
+            </a:r>
+          </a:p>
+          <a:p>
+            <a:pPr>
+              <a:buFont typeface="Wingdings" panose="05000000000000000000" pitchFamily="2" charset="2"/>
+              <a:buChar char="§"/>
+            </a:pPr>
+            <a:r>
+              <a:rPr lang="ru-RU" dirty="0">
+                <a:solidFill>
+                  <a:schemeClr val="bg1">
+                    <a:lumMod val="95000"/>
+                  </a:schemeClr>
+                </a:solidFill>
+              </a:rPr>
+              <a:t>Кода под </a:t>
+            </a:r>
+            <a:r>
+              <a:rPr lang="ru-RU" dirty="0" err="1">
+                <a:solidFill>
+                  <a:schemeClr val="bg1">
+                    <a:lumMod val="95000"/>
+                  </a:schemeClr>
+                </a:solidFill>
+              </a:rPr>
+              <a:t>цикълът</a:t>
+            </a:r>
+            <a:r>
+              <a:rPr lang="ru-RU" dirty="0">
+                <a:solidFill>
+                  <a:schemeClr val="bg1">
+                    <a:lumMod val="95000"/>
+                  </a:schemeClr>
+                </a:solidFill>
+              </a:rPr>
+              <a:t> не се </a:t>
+            </a:r>
+            <a:r>
+              <a:rPr lang="ru-RU" dirty="0" err="1">
+                <a:solidFill>
+                  <a:schemeClr val="bg1">
+                    <a:lumMod val="95000"/>
+                  </a:schemeClr>
+                </a:solidFill>
+              </a:rPr>
+              <a:t>изпълнява</a:t>
+            </a:r>
+            <a:endParaRPr lang="ru-RU" dirty="0">
+              <a:solidFill>
+                <a:schemeClr val="bg1">
+                  <a:lumMod val="95000"/>
+                </a:schemeClr>
+              </a:solidFill>
+            </a:endParaRPr>
+          </a:p>
+          <a:p>
+            <a:pPr>
+              <a:buFont typeface="Wingdings" panose="05000000000000000000" pitchFamily="2" charset="2"/>
+              <a:buChar char="§"/>
+            </a:pPr>
+            <a:r>
+              <a:rPr lang="ru-RU" dirty="0">
+                <a:solidFill>
+                  <a:schemeClr val="bg1">
+                    <a:lumMod val="95000"/>
+                  </a:schemeClr>
+                </a:solidFill>
+              </a:rPr>
+              <a:t>За </a:t>
+            </a:r>
+            <a:r>
+              <a:rPr lang="ru-RU" dirty="0" err="1">
+                <a:solidFill>
+                  <a:schemeClr val="bg1">
+                    <a:lumMod val="95000"/>
+                  </a:schemeClr>
+                </a:solidFill>
+              </a:rPr>
+              <a:t>разлика</a:t>
+            </a:r>
+            <a:r>
+              <a:rPr lang="ru-RU" dirty="0">
+                <a:solidFill>
+                  <a:schemeClr val="bg1">
+                    <a:lumMod val="95000"/>
+                  </a:schemeClr>
+                </a:solidFill>
+              </a:rPr>
+              <a:t> от оператора </a:t>
+            </a:r>
+            <a:r>
+              <a:rPr lang="ru-RU" dirty="0" err="1" smtClean="0">
+                <a:solidFill>
+                  <a:schemeClr val="bg1">
+                    <a:lumMod val="95000"/>
+                  </a:schemeClr>
+                </a:solidFill>
+              </a:rPr>
+              <a:t>break</a:t>
+            </a:r>
+            <a:r>
+              <a:rPr lang="ru-RU" dirty="0" smtClean="0">
+                <a:solidFill>
+                  <a:schemeClr val="bg1">
+                    <a:lumMod val="95000"/>
+                  </a:schemeClr>
+                </a:solidFill>
+              </a:rPr>
+              <a:t>, </a:t>
+            </a:r>
+            <a:r>
+              <a:rPr lang="ru-RU" dirty="0">
+                <a:solidFill>
+                  <a:schemeClr val="bg1">
+                    <a:lumMod val="95000"/>
+                  </a:schemeClr>
+                </a:solidFill>
+              </a:rPr>
+              <a:t>при </a:t>
+            </a:r>
+            <a:r>
+              <a:rPr lang="ru-RU" dirty="0" err="1">
+                <a:solidFill>
+                  <a:schemeClr val="bg1">
+                    <a:lumMod val="95000"/>
+                  </a:schemeClr>
+                </a:solidFill>
+              </a:rPr>
+              <a:t>continue</a:t>
+            </a:r>
+            <a:r>
+              <a:rPr lang="ru-RU" dirty="0">
+                <a:solidFill>
+                  <a:schemeClr val="bg1">
+                    <a:lumMod val="95000"/>
+                  </a:schemeClr>
+                </a:solidFill>
+              </a:rPr>
+              <a:t> </a:t>
+            </a:r>
+            <a:r>
+              <a:rPr lang="ru-RU" dirty="0" err="1">
+                <a:solidFill>
+                  <a:schemeClr val="bg1">
+                    <a:lumMod val="95000"/>
+                  </a:schemeClr>
+                </a:solidFill>
+              </a:rPr>
+              <a:t>цикълът</a:t>
+            </a:r>
+            <a:r>
+              <a:rPr lang="ru-RU" dirty="0">
+                <a:solidFill>
+                  <a:schemeClr val="bg1">
+                    <a:lumMod val="95000"/>
+                  </a:schemeClr>
+                </a:solidFill>
+              </a:rPr>
+              <a:t> </a:t>
+            </a:r>
+            <a:r>
+              <a:rPr lang="ru-RU" dirty="0" err="1">
+                <a:solidFill>
+                  <a:schemeClr val="bg1">
+                    <a:lumMod val="95000"/>
+                  </a:schemeClr>
+                </a:solidFill>
+              </a:rPr>
+              <a:t>продължава</a:t>
+            </a:r>
+            <a:r>
+              <a:rPr lang="ru-RU" dirty="0">
+                <a:solidFill>
+                  <a:schemeClr val="bg1">
+                    <a:lumMod val="95000"/>
+                  </a:schemeClr>
+                </a:solidFill>
+              </a:rPr>
+              <a:t> да се </a:t>
+            </a:r>
+            <a:r>
+              <a:rPr lang="ru-RU" dirty="0" err="1">
+                <a:solidFill>
+                  <a:schemeClr val="bg1">
+                    <a:lumMod val="95000"/>
+                  </a:schemeClr>
+                </a:solidFill>
+              </a:rPr>
+              <a:t>изпълнява</a:t>
+            </a:r>
+            <a:endParaRPr lang="ru-RU" dirty="0">
+              <a:solidFill>
+                <a:schemeClr val="bg1">
+                  <a:lumMod val="95000"/>
+                </a:schemeClr>
+              </a:solidFill>
+            </a:endParaRPr>
+          </a:p>
+        </p:txBody>
+      </p:sp>
     </p:spTree>
     <p:extLst>
       <p:ext uri="{BB962C8B-B14F-4D97-AF65-F5344CB8AC3E}">
-        <p14:creationId xmlns:p14="http://schemas.microsoft.com/office/powerpoint/2010/main" val="2088413731"/>
+        <p14:creationId xmlns:p14="http://schemas.microsoft.com/office/powerpoint/2010/main" val="2510310197"/>
       </p:ext>
     </p:extLst>
   </p:cSld>
@@ -5316,12 +5431,28 @@
           <a:p>
             <a:pPr algn="l"/>
             <a:r>
+              <a:rPr lang="bg-BG" dirty="0" err="1" smtClean="0">
+                <a:solidFill>
+                  <a:schemeClr val="accent6"/>
+                </a:solidFill>
+              </a:rPr>
+              <a:t>Демо</a:t>
+            </a:r>
+            <a:r>
               <a:rPr lang="bg-BG" dirty="0" smtClean="0">
                 <a:solidFill>
                   <a:schemeClr val="accent6"/>
                 </a:solidFill>
               </a:rPr>
-              <a:t>Задача</a:t>
+              <a:t> на оператора </a:t>
+            </a:r>
+            <a:r>
+              <a:rPr lang="en-US" dirty="0" smtClean="0">
+                <a:solidFill>
+                  <a:schemeClr val="accent6"/>
+                </a:solidFill>
+              </a:rPr>
+              <a:t>CONTINUE</a:t>
             </a:r>
             <a:endParaRPr lang="bg-BG" dirty="0">
               <a:solidFill>
@@ -5331,269 +5462,51 @@
           </a:p>
         </p:txBody>
       </p:sp>
-      <p:sp>
-        <p:nvSpPr>
-          <p:cNvPr id="3" name="Content Placeholder 2"/>
-          <p:cNvSpPr>
-            <a:spLocks noGrp="1"/>
-          </p:cNvSpPr>
-          <p:nvPr>
-            <p:ph idx="1"/>
-          </p:nvPr>
-        </p:nvSpPr>
-        <p:spPr>
+      <p:pic>
+        <p:nvPicPr>
+          <p:cNvPr id="5" name="Picture 2" descr="http://uraniuminvestingnews.com/files/2010/08/uranium-prices-continue-to-climb2.jpg"/>
+          <p:cNvPicPr>
+            <a:picLocks noChangeAspect="1" noChangeArrowheads="1"/>
+          </p:cNvPicPr>
+          <p:nvPr/>
+        </p:nvPicPr>
+        <p:blipFill>
+          <a:blip r:embed="rId2">
+            <a:extLst>
+              <a:ext uri="{28A0092B-C50C-407E-A947-70E740481C1C}">
+                <a14:useLocalDpi xmlns:a14="http://schemas.microsoft.com/office/drawing/2010/main" val="0"/>
+              </a:ext>
+            </a:extLst>
+          </a:blip>
+          <a:srcRect/>
+          <a:stretch>
+            <a:fillRect/>
+          </a:stretch>
+        </p:blipFill>
+        <p:spPr bwMode="auto">
           <a:xfrm>
-            <a:off x="762000" y="1676400"/>
-            <a:ext cx="7620000" cy="4525963"/>
+            <a:off x="2895600" y="2209800"/>
+            <a:ext cx="3612781" cy="2447369"/>
           </a:xfrm>
+          <a:prstGeom prst="rect">
+            <a:avLst/>
+          </a:prstGeom>
+          <a:noFill/>
+          <a:extLst>
+            <a:ext uri="{909E8E84-426E-40DD-AFC4-6F175D3DCCD1}">
+              <a14:hiddenFill xmlns:a14="http://schemas.microsoft.com/office/drawing/2010/main">
+                <a:solidFill>
+                  <a:srgbClr val="FFFFFF"/>
+                </a:solidFill>
+              </a14:hiddenFill>
+            </a:ext>
+          </a:extLst>
         </p:spPr>
-        <p:txBody>
-          <a:bodyPr>
-            <a:normAutofit/>
-          </a:bodyPr>
-          <a:lstStyle/>
-          <a:p>
-            <a:pPr>
-              <a:buFont typeface="Wingdings" panose="05000000000000000000" pitchFamily="2" charset="2"/>
-              <a:buChar char="§"/>
-            </a:pPr>
-            <a:r>
-              <a:rPr lang="ru-RU" dirty="0" smtClean="0">
-                <a:solidFill>
-                  <a:schemeClr val="bg1">
-                    <a:lumMod val="95000"/>
-                  </a:schemeClr>
-                </a:solidFill>
-              </a:rPr>
-              <a:t>Напишете </a:t>
-            </a:r>
-            <a:r>
-              <a:rPr lang="ru-RU" dirty="0" err="1" smtClean="0">
-                <a:solidFill>
-                  <a:schemeClr val="bg1">
-                    <a:lumMod val="95000"/>
-                  </a:schemeClr>
-                </a:solidFill>
-              </a:rPr>
-              <a:t>програма</a:t>
-            </a:r>
-            <a:r>
-              <a:rPr lang="ru-RU" dirty="0" smtClean="0">
-                <a:solidFill>
-                  <a:schemeClr val="bg1">
-                    <a:lumMod val="95000"/>
-                  </a:schemeClr>
-                </a:solidFill>
-              </a:rPr>
-              <a:t>, </a:t>
-            </a:r>
-            <a:r>
-              <a:rPr lang="ru-RU" dirty="0" err="1" smtClean="0">
-                <a:solidFill>
-                  <a:schemeClr val="bg1">
-                    <a:lumMod val="95000"/>
-                  </a:schemeClr>
-                </a:solidFill>
-              </a:rPr>
-              <a:t>която</a:t>
-            </a:r>
-            <a:r>
-              <a:rPr lang="ru-RU" dirty="0" smtClean="0">
-                <a:solidFill>
-                  <a:schemeClr val="bg1">
-                    <a:lumMod val="95000"/>
-                  </a:schemeClr>
-                </a:solidFill>
-              </a:rPr>
-              <a:t> кара потребителя за </a:t>
-            </a:r>
-            <a:r>
-              <a:rPr lang="ru-RU" dirty="0" err="1" smtClean="0">
-                <a:solidFill>
-                  <a:schemeClr val="bg1">
-                    <a:lumMod val="95000"/>
-                  </a:schemeClr>
-                </a:solidFill>
-              </a:rPr>
-              <a:t>въвежда</a:t>
-            </a:r>
-            <a:r>
-              <a:rPr lang="ru-RU" dirty="0" smtClean="0">
-                <a:solidFill>
-                  <a:schemeClr val="bg1">
-                    <a:lumMod val="95000"/>
-                  </a:schemeClr>
-                </a:solidFill>
-              </a:rPr>
-              <a:t> числа и </a:t>
-            </a:r>
-            <a:r>
-              <a:rPr lang="ru-RU" dirty="0" err="1" smtClean="0">
-                <a:solidFill>
-                  <a:schemeClr val="bg1">
-                    <a:lumMod val="95000"/>
-                  </a:schemeClr>
-                </a:solidFill>
-              </a:rPr>
-              <a:t>ги</a:t>
-            </a:r>
-            <a:r>
-              <a:rPr lang="ru-RU" dirty="0" smtClean="0">
-                <a:solidFill>
-                  <a:schemeClr val="bg1">
-                    <a:lumMod val="95000"/>
-                  </a:schemeClr>
-                </a:solidFill>
-              </a:rPr>
-              <a:t> </a:t>
-            </a:r>
-            <a:r>
-              <a:rPr lang="ru-RU" dirty="0" err="1" smtClean="0">
-                <a:solidFill>
-                  <a:schemeClr val="bg1">
-                    <a:lumMod val="95000"/>
-                  </a:schemeClr>
-                </a:solidFill>
-              </a:rPr>
-              <a:t>сумира</a:t>
-            </a:r>
-            <a:r>
-              <a:rPr lang="ru-RU" dirty="0" smtClean="0">
-                <a:solidFill>
-                  <a:schemeClr val="bg1">
-                    <a:lumMod val="95000"/>
-                  </a:schemeClr>
-                </a:solidFill>
-              </a:rPr>
-              <a:t>. Края на </a:t>
-            </a:r>
-            <a:r>
-              <a:rPr lang="ru-RU" dirty="0" err="1" smtClean="0">
-                <a:solidFill>
-                  <a:schemeClr val="bg1">
-                    <a:lumMod val="95000"/>
-                  </a:schemeClr>
-                </a:solidFill>
-              </a:rPr>
-              <a:t>програмата</a:t>
-            </a:r>
-            <a:r>
-              <a:rPr lang="ru-RU" dirty="0" smtClean="0">
-                <a:solidFill>
-                  <a:schemeClr val="bg1">
-                    <a:lumMod val="95000"/>
-                  </a:schemeClr>
-                </a:solidFill>
-              </a:rPr>
-              <a:t> </a:t>
-            </a:r>
-            <a:r>
-              <a:rPr lang="ru-RU" dirty="0" err="1" smtClean="0">
-                <a:solidFill>
-                  <a:schemeClr val="bg1">
-                    <a:lumMod val="95000"/>
-                  </a:schemeClr>
-                </a:solidFill>
-              </a:rPr>
-              <a:t>настъпва</a:t>
-            </a:r>
-            <a:r>
-              <a:rPr lang="ru-RU" dirty="0" smtClean="0">
-                <a:solidFill>
-                  <a:schemeClr val="bg1">
-                    <a:lumMod val="95000"/>
-                  </a:schemeClr>
-                </a:solidFill>
-              </a:rPr>
-              <a:t>, </a:t>
-            </a:r>
-            <a:r>
-              <a:rPr lang="ru-RU" dirty="0" err="1" smtClean="0">
-                <a:solidFill>
-                  <a:schemeClr val="bg1">
-                    <a:lumMod val="95000"/>
-                  </a:schemeClr>
-                </a:solidFill>
-              </a:rPr>
-              <a:t>единствено</a:t>
-            </a:r>
-            <a:r>
-              <a:rPr lang="ru-RU" dirty="0" smtClean="0">
-                <a:solidFill>
-                  <a:schemeClr val="bg1">
-                    <a:lumMod val="95000"/>
-                  </a:schemeClr>
-                </a:solidFill>
-              </a:rPr>
-              <a:t> </a:t>
-            </a:r>
-            <a:r>
-              <a:rPr lang="ru-RU" dirty="0" err="1" smtClean="0">
-                <a:solidFill>
-                  <a:schemeClr val="bg1">
-                    <a:lumMod val="95000"/>
-                  </a:schemeClr>
-                </a:solidFill>
-              </a:rPr>
-              <a:t>когато</a:t>
-            </a:r>
-            <a:r>
-              <a:rPr lang="ru-RU" dirty="0" smtClean="0">
-                <a:solidFill>
-                  <a:schemeClr val="bg1">
-                    <a:lumMod val="95000"/>
-                  </a:schemeClr>
-                </a:solidFill>
-              </a:rPr>
-              <a:t> потребителя </a:t>
-            </a:r>
-            <a:r>
-              <a:rPr lang="ru-RU" dirty="0" err="1" smtClean="0">
-                <a:solidFill>
-                  <a:schemeClr val="bg1">
-                    <a:lumMod val="95000"/>
-                  </a:schemeClr>
-                </a:solidFill>
-              </a:rPr>
-              <a:t>въведе</a:t>
-            </a:r>
-            <a:r>
-              <a:rPr lang="ru-RU" dirty="0" smtClean="0">
-                <a:solidFill>
-                  <a:schemeClr val="bg1">
-                    <a:lumMod val="95000"/>
-                  </a:schemeClr>
-                </a:solidFill>
-              </a:rPr>
-              <a:t> </a:t>
-            </a:r>
-            <a:r>
-              <a:rPr lang="ru-RU" dirty="0" err="1" smtClean="0">
-                <a:solidFill>
-                  <a:schemeClr val="bg1">
-                    <a:lumMod val="95000"/>
-                  </a:schemeClr>
-                </a:solidFill>
-              </a:rPr>
-              <a:t>числото</a:t>
-            </a:r>
-            <a:r>
-              <a:rPr lang="ru-RU" dirty="0" smtClean="0">
-                <a:solidFill>
-                  <a:schemeClr val="bg1">
-                    <a:lumMod val="95000"/>
-                  </a:schemeClr>
-                </a:solidFill>
-              </a:rPr>
-              <a:t> 0.</a:t>
-            </a:r>
-          </a:p>
-        </p:txBody>
-      </p:sp>
+      </p:pic>
     </p:spTree>
     <p:extLst>
       <p:ext uri="{BB962C8B-B14F-4D97-AF65-F5344CB8AC3E}">
-        <p14:creationId xmlns:p14="http://schemas.microsoft.com/office/powerpoint/2010/main" val="1964197054"/>
+        <p14:creationId xmlns:p14="http://schemas.microsoft.com/office/powerpoint/2010/main" val="2960516284"/>
       </p:ext>
     </p:extLst>
   </p:cSld>
@@ -5644,9 +5557,7 @@
           </a:xfrm>
         </p:spPr>
         <p:txBody>
-          <a:bodyPr>
-            <a:normAutofit/>
-          </a:bodyPr>
+          <a:bodyPr/>
           <a:lstStyle/>
           <a:p>
             <a:pPr algn="l"/>
@@ -5656,15 +5567,7 @@
                   <a:schemeClr val="accent6"/>
                 </a:solidFill>
               </a:rPr>
-              <a:t>Операторът </a:t>
-            </a:r>
-            <a:r>
-              <a:rPr lang="en-US" dirty="0" smtClean="0">
-                <a:solidFill>
-                  <a:schemeClr val="accent6"/>
-                </a:solidFill>
-              </a:rPr>
-              <a:t>CONTINUE</a:t>
+              <a:t>Въпроси</a:t>
             </a:r>
             <a:endParaRPr lang="bg-BG" dirty="0">
               <a:solidFill>
@@ -5700,73 +5603,7 @@
               <a:buFont typeface="Wingdings" panose="05000000000000000000" pitchFamily="2" charset="2"/>
               <a:buChar char="§"/>
             </a:pPr>
-            <a:r>
-              <a:rPr lang="ru-RU" dirty="0" err="1">
-                <a:solidFill>
-                  <a:schemeClr val="bg1">
-                    <a:lumMod val="95000"/>
-                  </a:schemeClr>
-                </a:solidFill>
-              </a:rPr>
-              <a:t>Предизвиква</a:t>
-            </a:r>
-            <a:r>
-              <a:rPr lang="ru-RU" dirty="0">
-                <a:solidFill>
-                  <a:schemeClr val="bg1">
-                    <a:lumMod val="95000"/>
-                  </a:schemeClr>
-                </a:solidFill>
-              </a:rPr>
-              <a:t> нова итерация</a:t>
-            </a:r>
-          </a:p>
-          <a:p>
-            <a:pPr>
-              <a:buFont typeface="Wingdings" panose="05000000000000000000" pitchFamily="2" charset="2"/>
-              <a:buChar char="§"/>
-            </a:pPr>
-            <a:r>
-              <a:rPr lang="ru-RU" dirty="0">
-                <a:solidFill>
-                  <a:schemeClr val="bg1">
-                    <a:lumMod val="95000"/>
-                  </a:schemeClr>
-                </a:solidFill>
-              </a:rPr>
-              <a:t>Кода под </a:t>
-            </a:r>
-            <a:r>
-              <a:rPr lang="ru-RU" dirty="0" err="1">
-                <a:solidFill>
-                  <a:schemeClr val="bg1">
-                    <a:lumMod val="95000"/>
-                  </a:schemeClr>
-                </a:solidFill>
-              </a:rPr>
-              <a:t>цикълът</a:t>
-            </a:r>
-            <a:r>
-              <a:rPr lang="ru-RU" dirty="0">
-                <a:solidFill>
-                  <a:schemeClr val="bg1">
-                    <a:lumMod val="95000"/>
-                  </a:schemeClr>
-                </a:solidFill>
-              </a:rPr>
-              <a:t> не се </a:t>
-            </a:r>
-            <a:r>
-              <a:rPr lang="ru-RU" dirty="0" err="1">
-                <a:solidFill>
-                  <a:schemeClr val="bg1">
-                    <a:lumMod val="95000"/>
-                  </a:schemeClr>
-                </a:solidFill>
-              </a:rPr>
-              <a:t>изпълнява</a:t>
-            </a:r>
-            <a:endParaRPr lang="ru-RU" dirty="0">
+            <a:endParaRPr lang="en-US" dirty="0">
               <a:solidFill>
                 <a:schemeClr val="bg1">
                   <a:lumMod val="95000"/>
@@ -5779,137 +5616,7 @@
               <a:buFont typeface="Wingdings" panose="05000000000000000000" pitchFamily="2" charset="2"/>
               <a:buChar char="§"/>
             </a:pPr>
-            <a:r>
-              <a:rPr lang="ru-RU" dirty="0">
-                <a:solidFill>
-                  <a:schemeClr val="bg1">
-                    <a:lumMod val="95000"/>
-                  </a:schemeClr>
-                </a:solidFill>
-              </a:rPr>
-              <a:t>За </a:t>
-            </a:r>
-            <a:r>
-              <a:rPr lang="ru-RU" dirty="0" err="1">
-                <a:solidFill>
-                  <a:schemeClr val="bg1">
-                    <a:lumMod val="95000"/>
-                  </a:schemeClr>
-                </a:solidFill>
-              </a:rPr>
-              <a:t>разлика</a:t>
-            </a:r>
-            <a:r>
-              <a:rPr lang="ru-RU" dirty="0">
-                <a:solidFill>
-                  <a:schemeClr val="bg1">
-                    <a:lumMod val="95000"/>
-                  </a:schemeClr>
-                </a:solidFill>
-              </a:rPr>
-              <a:t> от оператора </a:t>
-            </a:r>
-            <a:r>
-              <a:rPr lang="ru-RU" dirty="0" err="1" smtClean="0">
-                <a:solidFill>
-                  <a:schemeClr val="bg1">
-                    <a:lumMod val="95000"/>
-                  </a:schemeClr>
-                </a:solidFill>
-              </a:rPr>
-              <a:t>break</a:t>
-            </a:r>
-            <a:r>
-              <a:rPr lang="ru-RU" dirty="0" smtClean="0">
-                <a:solidFill>
-                  <a:schemeClr val="bg1">
-                    <a:lumMod val="95000"/>
-                  </a:schemeClr>
-                </a:solidFill>
-              </a:rPr>
-              <a:t>, </a:t>
-            </a:r>
-            <a:r>
-              <a:rPr lang="ru-RU" dirty="0">
-                <a:solidFill>
-                  <a:schemeClr val="bg1">
-                    <a:lumMod val="95000"/>
-                  </a:schemeClr>
-                </a:solidFill>
-              </a:rPr>
-              <a:t>при </a:t>
-            </a:r>
-            <a:r>
-              <a:rPr lang="ru-RU" dirty="0" err="1">
-                <a:solidFill>
-                  <a:schemeClr val="bg1">
-                    <a:lumMod val="95000"/>
-                  </a:schemeClr>
-                </a:solidFill>
-              </a:rPr>
-              <a:t>continue</a:t>
-            </a:r>
-            <a:r>
-              <a:rPr lang="ru-RU" dirty="0">
-                <a:solidFill>
-                  <a:schemeClr val="bg1">
-                    <a:lumMod val="95000"/>
-                  </a:schemeClr>
-                </a:solidFill>
-              </a:rPr>
-              <a:t> </a:t>
-            </a:r>
-            <a:r>
-              <a:rPr lang="ru-RU" dirty="0" err="1">
-                <a:solidFill>
-                  <a:schemeClr val="bg1">
-                    <a:lumMod val="95000"/>
-                  </a:schemeClr>
-                </a:solidFill>
-              </a:rPr>
-              <a:t>цикълът</a:t>
-            </a:r>
-            <a:r>
-              <a:rPr lang="ru-RU" dirty="0">
-                <a:solidFill>
-                  <a:schemeClr val="bg1">
-                    <a:lumMod val="95000"/>
-                  </a:schemeClr>
-                </a:solidFill>
-              </a:rPr>
-              <a:t> </a:t>
-            </a:r>
-            <a:r>
-              <a:rPr lang="ru-RU" dirty="0" err="1">
-                <a:solidFill>
-                  <a:schemeClr val="bg1">
-                    <a:lumMod val="95000"/>
-                  </a:schemeClr>
-                </a:solidFill>
-              </a:rPr>
-              <a:t>продължава</a:t>
-            </a:r>
-            <a:r>
-              <a:rPr lang="ru-RU" dirty="0">
-                <a:solidFill>
-                  <a:schemeClr val="bg1">
-                    <a:lumMod val="95000"/>
-                  </a:schemeClr>
-                </a:solidFill>
-              </a:rPr>
-              <a:t> да се </a:t>
-            </a:r>
-            <a:r>
-              <a:rPr lang="ru-RU" dirty="0" err="1">
-                <a:solidFill>
-                  <a:schemeClr val="bg1">
-                    <a:lumMod val="95000"/>
-                  </a:schemeClr>
-                </a:solidFill>
-              </a:rPr>
-              <a:t>изпълнява</a:t>
-            </a:r>
-            <a:endParaRPr lang="ru-RU" dirty="0">
+            <a:endParaRPr lang="en-US" dirty="0">
               <a:solidFill>
                 <a:schemeClr val="bg1">
                   <a:lumMod val="95000"/>
@@ -5917,25 +5624,85 @@
               </a:solidFill>
             </a:endParaRPr>
           </a:p>
-        </p:txBody>
-      </p:sp>
+          <a:p>
+            <a:pPr>
+              <a:buFont typeface="Wingdings" panose="05000000000000000000" pitchFamily="2" charset="2"/>
+              <a:buChar char="§"/>
+            </a:pPr>
+            <a:endParaRPr lang="en-US" dirty="0">
+              <a:solidFill>
+                <a:schemeClr val="bg1">
+                  <a:lumMod val="95000"/>
+                </a:schemeClr>
+              </a:solidFill>
+            </a:endParaRPr>
+          </a:p>
+          <a:p>
+            <a:pPr>
+              <a:buFont typeface="Wingdings" panose="05000000000000000000" pitchFamily="2" charset="2"/>
+              <a:buChar char="§"/>
+            </a:pPr>
+            <a:endParaRPr lang="en-US" dirty="0">
+              <a:solidFill>
+                <a:schemeClr val="bg1">
+                  <a:lumMod val="95000"/>
+                </a:schemeClr>
+              </a:solidFill>
+            </a:endParaRPr>
+          </a:p>
+        </p:txBody>
+      </p:sp>
+      <p:pic>
+        <p:nvPicPr>
+          <p:cNvPr id="1027" name="Picture 3" descr="C:\Users\Lazar\Desktop\01-red-question-mark1.jpg"/>
+          <p:cNvPicPr>
+            <a:picLocks noChangeAspect="1" noChangeArrowheads="1"/>
+          </p:cNvPicPr>
+          <p:nvPr/>
+        </p:nvPicPr>
+        <p:blipFill>
+          <a:blip r:embed="rId2" cstate="print">
+            <a:extLst>
+              <a:ext uri="{28A0092B-C50C-407E-A947-70E740481C1C}">
+                <a14:useLocalDpi xmlns:a14="http://schemas.microsoft.com/office/drawing/2010/main" val="0"/>
+              </a:ext>
+            </a:extLst>
+          </a:blip>
+          <a:srcRect/>
+          <a:stretch>
+            <a:fillRect/>
+          </a:stretch>
+        </p:blipFill>
+        <p:spPr bwMode="auto">
+          <a:xfrm>
+            <a:off x="3505200" y="2057400"/>
+            <a:ext cx="2419082" cy="2419082"/>
+          </a:xfrm>
+          <a:prstGeom prst="rect">
+            <a:avLst/>
+          </a:prstGeom>
+          <a:noFill/>
+          <a:extLst>
+            <a:ext uri="{909E8E84-426E-40DD-AFC4-6F175D3DCCD1}">
+              <a14:hiddenFill xmlns:a14="http://schemas.microsoft.com/office/drawing/2010/main">
+                <a:solidFill>
+                  <a:srgbClr val="FFFFFF"/>
+                </a:solidFill>
+              </a14:hiddenFill>
+            </a:ext>
+          </a:extLst>
+        </p:spPr>
+      </p:pic>
     </p:spTree>
     <p:extLst>
       <p:ext uri="{BB962C8B-B14F-4D97-AF65-F5344CB8AC3E}">
-        <p14:creationId xmlns:p14="http://schemas.microsoft.com/office/powerpoint/2010/main" val="2510310197"/>
+        <p14:creationId xmlns:p14="http://schemas.microsoft.com/office/powerpoint/2010/main" val="3854716579"/>
       </p:ext>
     </p:extLst>
   </p:cSld>
   <p:clrMapOvr>
     <a:masterClrMapping/>
   </p:clrMapOvr>
-  <p:timing>
-    <p:tnLst>
-      <p:par>
-        <p:cTn id="1" dur="indefinite" restart="never" nodeType="tmRoot"/>
-      </p:par>
-    </p:tnLst>
-  </p:timing>
 </p:sld>
 </file>
 
@@ -6557,35 +6324,17 @@
           </a:xfrm>
         </p:spPr>
         <p:txBody>
-          <a:bodyPr>
-            <a:normAutofit/>
-          </a:bodyPr>
+          <a:bodyPr/>
           <a:lstStyle/>
           <a:p>
             <a:pPr algn="l"/>
             <a:r>
-              <a:rPr lang="bg-BG" dirty="0" err="1" smtClean="0">
+              <a:rPr lang="bg-BG" dirty="0" smtClean="0">
                 <a:solidFill>
                   <a:schemeClr val="accent6"/>
                 </a:solidFill>
               </a:rPr>
-              <a:t>Демо</a:t>
-            </a:r>
-            <a:r>
-              <a:rPr lang="bg-BG" dirty="0" smtClean="0">
-                <a:solidFill>
-                  <a:schemeClr val="accent6"/>
-                </a:solidFill>
-              </a:rPr>
-              <a:t> на оператора </a:t>
-            </a:r>
-            <a:r>
-              <a:rPr lang="en-US" dirty="0" smtClean="0">
-                <a:solidFill>
-                  <a:schemeClr val="accent6"/>
-                </a:solidFill>
-              </a:rPr>
-              <a:t>CONTINUE</a:t>
+              <a:t>Задачи за домашна работа</a:t>
             </a:r>
             <a:endParaRPr lang="bg-BG" dirty="0">
               <a:solidFill>
@@ -6595,51 +6344,682 @@
           </a:p>
         </p:txBody>
       </p:sp>
-      <p:pic>
-        <p:nvPicPr>
-          <p:cNvPr id="5" name="Picture 2" descr="http://uraniuminvestingnews.com/files/2010/08/uranium-prices-continue-to-climb2.jpg"/>
-          <p:cNvPicPr>
-            <a:picLocks noChangeAspect="1" noChangeArrowheads="1"/>
-          </p:cNvPicPr>
-          <p:nvPr/>
-        </p:nvPicPr>
-        <p:blipFill>
-          <a:blip r:embed="rId2">
-            <a:extLst>
-              <a:ext uri="{28A0092B-C50C-407E-A947-70E740481C1C}">
-                <a14:useLocalDpi xmlns:a14="http://schemas.microsoft.com/office/drawing/2010/main" val="0"/>
-              </a:ext>
-            </a:extLst>
-          </a:blip>
-          <a:srcRect/>
-          <a:stretch>
-            <a:fillRect/>
-          </a:stretch>
-        </p:blipFill>
-        <p:spPr bwMode="auto">
+      <p:sp>
+        <p:nvSpPr>
+          <p:cNvPr id="3" name="Content Placeholder 2"/>
+          <p:cNvSpPr>
+            <a:spLocks noGrp="1"/>
+          </p:cNvSpPr>
+          <p:nvPr>
+            <p:ph idx="1"/>
+          </p:nvPr>
+        </p:nvSpPr>
+        <p:spPr>
           <a:xfrm>
-            <a:off x="2895600" y="2209800"/>
-            <a:ext cx="3612781" cy="2447369"/>
+            <a:off x="762000" y="1676400"/>
+            <a:ext cx="7620000" cy="4876800"/>
           </a:xfrm>
-          <a:prstGeom prst="rect">
-            <a:avLst/>
-          </a:prstGeom>
-          <a:noFill/>
-          <a:extLst>
-            <a:ext uri="{909E8E84-426E-40DD-AFC4-6F175D3DCCD1}">
-              <a14:hiddenFill xmlns:a14="http://schemas.microsoft.com/office/drawing/2010/main">
-                <a:solidFill>
-                  <a:srgbClr val="FFFFFF"/>
-                </a:solidFill>
-              </a14:hiddenFill>
-            </a:ext>
-          </a:extLst>
         </p:spPr>
-      </p:pic>
+        <p:txBody>
+          <a:bodyPr>
+            <a:noAutofit/>
+          </a:bodyPr>
+          <a:lstStyle/>
+          <a:p>
+            <a:pPr>
+              <a:buFont typeface="Wingdings" panose="05000000000000000000" pitchFamily="2" charset="2"/>
+              <a:buChar char="§"/>
+            </a:pPr>
+            <a:r>
+              <a:rPr lang="ru-RU" sz="2000" dirty="0">
+                <a:solidFill>
+                  <a:schemeClr val="bg1">
+                    <a:lumMod val="95000"/>
+                  </a:schemeClr>
+                </a:solidFill>
+              </a:rPr>
+              <a:t>Напишете </a:t>
+            </a:r>
+            <a:r>
+              <a:rPr lang="ru-RU" sz="2000" dirty="0" err="1">
+                <a:solidFill>
+                  <a:schemeClr val="bg1">
+                    <a:lumMod val="95000"/>
+                  </a:schemeClr>
+                </a:solidFill>
+              </a:rPr>
+              <a:t>програма</a:t>
+            </a:r>
+            <a:r>
+              <a:rPr lang="ru-RU" sz="2000" dirty="0">
+                <a:solidFill>
+                  <a:schemeClr val="bg1">
+                    <a:lumMod val="95000"/>
+                  </a:schemeClr>
+                </a:solidFill>
+              </a:rPr>
+              <a:t>, </a:t>
+            </a:r>
+            <a:r>
+              <a:rPr lang="ru-RU" sz="2000" dirty="0" err="1">
+                <a:solidFill>
+                  <a:schemeClr val="bg1">
+                    <a:lumMod val="95000"/>
+                  </a:schemeClr>
+                </a:solidFill>
+              </a:rPr>
+              <a:t>която</a:t>
+            </a:r>
+            <a:r>
+              <a:rPr lang="ru-RU" sz="2000" dirty="0">
+                <a:solidFill>
+                  <a:schemeClr val="bg1">
+                    <a:lumMod val="95000"/>
+                  </a:schemeClr>
+                </a:solidFill>
+              </a:rPr>
+              <a:t> </a:t>
+            </a:r>
+            <a:r>
+              <a:rPr lang="ru-RU" sz="2000" dirty="0" err="1">
+                <a:solidFill>
+                  <a:schemeClr val="bg1">
+                    <a:lumMod val="95000"/>
+                  </a:schemeClr>
+                </a:solidFill>
+              </a:rPr>
+              <a:t>отпечатва</a:t>
+            </a:r>
+            <a:r>
+              <a:rPr lang="ru-RU" sz="2000" dirty="0">
+                <a:solidFill>
+                  <a:schemeClr val="bg1">
+                    <a:lumMod val="95000"/>
+                  </a:schemeClr>
+                </a:solidFill>
+              </a:rPr>
+              <a:t> на </a:t>
+            </a:r>
+            <a:r>
+              <a:rPr lang="ru-RU" sz="2000" dirty="0" err="1">
+                <a:solidFill>
+                  <a:schemeClr val="bg1">
+                    <a:lumMod val="95000"/>
+                  </a:schemeClr>
+                </a:solidFill>
+              </a:rPr>
+              <a:t>конзолата</a:t>
+            </a:r>
+            <a:r>
+              <a:rPr lang="ru-RU" sz="2000" dirty="0">
+                <a:solidFill>
+                  <a:schemeClr val="bg1">
+                    <a:lumMod val="95000"/>
+                  </a:schemeClr>
+                </a:solidFill>
+              </a:rPr>
+              <a:t> </a:t>
+            </a:r>
+            <a:r>
+              <a:rPr lang="ru-RU" sz="2000" dirty="0" err="1">
+                <a:solidFill>
+                  <a:schemeClr val="bg1">
+                    <a:lumMod val="95000"/>
+                  </a:schemeClr>
+                </a:solidFill>
+              </a:rPr>
+              <a:t>числата</a:t>
+            </a:r>
+            <a:r>
+              <a:rPr lang="ru-RU" sz="2000" dirty="0">
+                <a:solidFill>
+                  <a:schemeClr val="bg1">
+                    <a:lumMod val="95000"/>
+                  </a:schemeClr>
+                </a:solidFill>
+              </a:rPr>
+              <a:t> от 1 до N. </a:t>
+            </a:r>
+            <a:r>
+              <a:rPr lang="ru-RU" sz="2000" dirty="0" err="1">
+                <a:solidFill>
+                  <a:schemeClr val="bg1">
+                    <a:lumMod val="95000"/>
+                  </a:schemeClr>
+                </a:solidFill>
+              </a:rPr>
+              <a:t>Числото</a:t>
+            </a:r>
+            <a:r>
+              <a:rPr lang="ru-RU" sz="2000" dirty="0">
+                <a:solidFill>
+                  <a:schemeClr val="bg1">
+                    <a:lumMod val="95000"/>
+                  </a:schemeClr>
+                </a:solidFill>
+              </a:rPr>
+              <a:t> N се </a:t>
+            </a:r>
+            <a:r>
+              <a:rPr lang="ru-RU" sz="2000" dirty="0" err="1">
+                <a:solidFill>
+                  <a:schemeClr val="bg1">
+                    <a:lumMod val="95000"/>
+                  </a:schemeClr>
+                </a:solidFill>
+              </a:rPr>
+              <a:t>въвежда</a:t>
+            </a:r>
+            <a:r>
+              <a:rPr lang="ru-RU" sz="2000" dirty="0">
+                <a:solidFill>
+                  <a:schemeClr val="bg1">
+                    <a:lumMod val="95000"/>
+                  </a:schemeClr>
+                </a:solidFill>
+              </a:rPr>
+              <a:t> от </a:t>
+            </a:r>
+            <a:r>
+              <a:rPr lang="ru-RU" sz="2000" dirty="0" err="1">
+                <a:solidFill>
+                  <a:schemeClr val="bg1">
+                    <a:lumMod val="95000"/>
+                  </a:schemeClr>
+                </a:solidFill>
+              </a:rPr>
+              <a:t>конзолата</a:t>
+            </a:r>
+            <a:r>
+              <a:rPr lang="ru-RU" sz="2000" dirty="0">
+                <a:solidFill>
+                  <a:schemeClr val="bg1">
+                    <a:lumMod val="95000"/>
+                  </a:schemeClr>
+                </a:solidFill>
+              </a:rPr>
+              <a:t>.</a:t>
+            </a:r>
+          </a:p>
+          <a:p>
+            <a:pPr>
+              <a:buFont typeface="Wingdings" panose="05000000000000000000" pitchFamily="2" charset="2"/>
+              <a:buChar char="§"/>
+            </a:pPr>
+            <a:r>
+              <a:rPr lang="ru-RU" sz="2000" dirty="0">
+                <a:solidFill>
+                  <a:schemeClr val="bg1">
+                    <a:lumMod val="95000"/>
+                  </a:schemeClr>
+                </a:solidFill>
+              </a:rPr>
+              <a:t>Напишете </a:t>
+            </a:r>
+            <a:r>
+              <a:rPr lang="ru-RU" sz="2000" dirty="0" err="1">
+                <a:solidFill>
+                  <a:schemeClr val="bg1">
+                    <a:lumMod val="95000"/>
+                  </a:schemeClr>
+                </a:solidFill>
+              </a:rPr>
+              <a:t>програма</a:t>
+            </a:r>
+            <a:r>
+              <a:rPr lang="ru-RU" sz="2000" dirty="0">
+                <a:solidFill>
+                  <a:schemeClr val="bg1">
+                    <a:lumMod val="95000"/>
+                  </a:schemeClr>
+                </a:solidFill>
+              </a:rPr>
+              <a:t>, </a:t>
+            </a:r>
+            <a:r>
+              <a:rPr lang="ru-RU" sz="2000" dirty="0" err="1">
+                <a:solidFill>
+                  <a:schemeClr val="bg1">
+                    <a:lumMod val="95000"/>
+                  </a:schemeClr>
+                </a:solidFill>
+              </a:rPr>
+              <a:t>която</a:t>
+            </a:r>
+            <a:r>
+              <a:rPr lang="ru-RU" sz="2000" dirty="0">
+                <a:solidFill>
+                  <a:schemeClr val="bg1">
+                    <a:lumMod val="95000"/>
+                  </a:schemeClr>
+                </a:solidFill>
+              </a:rPr>
+              <a:t> </a:t>
+            </a:r>
+            <a:r>
+              <a:rPr lang="ru-RU" sz="2000" dirty="0" err="1">
+                <a:solidFill>
+                  <a:schemeClr val="bg1">
+                    <a:lumMod val="95000"/>
+                  </a:schemeClr>
+                </a:solidFill>
+              </a:rPr>
+              <a:t>отпечатва</a:t>
+            </a:r>
+            <a:r>
+              <a:rPr lang="ru-RU" sz="2000" dirty="0">
+                <a:solidFill>
+                  <a:schemeClr val="bg1">
+                    <a:lumMod val="95000"/>
+                  </a:schemeClr>
+                </a:solidFill>
+              </a:rPr>
+              <a:t> на </a:t>
+            </a:r>
+            <a:r>
+              <a:rPr lang="ru-RU" sz="2000" dirty="0" err="1">
+                <a:solidFill>
+                  <a:schemeClr val="bg1">
+                    <a:lumMod val="95000"/>
+                  </a:schemeClr>
+                </a:solidFill>
+              </a:rPr>
+              <a:t>конзолата</a:t>
+            </a:r>
+            <a:r>
+              <a:rPr lang="ru-RU" sz="2000" dirty="0">
+                <a:solidFill>
+                  <a:schemeClr val="bg1">
+                    <a:lumMod val="95000"/>
+                  </a:schemeClr>
+                </a:solidFill>
+              </a:rPr>
+              <a:t> </a:t>
+            </a:r>
+            <a:r>
+              <a:rPr lang="ru-RU" sz="2000" dirty="0" err="1">
+                <a:solidFill>
+                  <a:schemeClr val="bg1">
+                    <a:lumMod val="95000"/>
+                  </a:schemeClr>
+                </a:solidFill>
+              </a:rPr>
+              <a:t>числата</a:t>
+            </a:r>
+            <a:r>
+              <a:rPr lang="ru-RU" sz="2000" dirty="0">
+                <a:solidFill>
+                  <a:schemeClr val="bg1">
+                    <a:lumMod val="95000"/>
+                  </a:schemeClr>
+                </a:solidFill>
+              </a:rPr>
+              <a:t> от 1 до N, </a:t>
+            </a:r>
+            <a:r>
+              <a:rPr lang="ru-RU" sz="2000" dirty="0" err="1">
+                <a:solidFill>
+                  <a:schemeClr val="bg1">
+                    <a:lumMod val="95000"/>
+                  </a:schemeClr>
+                </a:solidFill>
+              </a:rPr>
+              <a:t>които</a:t>
+            </a:r>
+            <a:r>
+              <a:rPr lang="ru-RU" sz="2000" dirty="0">
+                <a:solidFill>
+                  <a:schemeClr val="bg1">
+                    <a:lumMod val="95000"/>
+                  </a:schemeClr>
+                </a:solidFill>
+              </a:rPr>
+              <a:t> не се делят на 3 и 7. </a:t>
+            </a:r>
+            <a:r>
+              <a:rPr lang="ru-RU" sz="2000" dirty="0" err="1">
+                <a:solidFill>
+                  <a:schemeClr val="bg1">
+                    <a:lumMod val="95000"/>
+                  </a:schemeClr>
+                </a:solidFill>
+              </a:rPr>
+              <a:t>Числото</a:t>
+            </a:r>
+            <a:r>
+              <a:rPr lang="ru-RU" sz="2000" dirty="0">
+                <a:solidFill>
+                  <a:schemeClr val="bg1">
+                    <a:lumMod val="95000"/>
+                  </a:schemeClr>
+                </a:solidFill>
+              </a:rPr>
+              <a:t> N се </a:t>
+            </a:r>
+            <a:r>
+              <a:rPr lang="ru-RU" sz="2000" dirty="0" err="1">
+                <a:solidFill>
+                  <a:schemeClr val="bg1">
+                    <a:lumMod val="95000"/>
+                  </a:schemeClr>
+                </a:solidFill>
+              </a:rPr>
+              <a:t>въвежда</a:t>
+            </a:r>
+            <a:r>
+              <a:rPr lang="ru-RU" sz="2000" dirty="0">
+                <a:solidFill>
+                  <a:schemeClr val="bg1">
+                    <a:lumMod val="95000"/>
+                  </a:schemeClr>
+                </a:solidFill>
+              </a:rPr>
+              <a:t> от </a:t>
+            </a:r>
+            <a:r>
+              <a:rPr lang="ru-RU" sz="2000" dirty="0" err="1">
+                <a:solidFill>
+                  <a:schemeClr val="bg1">
+                    <a:lumMod val="95000"/>
+                  </a:schemeClr>
+                </a:solidFill>
+              </a:rPr>
+              <a:t>конзолата</a:t>
+            </a:r>
+            <a:r>
+              <a:rPr lang="ru-RU" sz="2000" dirty="0">
+                <a:solidFill>
+                  <a:schemeClr val="bg1">
+                    <a:lumMod val="95000"/>
+                  </a:schemeClr>
+                </a:solidFill>
+              </a:rPr>
+              <a:t>.</a:t>
+            </a:r>
+          </a:p>
+          <a:p>
+            <a:pPr>
+              <a:buFont typeface="Wingdings" panose="05000000000000000000" pitchFamily="2" charset="2"/>
+              <a:buChar char="§"/>
+            </a:pPr>
+            <a:r>
+              <a:rPr lang="ru-RU" sz="2000" dirty="0">
+                <a:solidFill>
+                  <a:schemeClr val="bg1">
+                    <a:lumMod val="95000"/>
+                  </a:schemeClr>
+                </a:solidFill>
+              </a:rPr>
+              <a:t>Напишете </a:t>
+            </a:r>
+            <a:r>
+              <a:rPr lang="ru-RU" sz="2000" dirty="0" err="1">
+                <a:solidFill>
+                  <a:schemeClr val="bg1">
+                    <a:lumMod val="95000"/>
+                  </a:schemeClr>
+                </a:solidFill>
+              </a:rPr>
+              <a:t>програма</a:t>
+            </a:r>
+            <a:r>
+              <a:rPr lang="ru-RU" sz="2000" dirty="0">
+                <a:solidFill>
+                  <a:schemeClr val="bg1">
+                    <a:lumMod val="95000"/>
+                  </a:schemeClr>
+                </a:solidFill>
+              </a:rPr>
+              <a:t>, </a:t>
+            </a:r>
+            <a:r>
+              <a:rPr lang="ru-RU" sz="2000" dirty="0" err="1">
+                <a:solidFill>
+                  <a:schemeClr val="bg1">
+                    <a:lumMod val="95000"/>
+                  </a:schemeClr>
+                </a:solidFill>
+              </a:rPr>
+              <a:t>която</a:t>
+            </a:r>
+            <a:r>
+              <a:rPr lang="ru-RU" sz="2000" dirty="0">
+                <a:solidFill>
+                  <a:schemeClr val="bg1">
+                    <a:lumMod val="95000"/>
+                  </a:schemeClr>
+                </a:solidFill>
+              </a:rPr>
+              <a:t> чете от </a:t>
+            </a:r>
+            <a:r>
+              <a:rPr lang="ru-RU" sz="2000" dirty="0" err="1">
+                <a:solidFill>
+                  <a:schemeClr val="bg1">
+                    <a:lumMod val="95000"/>
+                  </a:schemeClr>
+                </a:solidFill>
+              </a:rPr>
+              <a:t>конзолата</a:t>
+            </a:r>
+            <a:r>
+              <a:rPr lang="ru-RU" sz="2000" dirty="0">
+                <a:solidFill>
+                  <a:schemeClr val="bg1">
+                    <a:lumMod val="95000"/>
+                  </a:schemeClr>
+                </a:solidFill>
+              </a:rPr>
+              <a:t> </a:t>
+            </a:r>
+            <a:r>
+              <a:rPr lang="ru-RU" sz="2000" dirty="0" err="1">
+                <a:solidFill>
+                  <a:schemeClr val="bg1">
+                    <a:lumMod val="95000"/>
+                  </a:schemeClr>
+                </a:solidFill>
+              </a:rPr>
+              <a:t>поредица</a:t>
+            </a:r>
+            <a:r>
+              <a:rPr lang="ru-RU" sz="2000" dirty="0">
+                <a:solidFill>
+                  <a:schemeClr val="bg1">
+                    <a:lumMod val="95000"/>
+                  </a:schemeClr>
+                </a:solidFill>
+              </a:rPr>
+              <a:t> от цели числа (примерно 5 числа) и </a:t>
+            </a:r>
+            <a:r>
+              <a:rPr lang="ru-RU" sz="2000" dirty="0" err="1">
+                <a:solidFill>
+                  <a:schemeClr val="bg1">
+                    <a:lumMod val="95000"/>
+                  </a:schemeClr>
+                </a:solidFill>
+              </a:rPr>
+              <a:t>отпечатва</a:t>
+            </a:r>
+            <a:r>
+              <a:rPr lang="ru-RU" sz="2000" dirty="0">
+                <a:solidFill>
+                  <a:schemeClr val="bg1">
+                    <a:lumMod val="95000"/>
+                  </a:schemeClr>
+                </a:solidFill>
+              </a:rPr>
+              <a:t> </a:t>
+            </a:r>
+            <a:r>
+              <a:rPr lang="ru-RU" sz="2000" dirty="0" err="1">
+                <a:solidFill>
+                  <a:schemeClr val="bg1">
+                    <a:lumMod val="95000"/>
+                  </a:schemeClr>
+                </a:solidFill>
+              </a:rPr>
+              <a:t>най-малкото</a:t>
+            </a:r>
+            <a:r>
+              <a:rPr lang="ru-RU" sz="2000" dirty="0">
+                <a:solidFill>
+                  <a:schemeClr val="bg1">
+                    <a:lumMod val="95000"/>
+                  </a:schemeClr>
+                </a:solidFill>
+              </a:rPr>
+              <a:t> и </a:t>
+            </a:r>
+            <a:r>
+              <a:rPr lang="ru-RU" sz="2000" dirty="0" err="1">
+                <a:solidFill>
+                  <a:schemeClr val="bg1">
+                    <a:lumMod val="95000"/>
+                  </a:schemeClr>
+                </a:solidFill>
+              </a:rPr>
+              <a:t>най-голямото</a:t>
+            </a:r>
+            <a:r>
+              <a:rPr lang="ru-RU" sz="2000" dirty="0">
+                <a:solidFill>
+                  <a:schemeClr val="bg1">
+                    <a:lumMod val="95000"/>
+                  </a:schemeClr>
+                </a:solidFill>
+              </a:rPr>
+              <a:t> от </a:t>
+            </a:r>
+            <a:r>
+              <a:rPr lang="ru-RU" sz="2000" dirty="0" err="1">
+                <a:solidFill>
+                  <a:schemeClr val="bg1">
+                    <a:lumMod val="95000"/>
+                  </a:schemeClr>
+                </a:solidFill>
+              </a:rPr>
+              <a:t>тях</a:t>
+            </a:r>
+            <a:r>
+              <a:rPr lang="ru-RU" sz="2000" dirty="0">
+                <a:solidFill>
+                  <a:schemeClr val="bg1">
+                    <a:lumMod val="95000"/>
+                  </a:schemeClr>
+                </a:solidFill>
+              </a:rPr>
+              <a:t>.</a:t>
+            </a:r>
+          </a:p>
+          <a:p>
+            <a:pPr>
+              <a:buFont typeface="Wingdings" panose="05000000000000000000" pitchFamily="2" charset="2"/>
+              <a:buChar char="§"/>
+            </a:pPr>
+            <a:r>
+              <a:rPr lang="ru-RU" sz="2000" dirty="0">
+                <a:solidFill>
+                  <a:schemeClr val="bg1">
+                    <a:lumMod val="95000"/>
+                  </a:schemeClr>
+                </a:solidFill>
+              </a:rPr>
+              <a:t>Направете програма, която извежда на конзолата всички числа от 1 до 100, които се делят или на 7, или на 11, без </a:t>
+            </a:r>
+            <a:r>
+              <a:rPr lang="ru-RU" sz="2000" dirty="0" smtClean="0">
+                <a:solidFill>
+                  <a:schemeClr val="bg1">
+                    <a:lumMod val="95000"/>
+                  </a:schemeClr>
+                </a:solidFill>
+              </a:rPr>
+              <a:t>остатък.</a:t>
+            </a:r>
+            <a:r>
+              <a:rPr lang="en-US" sz="2000" dirty="0" smtClean="0">
+                <a:solidFill>
+                  <a:schemeClr val="bg1">
+                    <a:lumMod val="95000"/>
+                  </a:schemeClr>
+                </a:solidFill>
+              </a:rPr>
+              <a:t> </a:t>
+            </a:r>
+            <a:r>
+              <a:rPr lang="ru-RU" sz="2000" dirty="0" smtClean="0">
+                <a:solidFill>
+                  <a:schemeClr val="bg1">
+                    <a:lumMod val="95000"/>
+                  </a:schemeClr>
+                </a:solidFill>
+              </a:rPr>
+              <a:t>Решете </a:t>
+            </a:r>
+            <a:r>
+              <a:rPr lang="ru-RU" sz="2000" dirty="0">
+                <a:solidFill>
+                  <a:schemeClr val="bg1">
+                    <a:lumMod val="95000"/>
+                  </a:schemeClr>
+                </a:solidFill>
+              </a:rPr>
+              <a:t>задачата по 3 различни начина: с трите цикли от </a:t>
+            </a:r>
+            <a:r>
+              <a:rPr lang="ru-RU" sz="2000" dirty="0" smtClean="0">
+                <a:solidFill>
+                  <a:schemeClr val="bg1">
+                    <a:lumMod val="95000"/>
+                  </a:schemeClr>
+                </a:solidFill>
+              </a:rPr>
+              <a:t>лекцията</a:t>
+            </a:r>
+            <a:endParaRPr lang="en-US" sz="2000" dirty="0" smtClean="0">
+              <a:solidFill>
+                <a:schemeClr val="bg1">
+                  <a:lumMod val="95000"/>
+                </a:schemeClr>
+              </a:solidFill>
+            </a:endParaRPr>
+          </a:p>
+          <a:p>
+            <a:pPr>
+              <a:buFont typeface="Wingdings" panose="05000000000000000000" pitchFamily="2" charset="2"/>
+              <a:buChar char="§"/>
+            </a:pPr>
+            <a:r>
+              <a:rPr lang="ru-RU" sz="2000" dirty="0">
+                <a:solidFill>
+                  <a:schemeClr val="bg1">
+                    <a:lumMod val="95000"/>
+                  </a:schemeClr>
+                </a:solidFill>
+              </a:rPr>
+              <a:t>Напишете програма, която кара потребителя за въвежда числа и ги сумира. Края на програмата настъпва, единствено когато потребителя въведе числото 0.</a:t>
+            </a:r>
+          </a:p>
+          <a:p>
+            <a:pPr marL="0" indent="0">
+              <a:buNone/>
+            </a:pPr>
+            <a:endParaRPr lang="ru-RU" sz="2000" dirty="0">
+              <a:solidFill>
+                <a:schemeClr val="bg1">
+                  <a:lumMod val="95000"/>
+                </a:schemeClr>
+              </a:solidFill>
+            </a:endParaRPr>
+          </a:p>
+        </p:txBody>
+      </p:sp>
     </p:spTree>
     <p:extLst>
       <p:ext uri="{BB962C8B-B14F-4D97-AF65-F5344CB8AC3E}">
-        <p14:creationId xmlns:p14="http://schemas.microsoft.com/office/powerpoint/2010/main" val="2960516284"/>
+        <p14:creationId xmlns:p14="http://schemas.microsoft.com/office/powerpoint/2010/main" val="2116233219"/>
       </p:ext>
     </p:extLst>
   </p:cSld>
@@ -6690,597 +7070,6 @@
           </a:xfrm>
         </p:spPr>
         <p:txBody>
-          <a:bodyPr>
-            <a:normAutofit/>
-          </a:bodyPr>
-          <a:lstStyle/>
-          <a:p>
-            <a:pPr algn="l"/>
-            <a:r>
-              <a:rPr lang="bg-BG" dirty="0" smtClean="0">
-                <a:solidFill>
-                  <a:schemeClr val="accent6"/>
-                </a:solidFill>
-              </a:rPr>
-              <a:t>Задача</a:t>
-            </a:r>
-            <a:endParaRPr lang="bg-BG" dirty="0">
-              <a:solidFill>
-                <a:schemeClr val="accent6"/>
-              </a:solidFill>
-            </a:endParaRPr>
-          </a:p>
-        </p:txBody>
-      </p:sp>
-      <p:sp>
-        <p:nvSpPr>
-          <p:cNvPr id="3" name="Content Placeholder 2"/>
-          <p:cNvSpPr>
-            <a:spLocks noGrp="1"/>
-          </p:cNvSpPr>
-          <p:nvPr>
-            <p:ph idx="1"/>
-          </p:nvPr>
-        </p:nvSpPr>
-        <p:spPr>
-          <a:xfrm>
-            <a:off x="762000" y="1676400"/>
-            <a:ext cx="7620000" cy="4525963"/>
-          </a:xfrm>
-        </p:spPr>
-        <p:txBody>
-          <a:bodyPr>
-            <a:normAutofit/>
-          </a:bodyPr>
-          <a:lstStyle/>
-          <a:p>
-            <a:pPr>
-              <a:buFont typeface="Wingdings" panose="05000000000000000000" pitchFamily="2" charset="2"/>
-              <a:buChar char="§"/>
-            </a:pPr>
-            <a:r>
-              <a:rPr lang="ru-RU" dirty="0" err="1">
-                <a:solidFill>
-                  <a:schemeClr val="bg1">
-                    <a:lumMod val="95000"/>
-                  </a:schemeClr>
-                </a:solidFill>
-              </a:rPr>
-              <a:t>Направете</a:t>
-            </a:r>
-            <a:r>
-              <a:rPr lang="ru-RU" dirty="0">
-                <a:solidFill>
-                  <a:schemeClr val="bg1">
-                    <a:lumMod val="95000"/>
-                  </a:schemeClr>
-                </a:solidFill>
-              </a:rPr>
-              <a:t> </a:t>
-            </a:r>
-            <a:r>
-              <a:rPr lang="ru-RU" dirty="0" err="1">
-                <a:solidFill>
-                  <a:schemeClr val="bg1">
-                    <a:lumMod val="95000"/>
-                  </a:schemeClr>
-                </a:solidFill>
-              </a:rPr>
-              <a:t>програма</a:t>
-            </a:r>
-            <a:r>
-              <a:rPr lang="ru-RU" dirty="0">
-                <a:solidFill>
-                  <a:schemeClr val="bg1">
-                    <a:lumMod val="95000"/>
-                  </a:schemeClr>
-                </a:solidFill>
-              </a:rPr>
-              <a:t>, </a:t>
-            </a:r>
-            <a:r>
-              <a:rPr lang="ru-RU" dirty="0" err="1">
-                <a:solidFill>
-                  <a:schemeClr val="bg1">
-                    <a:lumMod val="95000"/>
-                  </a:schemeClr>
-                </a:solidFill>
-              </a:rPr>
-              <a:t>която</a:t>
-            </a:r>
-            <a:r>
-              <a:rPr lang="ru-RU" dirty="0">
-                <a:solidFill>
-                  <a:schemeClr val="bg1">
-                    <a:lumMod val="95000"/>
-                  </a:schemeClr>
-                </a:solidFill>
-              </a:rPr>
-              <a:t> </a:t>
-            </a:r>
-            <a:r>
-              <a:rPr lang="ru-RU" dirty="0" err="1">
-                <a:solidFill>
-                  <a:schemeClr val="bg1">
-                    <a:lumMod val="95000"/>
-                  </a:schemeClr>
-                </a:solidFill>
-              </a:rPr>
-              <a:t>извежда</a:t>
-            </a:r>
-            <a:r>
-              <a:rPr lang="ru-RU" dirty="0">
-                <a:solidFill>
-                  <a:schemeClr val="bg1">
-                    <a:lumMod val="95000"/>
-                  </a:schemeClr>
-                </a:solidFill>
-              </a:rPr>
-              <a:t> на </a:t>
-            </a:r>
-            <a:r>
-              <a:rPr lang="ru-RU" dirty="0" err="1">
-                <a:solidFill>
-                  <a:schemeClr val="bg1">
-                    <a:lumMod val="95000"/>
-                  </a:schemeClr>
-                </a:solidFill>
-              </a:rPr>
-              <a:t>конзолата</a:t>
-            </a:r>
-            <a:r>
-              <a:rPr lang="ru-RU" dirty="0">
-                <a:solidFill>
-                  <a:schemeClr val="bg1">
-                    <a:lumMod val="95000"/>
-                  </a:schemeClr>
-                </a:solidFill>
-              </a:rPr>
-              <a:t> </a:t>
-            </a:r>
-            <a:r>
-              <a:rPr lang="ru-RU" dirty="0" err="1">
-                <a:solidFill>
-                  <a:schemeClr val="bg1">
-                    <a:lumMod val="95000"/>
-                  </a:schemeClr>
-                </a:solidFill>
-              </a:rPr>
-              <a:t>всички</a:t>
-            </a:r>
-            <a:r>
-              <a:rPr lang="ru-RU" dirty="0">
-                <a:solidFill>
-                  <a:schemeClr val="bg1">
-                    <a:lumMod val="95000"/>
-                  </a:schemeClr>
-                </a:solidFill>
-              </a:rPr>
-              <a:t> числа от 1 до </a:t>
-            </a:r>
-            <a:r>
-              <a:rPr lang="ru-RU" dirty="0" smtClean="0">
-                <a:solidFill>
-                  <a:schemeClr val="bg1">
-                    <a:lumMod val="95000"/>
-                  </a:schemeClr>
-                </a:solidFill>
-              </a:rPr>
-              <a:t>100, </a:t>
-            </a:r>
-            <a:r>
-              <a:rPr lang="ru-RU" dirty="0" err="1">
-                <a:solidFill>
-                  <a:schemeClr val="bg1">
-                    <a:lumMod val="95000"/>
-                  </a:schemeClr>
-                </a:solidFill>
-              </a:rPr>
-              <a:t>които</a:t>
-            </a:r>
-            <a:r>
-              <a:rPr lang="ru-RU" dirty="0">
-                <a:solidFill>
-                  <a:schemeClr val="bg1">
-                    <a:lumMod val="95000"/>
-                  </a:schemeClr>
-                </a:solidFill>
-              </a:rPr>
-              <a:t> се делят или на </a:t>
-            </a:r>
-            <a:r>
-              <a:rPr lang="ru-RU" dirty="0" smtClean="0">
-                <a:solidFill>
-                  <a:schemeClr val="bg1">
-                    <a:lumMod val="95000"/>
-                  </a:schemeClr>
-                </a:solidFill>
-              </a:rPr>
-              <a:t>7, </a:t>
-            </a:r>
-            <a:r>
-              <a:rPr lang="ru-RU" dirty="0">
-                <a:solidFill>
-                  <a:schemeClr val="bg1">
-                    <a:lumMod val="95000"/>
-                  </a:schemeClr>
-                </a:solidFill>
-              </a:rPr>
-              <a:t>или на </a:t>
-            </a:r>
-            <a:r>
-              <a:rPr lang="ru-RU" dirty="0" smtClean="0">
-                <a:solidFill>
-                  <a:schemeClr val="bg1">
-                    <a:lumMod val="95000"/>
-                  </a:schemeClr>
-                </a:solidFill>
-              </a:rPr>
-              <a:t>11, </a:t>
-            </a:r>
-            <a:r>
-              <a:rPr lang="ru-RU" dirty="0">
-                <a:solidFill>
-                  <a:schemeClr val="bg1">
-                    <a:lumMod val="95000"/>
-                  </a:schemeClr>
-                </a:solidFill>
-              </a:rPr>
-              <a:t>без </a:t>
-            </a:r>
-            <a:r>
-              <a:rPr lang="ru-RU" dirty="0" err="1">
-                <a:solidFill>
-                  <a:schemeClr val="bg1">
-                    <a:lumMod val="95000"/>
-                  </a:schemeClr>
-                </a:solidFill>
-              </a:rPr>
-              <a:t>остатък</a:t>
-            </a:r>
-            <a:r>
-              <a:rPr lang="ru-RU" dirty="0">
-                <a:solidFill>
-                  <a:schemeClr val="bg1">
-                    <a:lumMod val="95000"/>
-                  </a:schemeClr>
-                </a:solidFill>
-              </a:rPr>
-              <a:t>.</a:t>
-            </a:r>
-          </a:p>
-          <a:p>
-            <a:pPr>
-              <a:buFont typeface="Wingdings" panose="05000000000000000000" pitchFamily="2" charset="2"/>
-              <a:buChar char="§"/>
-            </a:pPr>
-            <a:r>
-              <a:rPr lang="ru-RU" dirty="0">
-                <a:solidFill>
-                  <a:schemeClr val="bg1">
-                    <a:lumMod val="95000"/>
-                  </a:schemeClr>
-                </a:solidFill>
-              </a:rPr>
-              <a:t>Решете </a:t>
-            </a:r>
-            <a:r>
-              <a:rPr lang="ru-RU" dirty="0" err="1">
-                <a:solidFill>
-                  <a:schemeClr val="bg1">
-                    <a:lumMod val="95000"/>
-                  </a:schemeClr>
-                </a:solidFill>
-              </a:rPr>
-              <a:t>задачата</a:t>
-            </a:r>
-            <a:r>
-              <a:rPr lang="ru-RU" dirty="0">
-                <a:solidFill>
-                  <a:schemeClr val="bg1">
-                    <a:lumMod val="95000"/>
-                  </a:schemeClr>
-                </a:solidFill>
-              </a:rPr>
-              <a:t> по 3 </a:t>
-            </a:r>
-            <a:r>
-              <a:rPr lang="ru-RU" dirty="0" err="1">
-                <a:solidFill>
-                  <a:schemeClr val="bg1">
-                    <a:lumMod val="95000"/>
-                  </a:schemeClr>
-                </a:solidFill>
-              </a:rPr>
-              <a:t>различни</a:t>
-            </a:r>
-            <a:r>
-              <a:rPr lang="ru-RU" dirty="0">
-                <a:solidFill>
-                  <a:schemeClr val="bg1">
-                    <a:lumMod val="95000"/>
-                  </a:schemeClr>
-                </a:solidFill>
-              </a:rPr>
-              <a:t> </a:t>
-            </a:r>
-            <a:r>
-              <a:rPr lang="ru-RU" dirty="0" smtClean="0">
-                <a:solidFill>
-                  <a:schemeClr val="bg1">
-                    <a:lumMod val="95000"/>
-                  </a:schemeClr>
-                </a:solidFill>
-              </a:rPr>
-              <a:t>начина: с </a:t>
-            </a:r>
-            <a:r>
-              <a:rPr lang="ru-RU" dirty="0">
-                <a:solidFill>
-                  <a:schemeClr val="bg1">
-                    <a:lumMod val="95000"/>
-                  </a:schemeClr>
-                </a:solidFill>
-              </a:rPr>
-              <a:t>трите цикли от </a:t>
-            </a:r>
-            <a:r>
-              <a:rPr lang="ru-RU" dirty="0" err="1">
-                <a:solidFill>
-                  <a:schemeClr val="bg1">
-                    <a:lumMod val="95000"/>
-                  </a:schemeClr>
-                </a:solidFill>
-              </a:rPr>
-              <a:t>лекцията</a:t>
-            </a:r>
-            <a:endParaRPr lang="ru-RU" dirty="0" smtClean="0">
-              <a:solidFill>
-                <a:schemeClr val="bg1">
-                  <a:lumMod val="95000"/>
-                </a:schemeClr>
-              </a:solidFill>
-            </a:endParaRPr>
-          </a:p>
-        </p:txBody>
-      </p:sp>
-    </p:spTree>
-    <p:extLst>
-      <p:ext uri="{BB962C8B-B14F-4D97-AF65-F5344CB8AC3E}">
-        <p14:creationId xmlns:p14="http://schemas.microsoft.com/office/powerpoint/2010/main" val="3052864876"/>
-      </p:ext>
-    </p:extLst>
-  </p:cSld>
-  <p:clrMapOvr>
-    <a:masterClrMapping/>
-  </p:clrMapOvr>
-  <p:timing>
-    <p:tnLst>
-      <p:par>
-        <p:cTn id="1" dur="indefinite" restart="never" nodeType="tmRoot"/>
-      </p:par>
-    </p:tnLst>
-  </p:timing>
-</p:sld>
-</file>
-
-<file path=ppt/slides/slide22.xml><?xml version="1.0" encoding="utf-8"?>
-<p:sld xmlns:a="http://schemas.openxmlformats.org/drawingml/2006/main" xmlns:r="http://schemas.openxmlformats.org/officeDocument/2006/relationships" xmlns:p="http://schemas.openxmlformats.org/presentationml/2006/main">
-  <p:cSld>
-    <p:spTree>
-      <p:nvGrpSpPr>
-        <p:cNvPr id="1" name=""/>
-        <p:cNvGrpSpPr/>
-        <p:nvPr/>
-      </p:nvGrpSpPr>
-      <p:grpSpPr>
-        <a:xfrm>
-          <a:off x="0" y="0"/>
-          <a:ext cx="0" cy="0"/>
-          <a:chOff x="0" y="0"/>
-          <a:chExt cx="0" cy="0"/>
-        </a:xfrm>
-      </p:grpSpPr>
-      <p:sp>
-        <p:nvSpPr>
-          <p:cNvPr id="2" name="Title 1"/>
-          <p:cNvSpPr>
-            <a:spLocks noGrp="1"/>
-          </p:cNvSpPr>
-          <p:nvPr>
-            <p:ph type="title"/>
-          </p:nvPr>
-        </p:nvSpPr>
-        <p:spPr>
-          <a:xfrm>
-            <a:off x="838200" y="685800"/>
-            <a:ext cx="8229600" cy="1143000"/>
-          </a:xfrm>
-        </p:spPr>
-        <p:txBody>
-          <a:bodyPr/>
-          <a:lstStyle/>
-          <a:p>
-            <a:pPr algn="l"/>
-            <a:r>
-              <a:rPr lang="bg-BG" dirty="0" smtClean="0">
-                <a:solidFill>
-                  <a:schemeClr val="accent6"/>
-                </a:solidFill>
-              </a:rPr>
-              <a:t>Въпроси</a:t>
-            </a:r>
-            <a:endParaRPr lang="bg-BG" dirty="0">
-              <a:solidFill>
-                <a:schemeClr val="accent6"/>
-              </a:solidFill>
-            </a:endParaRPr>
-          </a:p>
-        </p:txBody>
-      </p:sp>
-      <p:sp>
-        <p:nvSpPr>
-          <p:cNvPr id="3" name="Content Placeholder 2"/>
-          <p:cNvSpPr>
-            <a:spLocks noGrp="1"/>
-          </p:cNvSpPr>
-          <p:nvPr>
-            <p:ph idx="1"/>
-          </p:nvPr>
-        </p:nvSpPr>
-        <p:spPr>
-          <a:xfrm>
-            <a:off x="762000" y="1676400"/>
-            <a:ext cx="7620000" cy="4525963"/>
-          </a:xfrm>
-        </p:spPr>
-        <p:txBody>
-          <a:bodyPr>
-            <a:normAutofit/>
-          </a:bodyPr>
-          <a:lstStyle/>
-          <a:p>
-            <a:pPr>
-              <a:buFont typeface="Wingdings" panose="05000000000000000000" pitchFamily="2" charset="2"/>
-              <a:buChar char="§"/>
-            </a:pPr>
-            <a:endParaRPr lang="en-US" dirty="0">
-              <a:solidFill>
-                <a:schemeClr val="bg1">
-                  <a:lumMod val="95000"/>
-                </a:schemeClr>
-              </a:solidFill>
-            </a:endParaRPr>
-          </a:p>
-          <a:p>
-            <a:pPr>
-              <a:buFont typeface="Wingdings" panose="05000000000000000000" pitchFamily="2" charset="2"/>
-              <a:buChar char="§"/>
-            </a:pPr>
-            <a:endParaRPr lang="en-US" dirty="0">
-              <a:solidFill>
-                <a:schemeClr val="bg1">
-                  <a:lumMod val="95000"/>
-                </a:schemeClr>
-              </a:solidFill>
-            </a:endParaRPr>
-          </a:p>
-          <a:p>
-            <a:pPr>
-              <a:buFont typeface="Wingdings" panose="05000000000000000000" pitchFamily="2" charset="2"/>
-              <a:buChar char="§"/>
-            </a:pPr>
-            <a:endParaRPr lang="en-US" dirty="0">
-              <a:solidFill>
-                <a:schemeClr val="bg1">
-                  <a:lumMod val="95000"/>
-                </a:schemeClr>
-              </a:solidFill>
-            </a:endParaRPr>
-          </a:p>
-          <a:p>
-            <a:pPr>
-              <a:buFont typeface="Wingdings" panose="05000000000000000000" pitchFamily="2" charset="2"/>
-              <a:buChar char="§"/>
-            </a:pPr>
-            <a:endParaRPr lang="en-US" dirty="0">
-              <a:solidFill>
-                <a:schemeClr val="bg1">
-                  <a:lumMod val="95000"/>
-                </a:schemeClr>
-              </a:solidFill>
-            </a:endParaRPr>
-          </a:p>
-        </p:txBody>
-      </p:sp>
-      <p:pic>
-        <p:nvPicPr>
-          <p:cNvPr id="1027" name="Picture 3" descr="C:\Users\Lazar\Desktop\01-red-question-mark1.jpg"/>
-          <p:cNvPicPr>
-            <a:picLocks noChangeAspect="1" noChangeArrowheads="1"/>
-          </p:cNvPicPr>
-          <p:nvPr/>
-        </p:nvPicPr>
-        <p:blipFill>
-          <a:blip r:embed="rId2" cstate="print">
-            <a:extLst>
-              <a:ext uri="{28A0092B-C50C-407E-A947-70E740481C1C}">
-                <a14:useLocalDpi xmlns:a14="http://schemas.microsoft.com/office/drawing/2010/main" val="0"/>
-              </a:ext>
-            </a:extLst>
-          </a:blip>
-          <a:srcRect/>
-          <a:stretch>
-            <a:fillRect/>
-          </a:stretch>
-        </p:blipFill>
-        <p:spPr bwMode="auto">
-          <a:xfrm>
-            <a:off x="3505200" y="2057400"/>
-            <a:ext cx="2419082" cy="2419082"/>
-          </a:xfrm>
-          <a:prstGeom prst="rect">
-            <a:avLst/>
-          </a:prstGeom>
-          <a:noFill/>
-          <a:extLst>
-            <a:ext uri="{909E8E84-426E-40DD-AFC4-6F175D3DCCD1}">
-              <a14:hiddenFill xmlns:a14="http://schemas.microsoft.com/office/drawing/2010/main">
-                <a:solidFill>
-                  <a:srgbClr val="FFFFFF"/>
-                </a:solidFill>
-              </a14:hiddenFill>
-            </a:ext>
-          </a:extLst>
-        </p:spPr>
-      </p:pic>
-    </p:spTree>
-    <p:extLst>
-      <p:ext uri="{BB962C8B-B14F-4D97-AF65-F5344CB8AC3E}">
-        <p14:creationId xmlns:p14="http://schemas.microsoft.com/office/powerpoint/2010/main" val="3854716579"/>
-      </p:ext>
-    </p:extLst>
-  </p:cSld>
-  <p:clrMapOvr>
-    <a:masterClrMapping/>
-  </p:clrMapOvr>
-</p:sld>
-</file>
-
-<file path=ppt/slides/slide23.xml><?xml version="1.0" encoding="utf-8"?>
-<p:sld xmlns:a="http://schemas.openxmlformats.org/drawingml/2006/main" xmlns:r="http://schemas.openxmlformats.org/officeDocument/2006/relationships" xmlns:p="http://schemas.openxmlformats.org/presentationml/2006/main">
-  <p:cSld>
-    <p:spTree>
-      <p:nvGrpSpPr>
-        <p:cNvPr id="1" name=""/>
-        <p:cNvGrpSpPr/>
-        <p:nvPr/>
-      </p:nvGrpSpPr>
-      <p:grpSpPr>
-        <a:xfrm>
-          <a:off x="0" y="0"/>
-          <a:ext cx="0" cy="0"/>
-          <a:chOff x="0" y="0"/>
-          <a:chExt cx="0" cy="0"/>
-        </a:xfrm>
-      </p:grpSpPr>
-      <p:sp>
-        <p:nvSpPr>
-          <p:cNvPr id="2" name="Title 1"/>
-          <p:cNvSpPr>
-            <a:spLocks noGrp="1"/>
-          </p:cNvSpPr>
-          <p:nvPr>
-            <p:ph type="title"/>
-          </p:nvPr>
-        </p:nvSpPr>
-        <p:spPr>
-          <a:xfrm>
-            <a:off x="838200" y="685800"/>
-            <a:ext cx="8229600" cy="1143000"/>
-          </a:xfrm>
-        </p:spPr>
-        <p:txBody>
           <a:bodyPr/>
           <a:lstStyle/>
           <a:p>
@@ -7328,6 +7117,16 @@
               <a:buChar char="§"/>
             </a:pPr>
             <a:r>
+              <a:rPr lang="ru-RU" sz="2000" dirty="0" smtClean="0">
+                <a:solidFill>
+                  <a:schemeClr val="bg1">
+                    <a:lumMod val="95000"/>
+                  </a:schemeClr>
+                </a:solidFill>
+              </a:rPr>
+              <a:t>Напишете </a:t>
+            </a:r>
+            <a:r>
               <a:rPr lang="ru-RU" sz="2000" dirty="0">
                 <a:solidFill>
                   <a:schemeClr val="bg1">
@@ -7335,615 +7134,7 @@
                   </a:schemeClr>
                 </a:solidFill>
               </a:rPr>
-              <a:t>Напишете </a:t>
-            </a:r>
-            <a:r>
-              <a:rPr lang="ru-RU" sz="2000" dirty="0" err="1">
-                <a:solidFill>
-                  <a:schemeClr val="bg1">
-                    <a:lumMod val="95000"/>
-                  </a:schemeClr>
-                </a:solidFill>
-              </a:rPr>
-              <a:t>програма</a:t>
-            </a:r>
-            <a:r>
-              <a:rPr lang="ru-RU" sz="2000" dirty="0">
-                <a:solidFill>
-                  <a:schemeClr val="bg1">
-                    <a:lumMod val="95000"/>
-                  </a:schemeClr>
-                </a:solidFill>
-              </a:rPr>
-              <a:t>, </a:t>
-            </a:r>
-            <a:r>
-              <a:rPr lang="ru-RU" sz="2000" dirty="0" err="1">
-                <a:solidFill>
-                  <a:schemeClr val="bg1">
-                    <a:lumMod val="95000"/>
-                  </a:schemeClr>
-                </a:solidFill>
-              </a:rPr>
-              <a:t>която</a:t>
-            </a:r>
-            <a:r>
-              <a:rPr lang="ru-RU" sz="2000" dirty="0">
-                <a:solidFill>
-                  <a:schemeClr val="bg1">
-                    <a:lumMod val="95000"/>
-                  </a:schemeClr>
-                </a:solidFill>
-              </a:rPr>
-              <a:t> </a:t>
-            </a:r>
-            <a:r>
-              <a:rPr lang="ru-RU" sz="2000" dirty="0" err="1">
-                <a:solidFill>
-                  <a:schemeClr val="bg1">
-                    <a:lumMod val="95000"/>
-                  </a:schemeClr>
-                </a:solidFill>
-              </a:rPr>
-              <a:t>отпечатва</a:t>
-            </a:r>
-            <a:r>
-              <a:rPr lang="ru-RU" sz="2000" dirty="0">
-                <a:solidFill>
-                  <a:schemeClr val="bg1">
-                    <a:lumMod val="95000"/>
-                  </a:schemeClr>
-                </a:solidFill>
-              </a:rPr>
-              <a:t> на </a:t>
-            </a:r>
-            <a:r>
-              <a:rPr lang="ru-RU" sz="2000" dirty="0" err="1">
-                <a:solidFill>
-                  <a:schemeClr val="bg1">
-                    <a:lumMod val="95000"/>
-                  </a:schemeClr>
-                </a:solidFill>
-              </a:rPr>
-              <a:t>конзолата</a:t>
-            </a:r>
-            <a:r>
-              <a:rPr lang="ru-RU" sz="2000" dirty="0">
-                <a:solidFill>
-                  <a:schemeClr val="bg1">
-                    <a:lumMod val="95000"/>
-                  </a:schemeClr>
-                </a:solidFill>
-              </a:rPr>
-              <a:t> </a:t>
-            </a:r>
-            <a:r>
-              <a:rPr lang="ru-RU" sz="2000" dirty="0" err="1">
-                <a:solidFill>
-                  <a:schemeClr val="bg1">
-                    <a:lumMod val="95000"/>
-                  </a:schemeClr>
-                </a:solidFill>
-              </a:rPr>
-              <a:t>числата</a:t>
-            </a:r>
-            <a:r>
-              <a:rPr lang="ru-RU" sz="2000" dirty="0">
-                <a:solidFill>
-                  <a:schemeClr val="bg1">
-                    <a:lumMod val="95000"/>
-                  </a:schemeClr>
-                </a:solidFill>
-              </a:rPr>
-              <a:t> от 1 до N. </a:t>
-            </a:r>
-            <a:r>
-              <a:rPr lang="ru-RU" sz="2000" dirty="0" err="1">
-                <a:solidFill>
-                  <a:schemeClr val="bg1">
-                    <a:lumMod val="95000"/>
-                  </a:schemeClr>
-                </a:solidFill>
-              </a:rPr>
-              <a:t>Числото</a:t>
-            </a:r>
-            <a:r>
-              <a:rPr lang="ru-RU" sz="2000" dirty="0">
-                <a:solidFill>
-                  <a:schemeClr val="bg1">
-                    <a:lumMod val="95000"/>
-                  </a:schemeClr>
-                </a:solidFill>
-              </a:rPr>
-              <a:t> N се </a:t>
-            </a:r>
-            <a:r>
-              <a:rPr lang="ru-RU" sz="2000" dirty="0" err="1">
-                <a:solidFill>
-                  <a:schemeClr val="bg1">
-                    <a:lumMod val="95000"/>
-                  </a:schemeClr>
-                </a:solidFill>
-              </a:rPr>
-              <a:t>въвежда</a:t>
-            </a:r>
-            <a:r>
-              <a:rPr lang="ru-RU" sz="2000" dirty="0">
-                <a:solidFill>
-                  <a:schemeClr val="bg1">
-                    <a:lumMod val="95000"/>
-                  </a:schemeClr>
-                </a:solidFill>
-              </a:rPr>
-              <a:t> от </a:t>
-            </a:r>
-            <a:r>
-              <a:rPr lang="ru-RU" sz="2000" dirty="0" err="1">
-                <a:solidFill>
-                  <a:schemeClr val="bg1">
-                    <a:lumMod val="95000"/>
-                  </a:schemeClr>
-                </a:solidFill>
-              </a:rPr>
-              <a:t>конзолата</a:t>
-            </a:r>
-            <a:r>
-              <a:rPr lang="ru-RU" sz="2000" dirty="0">
-                <a:solidFill>
-                  <a:schemeClr val="bg1">
-                    <a:lumMod val="95000"/>
-                  </a:schemeClr>
-                </a:solidFill>
-              </a:rPr>
-              <a:t>.</a:t>
-            </a:r>
-          </a:p>
-          <a:p>
-            <a:pPr>
-              <a:buFont typeface="Wingdings" panose="05000000000000000000" pitchFamily="2" charset="2"/>
-              <a:buChar char="§"/>
-            </a:pPr>
-            <a:r>
-              <a:rPr lang="ru-RU" sz="2000" dirty="0">
-                <a:solidFill>
-                  <a:schemeClr val="bg1">
-                    <a:lumMod val="95000"/>
-                  </a:schemeClr>
-                </a:solidFill>
-              </a:rPr>
-              <a:t>Напишете </a:t>
-            </a:r>
-            <a:r>
-              <a:rPr lang="ru-RU" sz="2000" dirty="0" err="1">
-                <a:solidFill>
-                  <a:schemeClr val="bg1">
-                    <a:lumMod val="95000"/>
-                  </a:schemeClr>
-                </a:solidFill>
-              </a:rPr>
-              <a:t>програма</a:t>
-            </a:r>
-            <a:r>
-              <a:rPr lang="ru-RU" sz="2000" dirty="0">
-                <a:solidFill>
-                  <a:schemeClr val="bg1">
-                    <a:lumMod val="95000"/>
-                  </a:schemeClr>
-                </a:solidFill>
-              </a:rPr>
-              <a:t>, </a:t>
-            </a:r>
-            <a:r>
-              <a:rPr lang="ru-RU" sz="2000" dirty="0" err="1">
-                <a:solidFill>
-                  <a:schemeClr val="bg1">
-                    <a:lumMod val="95000"/>
-                  </a:schemeClr>
-                </a:solidFill>
-              </a:rPr>
-              <a:t>която</a:t>
-            </a:r>
-            <a:r>
-              <a:rPr lang="ru-RU" sz="2000" dirty="0">
-                <a:solidFill>
-                  <a:schemeClr val="bg1">
-                    <a:lumMod val="95000"/>
-                  </a:schemeClr>
-                </a:solidFill>
-              </a:rPr>
-              <a:t> </a:t>
-            </a:r>
-            <a:r>
-              <a:rPr lang="ru-RU" sz="2000" dirty="0" err="1">
-                <a:solidFill>
-                  <a:schemeClr val="bg1">
-                    <a:lumMod val="95000"/>
-                  </a:schemeClr>
-                </a:solidFill>
-              </a:rPr>
-              <a:t>отпечатва</a:t>
-            </a:r>
-            <a:r>
-              <a:rPr lang="ru-RU" sz="2000" dirty="0">
-                <a:solidFill>
-                  <a:schemeClr val="bg1">
-                    <a:lumMod val="95000"/>
-                  </a:schemeClr>
-                </a:solidFill>
-              </a:rPr>
-              <a:t> на </a:t>
-            </a:r>
-            <a:r>
-              <a:rPr lang="ru-RU" sz="2000" dirty="0" err="1">
-                <a:solidFill>
-                  <a:schemeClr val="bg1">
-                    <a:lumMod val="95000"/>
-                  </a:schemeClr>
-                </a:solidFill>
-              </a:rPr>
-              <a:t>конзолата</a:t>
-            </a:r>
-            <a:r>
-              <a:rPr lang="ru-RU" sz="2000" dirty="0">
-                <a:solidFill>
-                  <a:schemeClr val="bg1">
-                    <a:lumMod val="95000"/>
-                  </a:schemeClr>
-                </a:solidFill>
-              </a:rPr>
-              <a:t> </a:t>
-            </a:r>
-            <a:r>
-              <a:rPr lang="ru-RU" sz="2000" dirty="0" err="1">
-                <a:solidFill>
-                  <a:schemeClr val="bg1">
-                    <a:lumMod val="95000"/>
-                  </a:schemeClr>
-                </a:solidFill>
-              </a:rPr>
-              <a:t>числата</a:t>
-            </a:r>
-            <a:r>
-              <a:rPr lang="ru-RU" sz="2000" dirty="0">
-                <a:solidFill>
-                  <a:schemeClr val="bg1">
-                    <a:lumMod val="95000"/>
-                  </a:schemeClr>
-                </a:solidFill>
-              </a:rPr>
-              <a:t> от 1 до N, </a:t>
-            </a:r>
-            <a:r>
-              <a:rPr lang="ru-RU" sz="2000" dirty="0" err="1">
-                <a:solidFill>
-                  <a:schemeClr val="bg1">
-                    <a:lumMod val="95000"/>
-                  </a:schemeClr>
-                </a:solidFill>
-              </a:rPr>
-              <a:t>които</a:t>
-            </a:r>
-            <a:r>
-              <a:rPr lang="ru-RU" sz="2000" dirty="0">
-                <a:solidFill>
-                  <a:schemeClr val="bg1">
-                    <a:lumMod val="95000"/>
-                  </a:schemeClr>
-                </a:solidFill>
-              </a:rPr>
-              <a:t> не се делят на 3 и 7. </a:t>
-            </a:r>
-            <a:r>
-              <a:rPr lang="ru-RU" sz="2000" dirty="0" err="1">
-                <a:solidFill>
-                  <a:schemeClr val="bg1">
-                    <a:lumMod val="95000"/>
-                  </a:schemeClr>
-                </a:solidFill>
-              </a:rPr>
-              <a:t>Числото</a:t>
-            </a:r>
-            <a:r>
-              <a:rPr lang="ru-RU" sz="2000" dirty="0">
-                <a:solidFill>
-                  <a:schemeClr val="bg1">
-                    <a:lumMod val="95000"/>
-                  </a:schemeClr>
-                </a:solidFill>
-              </a:rPr>
-              <a:t> N се </a:t>
-            </a:r>
-            <a:r>
-              <a:rPr lang="ru-RU" sz="2000" dirty="0" err="1">
-                <a:solidFill>
-                  <a:schemeClr val="bg1">
-                    <a:lumMod val="95000"/>
-                  </a:schemeClr>
-                </a:solidFill>
-              </a:rPr>
-              <a:t>въвежда</a:t>
-            </a:r>
-            <a:r>
-              <a:rPr lang="ru-RU" sz="2000" dirty="0">
-                <a:solidFill>
-                  <a:schemeClr val="bg1">
-                    <a:lumMod val="95000"/>
-                  </a:schemeClr>
-                </a:solidFill>
-              </a:rPr>
-              <a:t> от </a:t>
-            </a:r>
-            <a:r>
-              <a:rPr lang="ru-RU" sz="2000" dirty="0" err="1">
-                <a:solidFill>
-                  <a:schemeClr val="bg1">
-                    <a:lumMod val="95000"/>
-                  </a:schemeClr>
-                </a:solidFill>
-              </a:rPr>
-              <a:t>конзолата</a:t>
-            </a:r>
-            <a:r>
-              <a:rPr lang="ru-RU" sz="2000" dirty="0">
-                <a:solidFill>
-                  <a:schemeClr val="bg1">
-                    <a:lumMod val="95000"/>
-                  </a:schemeClr>
-                </a:solidFill>
-              </a:rPr>
-              <a:t>.</a:t>
-            </a:r>
-          </a:p>
-          <a:p>
-            <a:pPr>
-              <a:buFont typeface="Wingdings" panose="05000000000000000000" pitchFamily="2" charset="2"/>
-              <a:buChar char="§"/>
-            </a:pPr>
-            <a:r>
-              <a:rPr lang="ru-RU" sz="2000" dirty="0">
-                <a:solidFill>
-                  <a:schemeClr val="bg1">
-                    <a:lumMod val="95000"/>
-                  </a:schemeClr>
-                </a:solidFill>
-              </a:rPr>
-              <a:t>Напишете </a:t>
-            </a:r>
-            <a:r>
-              <a:rPr lang="ru-RU" sz="2000" dirty="0" err="1">
-                <a:solidFill>
-                  <a:schemeClr val="bg1">
-                    <a:lumMod val="95000"/>
-                  </a:schemeClr>
-                </a:solidFill>
-              </a:rPr>
-              <a:t>програма</a:t>
-            </a:r>
-            <a:r>
-              <a:rPr lang="ru-RU" sz="2000" dirty="0">
-                <a:solidFill>
-                  <a:schemeClr val="bg1">
-                    <a:lumMod val="95000"/>
-                  </a:schemeClr>
-                </a:solidFill>
-              </a:rPr>
-              <a:t>, </a:t>
-            </a:r>
-            <a:r>
-              <a:rPr lang="ru-RU" sz="2000" dirty="0" err="1">
-                <a:solidFill>
-                  <a:schemeClr val="bg1">
-                    <a:lumMod val="95000"/>
-                  </a:schemeClr>
-                </a:solidFill>
-              </a:rPr>
-              <a:t>която</a:t>
-            </a:r>
-            <a:r>
-              <a:rPr lang="ru-RU" sz="2000" dirty="0">
-                <a:solidFill>
-                  <a:schemeClr val="bg1">
-                    <a:lumMod val="95000"/>
-                  </a:schemeClr>
-                </a:solidFill>
-              </a:rPr>
-              <a:t> чете от </a:t>
-            </a:r>
-            <a:r>
-              <a:rPr lang="ru-RU" sz="2000" dirty="0" err="1">
-                <a:solidFill>
-                  <a:schemeClr val="bg1">
-                    <a:lumMod val="95000"/>
-                  </a:schemeClr>
-                </a:solidFill>
-              </a:rPr>
-              <a:t>конзолата</a:t>
-            </a:r>
-            <a:r>
-              <a:rPr lang="ru-RU" sz="2000" dirty="0">
-                <a:solidFill>
-                  <a:schemeClr val="bg1">
-                    <a:lumMod val="95000"/>
-                  </a:schemeClr>
-                </a:solidFill>
-              </a:rPr>
-              <a:t> </a:t>
-            </a:r>
-            <a:r>
-              <a:rPr lang="ru-RU" sz="2000" dirty="0" err="1">
-                <a:solidFill>
-                  <a:schemeClr val="bg1">
-                    <a:lumMod val="95000"/>
-                  </a:schemeClr>
-                </a:solidFill>
-              </a:rPr>
-              <a:t>поредица</a:t>
-            </a:r>
-            <a:r>
-              <a:rPr lang="ru-RU" sz="2000" dirty="0">
-                <a:solidFill>
-                  <a:schemeClr val="bg1">
-                    <a:lumMod val="95000"/>
-                  </a:schemeClr>
-                </a:solidFill>
-              </a:rPr>
-              <a:t> от цели числа (примерно 5 числа) и </a:t>
-            </a:r>
-            <a:r>
-              <a:rPr lang="ru-RU" sz="2000" dirty="0" err="1">
-                <a:solidFill>
-                  <a:schemeClr val="bg1">
-                    <a:lumMod val="95000"/>
-                  </a:schemeClr>
-                </a:solidFill>
-              </a:rPr>
-              <a:t>отпечатва</a:t>
-            </a:r>
-            <a:r>
-              <a:rPr lang="ru-RU" sz="2000" dirty="0">
-                <a:solidFill>
-                  <a:schemeClr val="bg1">
-                    <a:lumMod val="95000"/>
-                  </a:schemeClr>
-                </a:solidFill>
-              </a:rPr>
-              <a:t> </a:t>
-            </a:r>
-            <a:r>
-              <a:rPr lang="ru-RU" sz="2000" dirty="0" err="1">
-                <a:solidFill>
-                  <a:schemeClr val="bg1">
-                    <a:lumMod val="95000"/>
-                  </a:schemeClr>
-                </a:solidFill>
-              </a:rPr>
-              <a:t>най-малкото</a:t>
-            </a:r>
-            <a:r>
-              <a:rPr lang="ru-RU" sz="2000" dirty="0">
-                <a:solidFill>
-                  <a:schemeClr val="bg1">
-                    <a:lumMod val="95000"/>
-                  </a:schemeClr>
-                </a:solidFill>
-              </a:rPr>
-              <a:t> и </a:t>
-            </a:r>
-            <a:r>
-              <a:rPr lang="ru-RU" sz="2000" dirty="0" err="1">
-                <a:solidFill>
-                  <a:schemeClr val="bg1">
-                    <a:lumMod val="95000"/>
-                  </a:schemeClr>
-                </a:solidFill>
-              </a:rPr>
-              <a:t>най-голямото</a:t>
-            </a:r>
-            <a:r>
-              <a:rPr lang="ru-RU" sz="2000" dirty="0">
-                <a:solidFill>
-                  <a:schemeClr val="bg1">
-                    <a:lumMod val="95000"/>
-                  </a:schemeClr>
-                </a:solidFill>
-              </a:rPr>
-              <a:t> от </a:t>
-            </a:r>
-            <a:r>
-              <a:rPr lang="ru-RU" sz="2000" dirty="0" err="1">
-                <a:solidFill>
-                  <a:schemeClr val="bg1">
-                    <a:lumMod val="95000"/>
-                  </a:schemeClr>
-                </a:solidFill>
-              </a:rPr>
-              <a:t>тях</a:t>
-            </a:r>
-            <a:r>
-              <a:rPr lang="ru-RU" sz="2000" dirty="0">
-                <a:solidFill>
-                  <a:schemeClr val="bg1">
-                    <a:lumMod val="95000"/>
-                  </a:schemeClr>
-                </a:solidFill>
-              </a:rPr>
-              <a:t>.</a:t>
-            </a:r>
-          </a:p>
-          <a:p>
-            <a:pPr>
-              <a:buFont typeface="Wingdings" panose="05000000000000000000" pitchFamily="2" charset="2"/>
-              <a:buChar char="§"/>
-            </a:pPr>
-            <a:r>
-              <a:rPr lang="ru-RU" sz="2000" dirty="0">
-                <a:solidFill>
-                  <a:schemeClr val="bg1">
-                    <a:lumMod val="95000"/>
-                  </a:schemeClr>
-                </a:solidFill>
-              </a:rPr>
-              <a:t>Напишете </a:t>
-            </a:r>
-            <a:r>
-              <a:rPr lang="ru-RU" sz="2000" dirty="0" err="1">
-                <a:solidFill>
-                  <a:schemeClr val="bg1">
-                    <a:lumMod val="95000"/>
-                  </a:schemeClr>
-                </a:solidFill>
-              </a:rPr>
-              <a:t>програма</a:t>
-            </a:r>
-            <a:r>
-              <a:rPr lang="ru-RU" sz="2000" dirty="0">
-                <a:solidFill>
-                  <a:schemeClr val="bg1">
-                    <a:lumMod val="95000"/>
-                  </a:schemeClr>
-                </a:solidFill>
-              </a:rPr>
-              <a:t>, </a:t>
-            </a:r>
-            <a:r>
-              <a:rPr lang="ru-RU" sz="2000" dirty="0" err="1">
-                <a:solidFill>
-                  <a:schemeClr val="bg1">
-                    <a:lumMod val="95000"/>
-                  </a:schemeClr>
-                </a:solidFill>
-              </a:rPr>
-              <a:t>която</a:t>
-            </a:r>
-            <a:r>
-              <a:rPr lang="ru-RU" sz="2000" dirty="0">
-                <a:solidFill>
-                  <a:schemeClr val="bg1">
-                    <a:lumMod val="95000"/>
-                  </a:schemeClr>
-                </a:solidFill>
-              </a:rPr>
-              <a:t> </a:t>
-            </a:r>
-            <a:r>
-              <a:rPr lang="ru-RU" sz="2000" dirty="0" err="1">
-                <a:solidFill>
-                  <a:schemeClr val="bg1">
-                    <a:lumMod val="95000"/>
-                  </a:schemeClr>
-                </a:solidFill>
-              </a:rPr>
-              <a:t>пресмята</a:t>
-            </a:r>
-            <a:r>
-              <a:rPr lang="ru-RU" sz="2000" dirty="0">
-                <a:solidFill>
-                  <a:schemeClr val="bg1">
-                    <a:lumMod val="95000"/>
-                  </a:schemeClr>
-                </a:solidFill>
-              </a:rPr>
-              <a:t> N!/K! за </a:t>
+              <a:t>програма, която пресмята N!/K! за </a:t>
             </a:r>
             <a:r>
               <a:rPr lang="ru-RU" sz="2000" dirty="0" err="1">
@@ -8133,7 +7324,7 @@
     </p:spTree>
     <p:extLst>
       <p:ext uri="{BB962C8B-B14F-4D97-AF65-F5344CB8AC3E}">
-        <p14:creationId xmlns:p14="http://schemas.microsoft.com/office/powerpoint/2010/main" val="2116233219"/>
+        <p14:creationId xmlns:p14="http://schemas.microsoft.com/office/powerpoint/2010/main" val="4239520109"/>
       </p:ext>
     </p:extLst>
   </p:cSld>

--- a/05-Loops.pptx
+++ b/05-Loops.pptx
@@ -5185,17 +5185,47 @@
                   </a:schemeClr>
                 </a:solidFill>
               </a:rPr>
-              <a:t>Кода под </a:t>
-            </a:r>
-            <a:r>
-              <a:rPr lang="ru-RU" dirty="0" err="1">
-                <a:solidFill>
-                  <a:schemeClr val="bg1">
-                    <a:lumMod val="95000"/>
-                  </a:schemeClr>
-                </a:solidFill>
-              </a:rPr>
-              <a:t>цикълът</a:t>
+              <a:t>Кода </a:t>
+            </a:r>
+            <a:r>
+              <a:rPr lang="ru-RU" dirty="0" smtClean="0">
+                <a:solidFill>
+                  <a:schemeClr val="bg1">
+                    <a:lumMod val="95000"/>
+                  </a:schemeClr>
+                </a:solidFill>
+              </a:rPr>
+              <a:t>под</a:t>
+            </a:r>
+            <a:r>
+              <a:rPr lang="en-US" dirty="0" smtClean="0">
+                <a:solidFill>
+                  <a:schemeClr val="bg1">
+                    <a:lumMod val="95000"/>
+                  </a:schemeClr>
+                </a:solidFill>
+              </a:rPr>
+              <a:t> continue </a:t>
+            </a:r>
+            <a:r>
+              <a:rPr lang="bg-BG" dirty="0" smtClean="0">
+                <a:solidFill>
+                  <a:schemeClr val="bg1">
+                    <a:lumMod val="95000"/>
+                  </a:schemeClr>
+                </a:solidFill>
+              </a:rPr>
+              <a:t>в</a:t>
+            </a:r>
+            <a:r>
+              <a:rPr lang="ru-RU" dirty="0" smtClean="0">
+                <a:solidFill>
+                  <a:schemeClr val="bg1">
+                    <a:lumMod val="95000"/>
+                  </a:schemeClr>
+                </a:solidFill>
+              </a:rPr>
+              <a:t> </a:t>
             </a:r>
             <a:r>
               <a:rPr lang="ru-RU" dirty="0">
@@ -5205,25 +5235,8 @@
                   </a:schemeClr>
                 </a:solidFill>
               </a:rPr>
-              <a:t> не се </a:t>
-            </a:r>
-            <a:r>
-              <a:rPr lang="ru-RU" dirty="0" err="1">
-                <a:solidFill>
-                  <a:schemeClr val="bg1">
-                    <a:lumMod val="95000"/>
-                  </a:schemeClr>
-                </a:solidFill>
-              </a:rPr>
-              <a:t>изпълнява</a:t>
-            </a:r>
-            <a:endParaRPr lang="ru-RU" dirty="0">
-              <a:solidFill>
-                <a:schemeClr val="bg1">
-                  <a:lumMod val="95000"/>
-                </a:schemeClr>
-              </a:solidFill>
-            </a:endParaRPr>
+              <a:t>цикълът не се изпълнява</a:t>
+            </a:r>
           </a:p>
           <a:p>
             <a:pPr>
@@ -6554,17 +6567,17 @@
                   </a:schemeClr>
                 </a:solidFill>
               </a:rPr>
-              <a:t>Напишете </a:t>
-            </a:r>
-            <a:r>
-              <a:rPr lang="ru-RU" sz="2000" dirty="0" err="1">
-                <a:solidFill>
-                  <a:schemeClr val="bg1">
-                    <a:lumMod val="95000"/>
-                  </a:schemeClr>
-                </a:solidFill>
-              </a:rPr>
-              <a:t>програма</a:t>
+              <a:t>Напишете програма, която отпечатва на конзолата числата от 1 до N, които не се делят на 3 </a:t>
+            </a:r>
+            <a:r>
+              <a:rPr lang="ru-RU" sz="2000" dirty="0" smtClean="0">
+                <a:solidFill>
+                  <a:schemeClr val="bg1">
+                    <a:lumMod val="95000"/>
+                  </a:schemeClr>
+                </a:solidFill>
+              </a:rPr>
+              <a:t>или </a:t>
             </a:r>
             <a:r>
               <a:rPr lang="ru-RU" sz="2000" dirty="0">
@@ -6574,107 +6587,7 @@
                   </a:schemeClr>
                 </a:solidFill>
               </a:rPr>
-              <a:t>, </a:t>
-            </a:r>
-            <a:r>
-              <a:rPr lang="ru-RU" sz="2000" dirty="0" err="1">
-                <a:solidFill>
-                  <a:schemeClr val="bg1">
-                    <a:lumMod val="95000"/>
-                  </a:schemeClr>
-                </a:solidFill>
-              </a:rPr>
-              <a:t>която</a:t>
-            </a:r>
-            <a:r>
-              <a:rPr lang="ru-RU" sz="2000" dirty="0">
-                <a:solidFill>
-                  <a:schemeClr val="bg1">
-                    <a:lumMod val="95000"/>
-                  </a:schemeClr>
-                </a:solidFill>
-              </a:rPr>
-              <a:t> </a:t>
-            </a:r>
-            <a:r>
-              <a:rPr lang="ru-RU" sz="2000" dirty="0" err="1">
-                <a:solidFill>
-                  <a:schemeClr val="bg1">
-                    <a:lumMod val="95000"/>
-                  </a:schemeClr>
-                </a:solidFill>
-              </a:rPr>
-              <a:t>отпечатва</a:t>
-            </a:r>
-            <a:r>
-              <a:rPr lang="ru-RU" sz="2000" dirty="0">
-                <a:solidFill>
-                  <a:schemeClr val="bg1">
-                    <a:lumMod val="95000"/>
-                  </a:schemeClr>
-                </a:solidFill>
-              </a:rPr>
-              <a:t> на </a:t>
-            </a:r>
-            <a:r>
-              <a:rPr lang="ru-RU" sz="2000" dirty="0" err="1">
-                <a:solidFill>
-                  <a:schemeClr val="bg1">
-                    <a:lumMod val="95000"/>
-                  </a:schemeClr>
-                </a:solidFill>
-              </a:rPr>
-              <a:t>конзолата</a:t>
-            </a:r>
-            <a:r>
-              <a:rPr lang="ru-RU" sz="2000" dirty="0">
-                <a:solidFill>
-                  <a:schemeClr val="bg1">
-                    <a:lumMod val="95000"/>
-                  </a:schemeClr>
-                </a:solidFill>
-              </a:rPr>
-              <a:t> </a:t>
-            </a:r>
-            <a:r>
-              <a:rPr lang="ru-RU" sz="2000" dirty="0" err="1">
-                <a:solidFill>
-                  <a:schemeClr val="bg1">
-                    <a:lumMod val="95000"/>
-                  </a:schemeClr>
-                </a:solidFill>
-              </a:rPr>
-              <a:t>числата</a:t>
-            </a:r>
-            <a:r>
-              <a:rPr lang="ru-RU" sz="2000" dirty="0">
-                <a:solidFill>
-                  <a:schemeClr val="bg1">
-                    <a:lumMod val="95000"/>
-                  </a:schemeClr>
-                </a:solidFill>
-              </a:rPr>
-              <a:t> от 1 до N, </a:t>
-            </a:r>
-            <a:r>
-              <a:rPr lang="ru-RU" sz="2000" dirty="0" err="1">
-                <a:solidFill>
-                  <a:schemeClr val="bg1">
-                    <a:lumMod val="95000"/>
-                  </a:schemeClr>
-                </a:solidFill>
-              </a:rPr>
-              <a:t>които</a:t>
-            </a:r>
-            <a:r>
-              <a:rPr lang="ru-RU" sz="2000" dirty="0">
-                <a:solidFill>
-                  <a:schemeClr val="bg1">
-                    <a:lumMod val="95000"/>
-                  </a:schemeClr>
-                </a:solidFill>
-              </a:rPr>
-              <a:t> не се делят на 3 и 7. </a:t>
+              <a:t>7. </a:t>
             </a:r>
             <a:r>
               <a:rPr lang="ru-RU" sz="2000" dirty="0" err="1">
@@ -6999,7 +6912,27 @@
                   </a:schemeClr>
                 </a:solidFill>
               </a:rPr>
-              <a:t>Напишете програма, която кара потребителя за въвежда числа и ги сумира. Края на програмата настъпва, единствено когато потребителя въведе числото 0.</a:t>
+              <a:t>Напишете програма, която кара потребителя </a:t>
+            </a:r>
+            <a:r>
+              <a:rPr lang="ru-RU" sz="2000" dirty="0" smtClean="0">
+                <a:solidFill>
+                  <a:schemeClr val="bg1">
+                    <a:lumMod val="95000"/>
+                  </a:schemeClr>
+                </a:solidFill>
+              </a:rPr>
+              <a:t>да </a:t>
+            </a:r>
+            <a:r>
+              <a:rPr lang="ru-RU" sz="2000" dirty="0">
+                <a:solidFill>
+                  <a:schemeClr val="bg1">
+                    <a:lumMod val="95000"/>
+                  </a:schemeClr>
+                </a:solidFill>
+              </a:rPr>
+              <a:t>въвежда числа и ги сумира. Края на програмата настъпва, единствено когато потребителя въведе числото 0.</a:t>
             </a:r>
           </a:p>
           <a:p>
